--- a/Controlando versões com Git e Github - Capítulo VI.pptx
+++ b/Controlando versões com Git e Github - Capítulo VI.pptx
@@ -11,44 +11,34 @@
     <p:sldId id="390" r:id="rId5"/>
     <p:sldId id="391" r:id="rId6"/>
     <p:sldId id="392" r:id="rId7"/>
-    <p:sldId id="393" r:id="rId8"/>
-    <p:sldId id="394" r:id="rId9"/>
-    <p:sldId id="395" r:id="rId10"/>
-    <p:sldId id="396" r:id="rId11"/>
+    <p:sldId id="394" r:id="rId8"/>
+    <p:sldId id="395" r:id="rId9"/>
+    <p:sldId id="396" r:id="rId10"/>
+    <p:sldId id="432" r:id="rId11"/>
     <p:sldId id="397" r:id="rId12"/>
-    <p:sldId id="398" r:id="rId13"/>
-    <p:sldId id="399" r:id="rId14"/>
-    <p:sldId id="400" r:id="rId15"/>
-    <p:sldId id="401" r:id="rId16"/>
-    <p:sldId id="402" r:id="rId17"/>
-    <p:sldId id="403" r:id="rId18"/>
-    <p:sldId id="404" r:id="rId19"/>
-    <p:sldId id="405" r:id="rId20"/>
-    <p:sldId id="406" r:id="rId21"/>
-    <p:sldId id="407" r:id="rId22"/>
-    <p:sldId id="408" r:id="rId23"/>
-    <p:sldId id="409" r:id="rId24"/>
-    <p:sldId id="411" r:id="rId25"/>
-    <p:sldId id="412" r:id="rId26"/>
-    <p:sldId id="413" r:id="rId27"/>
-    <p:sldId id="414" r:id="rId28"/>
-    <p:sldId id="415" r:id="rId29"/>
-    <p:sldId id="416" r:id="rId30"/>
-    <p:sldId id="417" r:id="rId31"/>
-    <p:sldId id="418" r:id="rId32"/>
-    <p:sldId id="419" r:id="rId33"/>
-    <p:sldId id="420" r:id="rId34"/>
-    <p:sldId id="421" r:id="rId35"/>
-    <p:sldId id="422" r:id="rId36"/>
-    <p:sldId id="423" r:id="rId37"/>
-    <p:sldId id="424" r:id="rId38"/>
-    <p:sldId id="425" r:id="rId39"/>
-    <p:sldId id="426" r:id="rId40"/>
-    <p:sldId id="427" r:id="rId41"/>
-    <p:sldId id="428" r:id="rId42"/>
-    <p:sldId id="429" r:id="rId43"/>
-    <p:sldId id="430" r:id="rId44"/>
-    <p:sldId id="431" r:id="rId45"/>
+    <p:sldId id="399" r:id="rId13"/>
+    <p:sldId id="433" r:id="rId14"/>
+    <p:sldId id="402" r:id="rId15"/>
+    <p:sldId id="403" r:id="rId16"/>
+    <p:sldId id="404" r:id="rId17"/>
+    <p:sldId id="406" r:id="rId18"/>
+    <p:sldId id="408" r:id="rId19"/>
+    <p:sldId id="435" r:id="rId20"/>
+    <p:sldId id="436" r:id="rId21"/>
+    <p:sldId id="437" r:id="rId22"/>
+    <p:sldId id="414" r:id="rId23"/>
+    <p:sldId id="415" r:id="rId24"/>
+    <p:sldId id="417" r:id="rId25"/>
+    <p:sldId id="419" r:id="rId26"/>
+    <p:sldId id="421" r:id="rId27"/>
+    <p:sldId id="422" r:id="rId28"/>
+    <p:sldId id="423" r:id="rId29"/>
+    <p:sldId id="426" r:id="rId30"/>
+    <p:sldId id="427" r:id="rId31"/>
+    <p:sldId id="428" r:id="rId32"/>
+    <p:sldId id="429" r:id="rId33"/>
+    <p:sldId id="430" r:id="rId34"/>
+    <p:sldId id="431" r:id="rId35"/>
   </p:sldIdLst>
   <p:sldSz cx="9144000" cy="6858000" type="screen4x3"/>
   <p:notesSz cx="6858000" cy="9144000"/>
@@ -319,7 +309,7 @@
             <a:fld id="{08B9EBBA-996F-894A-B54A-D6246ED52CEA}" type="datetimeFigureOut">
               <a:rPr lang="en-US" smtClean="0"/>
               <a:pPr/>
-              <a:t>9/30/2020</a:t>
+              <a:t>10/5/2020</a:t>
             </a:fld>
             <a:endParaRPr lang="en-US" dirty="0"/>
           </a:p>
@@ -491,7 +481,7 @@
             <a:fld id="{C6C52C72-DE31-F449-A4ED-4C594FD91407}" type="datetimeFigureOut">
               <a:rPr lang="en-US" smtClean="0"/>
               <a:pPr/>
-              <a:t>9/30/2020</a:t>
+              <a:t>10/5/2020</a:t>
             </a:fld>
             <a:endParaRPr lang="en-US" dirty="0"/>
           </a:p>
@@ -673,7 +663,7 @@
             <a:fld id="{ED62726E-379B-B349-9EED-81ED093FA806}" type="datetimeFigureOut">
               <a:rPr lang="en-US" smtClean="0"/>
               <a:pPr/>
-              <a:t>9/30/2020</a:t>
+              <a:t>10/5/2020</a:t>
             </a:fld>
             <a:endParaRPr lang="en-US" dirty="0"/>
           </a:p>
@@ -845,7 +835,7 @@
             <a:fld id="{9B3A1323-8D79-1946-B0D7-40001CF92E9D}" type="datetimeFigureOut">
               <a:rPr lang="en-US" smtClean="0"/>
               <a:pPr/>
-              <a:t>9/30/2020</a:t>
+              <a:t>10/5/2020</a:t>
             </a:fld>
             <a:endParaRPr lang="en-US" dirty="0"/>
           </a:p>
@@ -1115,7 +1105,7 @@
             <a:fld id="{8DFA1846-DA80-1C48-A609-854EA85C59AD}" type="datetimeFigureOut">
               <a:rPr lang="en-US" smtClean="0"/>
               <a:pPr/>
-              <a:t>9/30/2020</a:t>
+              <a:t>10/5/2020</a:t>
             </a:fld>
             <a:endParaRPr lang="en-US" dirty="0"/>
           </a:p>
@@ -1349,7 +1339,7 @@
             <a:fld id="{57302355-E14B-8545-A8F8-0FE83CC9D524}" type="datetimeFigureOut">
               <a:rPr lang="en-US" smtClean="0"/>
               <a:pPr/>
-              <a:t>9/30/2020</a:t>
+              <a:t>10/5/2020</a:t>
             </a:fld>
             <a:endParaRPr lang="en-US" dirty="0"/>
           </a:p>
@@ -1710,7 +1700,7 @@
             <a:fld id="{09B482E8-6E0E-1B4F-B1FD-C69DB9E858D9}" type="datetimeFigureOut">
               <a:rPr lang="en-US" smtClean="0"/>
               <a:pPr/>
-              <a:t>9/30/2020</a:t>
+              <a:t>10/5/2020</a:t>
             </a:fld>
             <a:endParaRPr lang="en-US" dirty="0"/>
           </a:p>
@@ -1854,7 +1844,7 @@
             <a:fld id="{F13A34C8-038E-2045-AF43-DF7DBB8E0E9E}" type="datetimeFigureOut">
               <a:rPr lang="en-US" smtClean="0"/>
               <a:pPr/>
-              <a:t>9/30/2020</a:t>
+              <a:t>10/5/2020</a:t>
             </a:fld>
             <a:endParaRPr lang="en-US" dirty="0"/>
           </a:p>
@@ -1951,7 +1941,7 @@
             <a:fld id="{8818C68F-D26B-8F47-958C-23B49CF8A634}" type="datetimeFigureOut">
               <a:rPr lang="en-US" smtClean="0"/>
               <a:pPr/>
-              <a:t>9/30/2020</a:t>
+              <a:t>10/5/2020</a:t>
             </a:fld>
             <a:endParaRPr lang="en-US" dirty="0"/>
           </a:p>
@@ -2310,7 +2300,7 @@
             <a:fld id="{D0DF5E60-9974-AC48-9591-99C2BB44B7CF}" type="datetimeFigureOut">
               <a:rPr lang="en-US" smtClean="0"/>
               <a:pPr/>
-              <a:t>9/30/2020</a:t>
+              <a:t>10/5/2020</a:t>
             </a:fld>
             <a:endParaRPr lang="en-US" dirty="0"/>
           </a:p>
@@ -2671,7 +2661,7 @@
             <a:fld id="{09B482E8-6E0E-1B4F-B1FD-C69DB9E858D9}" type="datetimeFigureOut">
               <a:rPr lang="en-US" smtClean="0"/>
               <a:pPr/>
-              <a:t>9/30/2020</a:t>
+              <a:t>10/5/2020</a:t>
             </a:fld>
             <a:endParaRPr lang="en-US" dirty="0"/>
           </a:p>
@@ -2918,7 +2908,7 @@
             <a:fld id="{09B482E8-6E0E-1B4F-B1FD-C69DB9E858D9}" type="datetimeFigureOut">
               <a:rPr lang="en-US" smtClean="0"/>
               <a:pPr/>
-              <a:t>9/30/2020</a:t>
+              <a:t>10/5/2020</a:t>
             </a:fld>
             <a:endParaRPr lang="en-US" dirty="0"/>
           </a:p>
@@ -3486,39 +3476,219 @@
           <a:chExt cx="0" cy="0"/>
         </a:xfrm>
       </p:grpSpPr>
-      <p:pic>
-        <p:nvPicPr>
-          <p:cNvPr id="3" name="Picture 2">
+      <p:sp>
+        <p:nvSpPr>
+          <p:cNvPr id="4" name="TextBox 3">
             <a:extLst>
               <a:ext uri="{FF2B5EF4-FFF2-40B4-BE49-F238E27FC236}">
-                <a16:creationId xmlns:a16="http://schemas.microsoft.com/office/drawing/2014/main" xmlns="" id="{E86F0F91-0F21-6641-977C-6F84CEBC0F82}"/>
+                <a16:creationId xmlns:a16="http://schemas.microsoft.com/office/drawing/2014/main" xmlns="" id="{E037DC88-8AD9-294A-99E1-C8C749C848C7}"/>
               </a:ext>
             </a:extLst>
           </p:cNvPr>
-          <p:cNvPicPr>
-            <a:picLocks noChangeAspect="1"/>
-          </p:cNvPicPr>
+          <p:cNvSpPr txBox="1"/>
           <p:nvPr/>
-        </p:nvPicPr>
-        <p:blipFill>
-          <a:blip r:embed="rId2"/>
-          <a:stretch>
-            <a:fillRect/>
-          </a:stretch>
-        </p:blipFill>
+        </p:nvSpPr>
         <p:spPr>
           <a:xfrm>
-            <a:off x="463550" y="711200"/>
-            <a:ext cx="8216900" cy="5435600"/>
+            <a:off x="475989" y="1382286"/>
+            <a:ext cx="8192022" cy="2739211"/>
           </a:xfrm>
           <a:prstGeom prst="rect">
             <a:avLst/>
           </a:prstGeom>
+          <a:noFill/>
         </p:spPr>
-      </p:pic>
-      <p:sp>
-        <p:nvSpPr>
-          <p:cNvPr id="4" name="Título 1"/>
+        <p:txBody>
+          <a:bodyPr wrap="square" rtlCol="0">
+            <a:spAutoFit/>
+          </a:bodyPr>
+          <a:lstStyle/>
+          <a:p>
+            <a:pPr algn="just"/>
+            <a:endParaRPr lang="pt-BR" sz="3200" dirty="0"/>
+          </a:p>
+          <a:p>
+            <a:pPr marL="457200" indent="-457200" algn="just">
+              <a:buFont typeface="Arial" panose="020B0604020202020204" pitchFamily="34" charset="0"/>
+              <a:buChar char="•"/>
+            </a:pPr>
+            <a:r>
+              <a:rPr lang="pt-BR" sz="2800" dirty="0"/>
+              <a:t>Executar o comando </a:t>
+            </a:r>
+            <a:r>
+              <a:rPr lang="pt-BR" sz="2800" i="1" dirty="0" err="1">
+                <a:solidFill>
+                  <a:srgbClr val="FF0000"/>
+                </a:solidFill>
+              </a:rPr>
+              <a:t>git</a:t>
+            </a:r>
+            <a:r>
+              <a:rPr lang="pt-BR" sz="2800" i="1" dirty="0">
+                <a:solidFill>
+                  <a:srgbClr val="FF0000"/>
+                </a:solidFill>
+              </a:rPr>
+              <a:t> </a:t>
+            </a:r>
+            <a:r>
+              <a:rPr lang="pt-BR" sz="2800" i="1" dirty="0" err="1">
+                <a:solidFill>
+                  <a:srgbClr val="FF0000"/>
+                </a:solidFill>
+              </a:rPr>
+              <a:t>branch</a:t>
+            </a:r>
+            <a:r>
+              <a:rPr lang="pt-BR" sz="2800" i="1" dirty="0">
+                <a:solidFill>
+                  <a:srgbClr val="FF0000"/>
+                </a:solidFill>
+              </a:rPr>
+              <a:t> </a:t>
+            </a:r>
+            <a:r>
+              <a:rPr lang="pt-BR" sz="2800" i="1" dirty="0" smtClean="0">
+                <a:solidFill>
+                  <a:srgbClr val="FF0000"/>
+                </a:solidFill>
+              </a:rPr>
+              <a:t>&lt;</a:t>
+            </a:r>
+            <a:r>
+              <a:rPr lang="pt-BR" sz="2800" i="1" dirty="0" err="1" smtClean="0">
+                <a:solidFill>
+                  <a:srgbClr val="FF0000"/>
+                </a:solidFill>
+              </a:rPr>
+              <a:t>nomedabranch</a:t>
+            </a:r>
+            <a:r>
+              <a:rPr lang="pt-BR" sz="2800" i="1" dirty="0" smtClean="0">
+                <a:solidFill>
+                  <a:srgbClr val="FF0000"/>
+                </a:solidFill>
+              </a:rPr>
+              <a:t>&gt;</a:t>
+            </a:r>
+            <a:r>
+              <a:rPr lang="pt-BR" sz="2800" dirty="0" smtClean="0"/>
+              <a:t>, </a:t>
+            </a:r>
+            <a:r>
+              <a:rPr lang="pt-BR" sz="2800" dirty="0"/>
+              <a:t>substituindo </a:t>
+            </a:r>
+            <a:r>
+              <a:rPr lang="pt-BR" sz="2800" i="1" dirty="0" err="1">
+                <a:solidFill>
+                  <a:srgbClr val="FF0000"/>
+                </a:solidFill>
+              </a:rPr>
+              <a:t>nomedabranch</a:t>
+            </a:r>
+            <a:r>
+              <a:rPr lang="pt-BR" sz="2800" dirty="0">
+                <a:solidFill>
+                  <a:srgbClr val="FF0000"/>
+                </a:solidFill>
+              </a:rPr>
+              <a:t> </a:t>
+            </a:r>
+            <a:r>
+              <a:rPr lang="pt-BR" sz="2800" dirty="0"/>
+              <a:t>para o nome dado ao </a:t>
+            </a:r>
+            <a:r>
+              <a:rPr lang="pt-BR" sz="2800" dirty="0" err="1"/>
+              <a:t>branch</a:t>
+            </a:r>
+            <a:r>
+              <a:rPr lang="pt-BR" sz="2800" dirty="0"/>
+              <a:t> criado</a:t>
+            </a:r>
+            <a:r>
+              <a:rPr lang="pt-BR" sz="2800" dirty="0" smtClean="0"/>
+              <a:t>.</a:t>
+            </a:r>
+          </a:p>
+          <a:p>
+            <a:pPr marL="457200" indent="-457200" algn="just">
+              <a:buFont typeface="Arial" panose="020B0604020202020204" pitchFamily="34" charset="0"/>
+              <a:buChar char="•"/>
+            </a:pPr>
+            <a:endParaRPr lang="pt-BR" sz="2800" dirty="0"/>
+          </a:p>
+          <a:p>
+            <a:pPr algn="ctr"/>
+            <a:r>
+              <a:rPr lang="pt-BR" sz="2800" dirty="0">
+                <a:solidFill>
+                  <a:srgbClr val="FF0000"/>
+                </a:solidFill>
+              </a:rPr>
+              <a:t>$ </a:t>
+            </a:r>
+            <a:r>
+              <a:rPr lang="pt-BR" sz="2800" dirty="0" err="1">
+                <a:solidFill>
+                  <a:srgbClr val="FF0000"/>
+                </a:solidFill>
+              </a:rPr>
+              <a:t>git</a:t>
+            </a:r>
+            <a:r>
+              <a:rPr lang="pt-BR" sz="2800" dirty="0">
+                <a:solidFill>
+                  <a:srgbClr val="FF0000"/>
+                </a:solidFill>
+              </a:rPr>
+              <a:t> </a:t>
+            </a:r>
+            <a:r>
+              <a:rPr lang="pt-BR" sz="2800" dirty="0" err="1">
+                <a:solidFill>
+                  <a:srgbClr val="FF0000"/>
+                </a:solidFill>
+              </a:rPr>
+              <a:t>branch</a:t>
+            </a:r>
+            <a:r>
+              <a:rPr lang="pt-BR" sz="2800" dirty="0">
+                <a:solidFill>
+                  <a:srgbClr val="FF0000"/>
+                </a:solidFill>
+              </a:rPr>
+              <a:t> </a:t>
+            </a:r>
+            <a:r>
+              <a:rPr lang="pt-BR" sz="2800" dirty="0" smtClean="0">
+                <a:solidFill>
+                  <a:srgbClr val="FF0000"/>
+                </a:solidFill>
+              </a:rPr>
+              <a:t>design</a:t>
+            </a:r>
+            <a:r>
+              <a:rPr lang="pt-BR" sz="2800" dirty="0" smtClean="0">
+                <a:solidFill>
+                  <a:srgbClr val="FF0000"/>
+                </a:solidFill>
+              </a:rPr>
+              <a:t> </a:t>
+            </a:r>
+            <a:endParaRPr lang="pt-BR" sz="2800" dirty="0">
+              <a:solidFill>
+                <a:srgbClr val="FF0000"/>
+              </a:solidFill>
+            </a:endParaRPr>
+          </a:p>
+        </p:txBody>
+      </p:sp>
+      <p:sp>
+        <p:nvSpPr>
+          <p:cNvPr id="3" name="Título 1"/>
           <p:cNvSpPr txBox="1">
             <a:spLocks/>
           </p:cNvSpPr>
@@ -3577,7 +3747,7 @@
     </p:spTree>
     <p:extLst>
       <p:ext uri="{BB962C8B-B14F-4D97-AF65-F5344CB8AC3E}">
-        <p14:creationId xmlns:p14="http://schemas.microsoft.com/office/powerpoint/2010/main" val="3346628684"/>
+        <p14:creationId xmlns:p14="http://schemas.microsoft.com/office/powerpoint/2010/main" val="3461750571"/>
       </p:ext>
     </p:extLst>
   </p:cSld>
@@ -3781,57 +3951,306 @@
           <a:chExt cx="0" cy="0"/>
         </a:xfrm>
       </p:grpSpPr>
-      <p:pic>
-        <p:nvPicPr>
-          <p:cNvPr id="2050" name="Picture 2" descr="Git - Branches in a Nutshell">
+      <p:sp>
+        <p:nvSpPr>
+          <p:cNvPr id="4" name="TextBox 3">
             <a:extLst>
               <a:ext uri="{FF2B5EF4-FFF2-40B4-BE49-F238E27FC236}">
-                <a16:creationId xmlns:a16="http://schemas.microsoft.com/office/drawing/2014/main" xmlns="" id="{1C427DD8-DC71-1148-A0AB-750C96A5F487}"/>
+                <a16:creationId xmlns:a16="http://schemas.microsoft.com/office/drawing/2014/main" xmlns="" id="{E037DC88-8AD9-294A-99E1-C8C749C848C7}"/>
               </a:ext>
             </a:extLst>
           </p:cNvPr>
-          <p:cNvPicPr>
-            <a:picLocks noChangeAspect="1" noChangeArrowheads="1"/>
-          </p:cNvPicPr>
+          <p:cNvSpPr txBox="1"/>
           <p:nvPr/>
-        </p:nvPicPr>
-        <p:blipFill>
-          <a:blip r:embed="rId2">
-            <a:extLst>
-              <a:ext uri="{28A0092B-C50C-407E-A947-70E740481C1C}">
-                <a14:useLocalDpi xmlns:a14="http://schemas.microsoft.com/office/drawing/2010/main" val="0"/>
-              </a:ext>
-            </a:extLst>
-          </a:blip>
-          <a:srcRect/>
-          <a:stretch>
-            <a:fillRect/>
-          </a:stretch>
-        </p:blipFill>
-        <p:spPr bwMode="auto">
+        </p:nvSpPr>
+        <p:spPr>
           <a:xfrm>
-            <a:off x="428991" y="777762"/>
-            <a:ext cx="8286018" cy="5302476"/>
+            <a:off x="475989" y="1597729"/>
+            <a:ext cx="8192022" cy="4031873"/>
           </a:xfrm>
           <a:prstGeom prst="rect">
             <a:avLst/>
           </a:prstGeom>
           <a:noFill/>
-          <a:extLst>
-            <a:ext uri="{909E8E84-426E-40DD-AFC4-6F175D3DCCD1}">
-              <a14:hiddenFill xmlns:a14="http://schemas.microsoft.com/office/drawing/2010/main">
-                <a:solidFill>
-                  <a:srgbClr val="FFFFFF"/>
-                </a:solidFill>
-              </a14:hiddenFill>
-            </a:ext>
-          </a:extLst>
         </p:spPr>
-      </p:pic>
+        <p:txBody>
+          <a:bodyPr wrap="square" rtlCol="0">
+            <a:spAutoFit/>
+          </a:bodyPr>
+          <a:lstStyle/>
+          <a:p>
+            <a:pPr algn="just"/>
+            <a:endParaRPr lang="pt-BR" sz="3200" b="1" dirty="0"/>
+          </a:p>
+          <a:p>
+            <a:pPr algn="just"/>
+            <a:r>
+              <a:rPr lang="pt-BR" sz="3200" dirty="0"/>
+              <a:t>Para trocar para a </a:t>
+            </a:r>
+            <a:r>
+              <a:rPr lang="pt-BR" sz="3200" dirty="0" err="1">
+                <a:solidFill>
+                  <a:srgbClr val="FF0000"/>
+                </a:solidFill>
+              </a:rPr>
+              <a:t>branch</a:t>
+            </a:r>
+            <a:r>
+              <a:rPr lang="pt-BR" sz="3200" dirty="0">
+                <a:solidFill>
+                  <a:srgbClr val="FF0000"/>
+                </a:solidFill>
+              </a:rPr>
+              <a:t> </a:t>
+            </a:r>
+            <a:r>
+              <a:rPr lang="pt-BR" sz="3200" dirty="0"/>
+              <a:t>criada, execute o comando</a:t>
+            </a:r>
+            <a:r>
+              <a:rPr lang="pt-BR" sz="3200" i="1" dirty="0"/>
+              <a:t> </a:t>
+            </a:r>
+            <a:r>
+              <a:rPr lang="pt-BR" sz="3200" i="1" dirty="0" err="1">
+                <a:solidFill>
+                  <a:srgbClr val="FF0000"/>
+                </a:solidFill>
+              </a:rPr>
+              <a:t>git</a:t>
+            </a:r>
+            <a:r>
+              <a:rPr lang="pt-BR" sz="3200" i="1" dirty="0">
+                <a:solidFill>
+                  <a:srgbClr val="FF0000"/>
+                </a:solidFill>
+              </a:rPr>
+              <a:t> </a:t>
+            </a:r>
+            <a:r>
+              <a:rPr lang="pt-BR" sz="3200" i="1" dirty="0" err="1">
+                <a:solidFill>
+                  <a:srgbClr val="FF0000"/>
+                </a:solidFill>
+              </a:rPr>
+              <a:t>checkout</a:t>
+            </a:r>
+            <a:r>
+              <a:rPr lang="pt-BR" sz="3200" i="1" dirty="0">
+                <a:solidFill>
+                  <a:srgbClr val="FF0000"/>
+                </a:solidFill>
+              </a:rPr>
+              <a:t> </a:t>
+            </a:r>
+            <a:r>
+              <a:rPr lang="pt-BR" sz="3200" i="1" dirty="0" smtClean="0">
+                <a:solidFill>
+                  <a:srgbClr val="FF0000"/>
+                </a:solidFill>
+              </a:rPr>
+              <a:t>&lt;</a:t>
+            </a:r>
+            <a:r>
+              <a:rPr lang="pt-BR" sz="3200" i="1" dirty="0" err="1" smtClean="0">
+                <a:solidFill>
+                  <a:srgbClr val="FF0000"/>
+                </a:solidFill>
+              </a:rPr>
+              <a:t>nomedabranch</a:t>
+            </a:r>
+            <a:r>
+              <a:rPr lang="pt-BR" sz="3200" i="1" dirty="0" smtClean="0">
+                <a:solidFill>
+                  <a:srgbClr val="FF0000"/>
+                </a:solidFill>
+              </a:rPr>
+              <a:t>&gt;</a:t>
+            </a:r>
+            <a:r>
+              <a:rPr lang="pt-BR" sz="3200" dirty="0" smtClean="0"/>
+              <a:t>. </a:t>
+            </a:r>
+            <a:r>
+              <a:rPr lang="pt-BR" sz="3200" dirty="0"/>
+              <a:t>Ao executar o comando, o </a:t>
+            </a:r>
+            <a:r>
+              <a:rPr lang="pt-BR" sz="3200" dirty="0">
+                <a:solidFill>
+                  <a:srgbClr val="FF0000"/>
+                </a:solidFill>
+              </a:rPr>
+              <a:t>HEAD</a:t>
+            </a:r>
+            <a:r>
+              <a:rPr lang="pt-BR" sz="3200" dirty="0"/>
+              <a:t> aponta para a nova </a:t>
+            </a:r>
+            <a:r>
+              <a:rPr lang="pt-BR" sz="3200" dirty="0" err="1">
+                <a:solidFill>
+                  <a:srgbClr val="FF0000"/>
+                </a:solidFill>
+              </a:rPr>
+              <a:t>branch</a:t>
+            </a:r>
+            <a:r>
+              <a:rPr lang="pt-BR" sz="3200" dirty="0"/>
+              <a:t>.</a:t>
+            </a:r>
+          </a:p>
+          <a:p>
+            <a:pPr algn="just"/>
+            <a:r>
+              <a:rPr lang="pt-BR" sz="3200" dirty="0"/>
+              <a:t>O comando </a:t>
+            </a:r>
+            <a:r>
+              <a:rPr lang="pt-BR" sz="3200" i="1" dirty="0" err="1">
+                <a:solidFill>
+                  <a:srgbClr val="FF0000"/>
+                </a:solidFill>
+              </a:rPr>
+              <a:t>git</a:t>
+            </a:r>
+            <a:r>
+              <a:rPr lang="pt-BR" sz="3200" i="1" dirty="0">
+                <a:solidFill>
+                  <a:srgbClr val="FF0000"/>
+                </a:solidFill>
+              </a:rPr>
+              <a:t> </a:t>
+            </a:r>
+            <a:r>
+              <a:rPr lang="pt-BR" sz="3200" i="1" dirty="0" err="1">
+                <a:solidFill>
+                  <a:srgbClr val="FF0000"/>
+                </a:solidFill>
+              </a:rPr>
+              <a:t>branch</a:t>
+            </a:r>
+            <a:r>
+              <a:rPr lang="pt-BR" sz="3200" i="1" dirty="0">
+                <a:solidFill>
+                  <a:srgbClr val="FF0000"/>
+                </a:solidFill>
+              </a:rPr>
+              <a:t> -</a:t>
+            </a:r>
+            <a:r>
+              <a:rPr lang="pt-BR" sz="3200" i="1" dirty="0" err="1">
+                <a:solidFill>
+                  <a:srgbClr val="FF0000"/>
+                </a:solidFill>
+              </a:rPr>
+              <a:t>v</a:t>
+            </a:r>
+            <a:r>
+              <a:rPr lang="pt-BR" sz="3200" dirty="0">
+                <a:solidFill>
+                  <a:srgbClr val="FF0000"/>
+                </a:solidFill>
+              </a:rPr>
+              <a:t> </a:t>
+            </a:r>
+            <a:r>
+              <a:rPr lang="pt-BR" sz="3200" dirty="0"/>
+              <a:t>irá indicar a mudança de </a:t>
+            </a:r>
+            <a:r>
+              <a:rPr lang="pt-BR" sz="3200" dirty="0" err="1">
+                <a:solidFill>
+                  <a:srgbClr val="FF0000"/>
+                </a:solidFill>
+              </a:rPr>
+              <a:t>branch</a:t>
+            </a:r>
+            <a:r>
+              <a:rPr lang="pt-BR" sz="3200" dirty="0"/>
+              <a:t>. Ambas as </a:t>
+            </a:r>
+            <a:r>
+              <a:rPr lang="pt-BR" sz="3200" dirty="0" err="1"/>
+              <a:t>branches</a:t>
+            </a:r>
+            <a:r>
+              <a:rPr lang="pt-BR" sz="3200" dirty="0"/>
+              <a:t> apontam para o mesmo </a:t>
+            </a:r>
+            <a:r>
+              <a:rPr lang="pt-BR" sz="3200" dirty="0" err="1"/>
+              <a:t>commit</a:t>
+            </a:r>
+            <a:r>
+              <a:rPr lang="pt-BR" sz="3200" dirty="0"/>
+              <a:t>.</a:t>
+            </a:r>
+          </a:p>
+        </p:txBody>
+      </p:sp>
+      <p:sp>
+        <p:nvSpPr>
+          <p:cNvPr id="3" name="Título 1"/>
+          <p:cNvSpPr txBox="1">
+            <a:spLocks/>
+          </p:cNvSpPr>
+          <p:nvPr/>
+        </p:nvSpPr>
+        <p:spPr bwMode="black">
+          <a:xfrm>
+            <a:off x="180304" y="0"/>
+            <a:ext cx="8770513" cy="902745"/>
+          </a:xfrm>
+          <a:prstGeom prst="rect">
+            <a:avLst/>
+          </a:prstGeom>
+          <a:solidFill>
+            <a:srgbClr val="FFFFFF"/>
+          </a:solidFill>
+          <a:ln w="31750" cap="sq">
+            <a:solidFill>
+              <a:srgbClr val="404040"/>
+            </a:solidFill>
+            <a:miter lim="800000"/>
+          </a:ln>
+        </p:spPr>
+        <p:txBody>
+          <a:bodyPr vert="horz" lIns="182880" tIns="182880" rIns="182880" bIns="182880" rtlCol="0" anchor="ctr">
+            <a:noAutofit/>
+          </a:bodyPr>
+          <a:lstStyle>
+            <a:lvl1pPr algn="ctr" defTabSz="914400" rtl="0" eaLnBrk="1" latinLnBrk="0" hangingPunct="1">
+              <a:lnSpc>
+                <a:spcPct val="90000"/>
+              </a:lnSpc>
+              <a:spcBef>
+                <a:spcPct val="0"/>
+              </a:spcBef>
+              <a:buNone/>
+              <a:defRPr sz="2600" kern="1200" cap="all" spc="200" baseline="0">
+                <a:solidFill>
+                  <a:srgbClr val="262626"/>
+                </a:solidFill>
+                <a:latin typeface="+mj-lt"/>
+                <a:ea typeface="+mj-ea"/>
+                <a:cs typeface="+mj-cs"/>
+              </a:defRPr>
+            </a:lvl1pPr>
+          </a:lstStyle>
+          <a:p>
+            <a:r>
+              <a:rPr lang="pt-BR" sz="2400" b="1" dirty="0"/>
+              <a:t>TROCANDO DE BRANCH</a:t>
+            </a:r>
+          </a:p>
+        </p:txBody>
+      </p:sp>
     </p:spTree>
     <p:extLst>
       <p:ext uri="{BB962C8B-B14F-4D97-AF65-F5344CB8AC3E}">
-        <p14:creationId xmlns:p14="http://schemas.microsoft.com/office/powerpoint/2010/main" val="2014635821"/>
+        <p14:creationId xmlns:p14="http://schemas.microsoft.com/office/powerpoint/2010/main" val="1702861369"/>
       </p:ext>
     </p:extLst>
   </p:cSld>
@@ -3860,231 +4279,6 @@
       </p:grpSpPr>
       <p:sp>
         <p:nvSpPr>
-          <p:cNvPr id="4" name="TextBox 3">
-            <a:extLst>
-              <a:ext uri="{FF2B5EF4-FFF2-40B4-BE49-F238E27FC236}">
-                <a16:creationId xmlns:a16="http://schemas.microsoft.com/office/drawing/2014/main" xmlns="" id="{E037DC88-8AD9-294A-99E1-C8C749C848C7}"/>
-              </a:ext>
-            </a:extLst>
-          </p:cNvPr>
-          <p:cNvSpPr txBox="1"/>
-          <p:nvPr/>
-        </p:nvSpPr>
-        <p:spPr>
-          <a:xfrm>
-            <a:off x="475989" y="1597729"/>
-            <a:ext cx="8192022" cy="3170099"/>
-          </a:xfrm>
-          <a:prstGeom prst="rect">
-            <a:avLst/>
-          </a:prstGeom>
-          <a:noFill/>
-        </p:spPr>
-        <p:txBody>
-          <a:bodyPr wrap="square" rtlCol="0">
-            <a:spAutoFit/>
-          </a:bodyPr>
-          <a:lstStyle/>
-          <a:p>
-            <a:pPr algn="just"/>
-            <a:endParaRPr lang="pt-BR" sz="3200" b="1" dirty="0"/>
-          </a:p>
-          <a:p>
-            <a:pPr marL="457200" indent="-457200" algn="just">
-              <a:buFont typeface="Arial" panose="020B0604020202020204" pitchFamily="34" charset="0"/>
-              <a:buChar char="•"/>
-            </a:pPr>
-            <a:r>
-              <a:rPr lang="pt-BR" sz="2800" dirty="0"/>
-              <a:t>Para trocar para a </a:t>
-            </a:r>
-            <a:r>
-              <a:rPr lang="pt-BR" sz="2800" dirty="0" err="1"/>
-              <a:t>branch</a:t>
-            </a:r>
-            <a:r>
-              <a:rPr lang="pt-BR" sz="2800" dirty="0"/>
-              <a:t> criada, execute o comando</a:t>
-            </a:r>
-            <a:r>
-              <a:rPr lang="pt-BR" sz="2800" i="1" dirty="0"/>
-              <a:t> </a:t>
-            </a:r>
-            <a:r>
-              <a:rPr lang="pt-BR" sz="2800" i="1" dirty="0" err="1">
-                <a:solidFill>
-                  <a:srgbClr val="FF0000"/>
-                </a:solidFill>
-              </a:rPr>
-              <a:t>git</a:t>
-            </a:r>
-            <a:r>
-              <a:rPr lang="pt-BR" sz="2800" i="1" dirty="0">
-                <a:solidFill>
-                  <a:srgbClr val="FF0000"/>
-                </a:solidFill>
-              </a:rPr>
-              <a:t> </a:t>
-            </a:r>
-            <a:r>
-              <a:rPr lang="pt-BR" sz="2800" i="1" dirty="0" err="1">
-                <a:solidFill>
-                  <a:srgbClr val="FF0000"/>
-                </a:solidFill>
-              </a:rPr>
-              <a:t>checkout</a:t>
-            </a:r>
-            <a:r>
-              <a:rPr lang="pt-BR" sz="2800" i="1" dirty="0">
-                <a:solidFill>
-                  <a:srgbClr val="FF0000"/>
-                </a:solidFill>
-              </a:rPr>
-              <a:t> </a:t>
-            </a:r>
-            <a:r>
-              <a:rPr lang="pt-BR" sz="2800" i="1" dirty="0" smtClean="0">
-                <a:solidFill>
-                  <a:srgbClr val="FF0000"/>
-                </a:solidFill>
-              </a:rPr>
-              <a:t>&lt;</a:t>
-            </a:r>
-            <a:r>
-              <a:rPr lang="pt-BR" sz="2800" i="1" dirty="0" err="1" smtClean="0">
-                <a:solidFill>
-                  <a:srgbClr val="FF0000"/>
-                </a:solidFill>
-              </a:rPr>
-              <a:t>nomedabranch</a:t>
-            </a:r>
-            <a:r>
-              <a:rPr lang="pt-BR" sz="2800" i="1" dirty="0" smtClean="0">
-                <a:solidFill>
-                  <a:srgbClr val="FF0000"/>
-                </a:solidFill>
-              </a:rPr>
-              <a:t>&gt;</a:t>
-            </a:r>
-            <a:r>
-              <a:rPr lang="pt-BR" sz="2800" dirty="0" smtClean="0"/>
-              <a:t>. </a:t>
-            </a:r>
-            <a:r>
-              <a:rPr lang="pt-BR" sz="2800" dirty="0"/>
-              <a:t>Ao executar o comando, o </a:t>
-            </a:r>
-            <a:r>
-              <a:rPr lang="pt-BR" sz="2800" dirty="0">
-                <a:solidFill>
-                  <a:srgbClr val="FF0000"/>
-                </a:solidFill>
-              </a:rPr>
-              <a:t>HEAD</a:t>
-            </a:r>
-            <a:r>
-              <a:rPr lang="pt-BR" sz="2800" dirty="0"/>
-              <a:t> aponta para a nova </a:t>
-            </a:r>
-            <a:r>
-              <a:rPr lang="pt-BR" sz="2800" dirty="0" err="1"/>
-              <a:t>branch</a:t>
-            </a:r>
-            <a:r>
-              <a:rPr lang="pt-BR" sz="2800" dirty="0"/>
-              <a:t>.</a:t>
-            </a:r>
-          </a:p>
-          <a:p>
-            <a:pPr marL="457200" indent="-457200" algn="just">
-              <a:buFont typeface="Arial" panose="020B0604020202020204" pitchFamily="34" charset="0"/>
-              <a:buChar char="•"/>
-            </a:pPr>
-            <a:r>
-              <a:rPr lang="pt-BR" sz="2800" dirty="0"/>
-              <a:t>O comando </a:t>
-            </a:r>
-            <a:r>
-              <a:rPr lang="pt-BR" sz="2800" i="1" dirty="0" err="1">
-                <a:solidFill>
-                  <a:srgbClr val="FF0000"/>
-                </a:solidFill>
-              </a:rPr>
-              <a:t>git</a:t>
-            </a:r>
-            <a:r>
-              <a:rPr lang="pt-BR" sz="2800" i="1" dirty="0">
-                <a:solidFill>
-                  <a:srgbClr val="FF0000"/>
-                </a:solidFill>
-              </a:rPr>
-              <a:t> </a:t>
-            </a:r>
-            <a:r>
-              <a:rPr lang="pt-BR" sz="2800" i="1" dirty="0" err="1">
-                <a:solidFill>
-                  <a:srgbClr val="FF0000"/>
-                </a:solidFill>
-              </a:rPr>
-              <a:t>branch</a:t>
-            </a:r>
-            <a:r>
-              <a:rPr lang="pt-BR" sz="2800" i="1" dirty="0">
-                <a:solidFill>
-                  <a:srgbClr val="FF0000"/>
-                </a:solidFill>
-              </a:rPr>
-              <a:t> -</a:t>
-            </a:r>
-            <a:r>
-              <a:rPr lang="pt-BR" sz="2800" i="1" dirty="0" err="1">
-                <a:solidFill>
-                  <a:srgbClr val="FF0000"/>
-                </a:solidFill>
-              </a:rPr>
-              <a:t>v</a:t>
-            </a:r>
-            <a:r>
-              <a:rPr lang="pt-BR" sz="2800" dirty="0">
-                <a:solidFill>
-                  <a:srgbClr val="FF0000"/>
-                </a:solidFill>
-              </a:rPr>
-              <a:t> </a:t>
-            </a:r>
-            <a:r>
-              <a:rPr lang="pt-BR" sz="2800" dirty="0"/>
-              <a:t>irá indicar a mudança de </a:t>
-            </a:r>
-            <a:r>
-              <a:rPr lang="pt-BR" sz="2800" dirty="0" err="1"/>
-              <a:t>branch</a:t>
-            </a:r>
-            <a:r>
-              <a:rPr lang="pt-BR" sz="2800" dirty="0"/>
-              <a:t>. Ambas as </a:t>
-            </a:r>
-            <a:r>
-              <a:rPr lang="pt-BR" sz="2800" dirty="0" err="1"/>
-              <a:t>branches</a:t>
-            </a:r>
-            <a:r>
-              <a:rPr lang="pt-BR" sz="2800" dirty="0"/>
-              <a:t> apontam para o mesmo </a:t>
-            </a:r>
-            <a:r>
-              <a:rPr lang="pt-BR" sz="2800" dirty="0" err="1"/>
-              <a:t>commit</a:t>
-            </a:r>
-            <a:r>
-              <a:rPr lang="pt-BR" sz="2800" dirty="0"/>
-              <a:t>.</a:t>
-            </a:r>
-          </a:p>
-        </p:txBody>
-      </p:sp>
-      <p:sp>
-        <p:nvSpPr>
           <p:cNvPr id="3" name="Título 1"/>
           <p:cNvSpPr txBox="1">
             <a:spLocks/>
@@ -4135,16 +4329,70 @@
           <a:p>
             <a:r>
               <a:rPr lang="pt-BR" sz="2400" b="1" dirty="0"/>
-              <a:t>TROCANDO DE BRANCH</a:t>
-            </a:r>
-            <a:endParaRPr lang="pt-BR" sz="2400" b="1" dirty="0"/>
-          </a:p>
-        </p:txBody>
-      </p:sp>
+              <a:t>CRIANDO UMA BRANCH</a:t>
+            </a:r>
+            <a:endParaRPr lang="pt-BR" sz="2400" dirty="0"/>
+          </a:p>
+        </p:txBody>
+      </p:sp>
+      <p:pic>
+        <p:nvPicPr>
+          <p:cNvPr id="1026" name="Picture 2"/>
+          <p:cNvPicPr>
+            <a:picLocks noChangeAspect="1" noChangeArrowheads="1"/>
+          </p:cNvPicPr>
+          <p:nvPr/>
+        </p:nvPicPr>
+        <p:blipFill>
+          <a:blip r:embed="rId2">
+            <a:extLst>
+              <a:ext uri="{28A0092B-C50C-407E-A947-70E740481C1C}">
+                <a14:useLocalDpi xmlns:a14="http://schemas.microsoft.com/office/drawing/2010/main" val="0"/>
+              </a:ext>
+            </a:extLst>
+          </a:blip>
+          <a:srcRect/>
+          <a:stretch>
+            <a:fillRect/>
+          </a:stretch>
+        </p:blipFill>
+        <p:spPr bwMode="auto">
+          <a:xfrm>
+            <a:off x="461963" y="1868191"/>
+            <a:ext cx="8006963" cy="4211337"/>
+          </a:xfrm>
+          <a:prstGeom prst="rect">
+            <a:avLst/>
+          </a:prstGeom>
+          <a:noFill/>
+          <a:ln>
+            <a:noFill/>
+          </a:ln>
+          <a:extLst>
+            <a:ext uri="{909E8E84-426E-40DD-AFC4-6F175D3DCCD1}">
+              <a14:hiddenFill xmlns:a14="http://schemas.microsoft.com/office/drawing/2010/main">
+                <a:solidFill>
+                  <a:srgbClr val="FFFFFF"/>
+                </a:solidFill>
+              </a14:hiddenFill>
+            </a:ext>
+            <a:ext uri="{91240B29-F687-4F45-9708-019B960494DF}">
+              <a14:hiddenLine xmlns:a14="http://schemas.microsoft.com/office/drawing/2010/main" w="9525">
+                <a:solidFill>
+                  <a:srgbClr val="000000"/>
+                </a:solidFill>
+                <a:miter lim="800000"/>
+                <a:headEnd/>
+                <a:tailEnd/>
+              </a14:hiddenLine>
+            </a:ext>
+          </a:extLst>
+        </p:spPr>
+      </p:pic>
     </p:spTree>
     <p:extLst>
       <p:ext uri="{BB962C8B-B14F-4D97-AF65-F5344CB8AC3E}">
-        <p14:creationId xmlns:p14="http://schemas.microsoft.com/office/powerpoint/2010/main" val="1702861369"/>
+        <p14:creationId xmlns:p14="http://schemas.microsoft.com/office/powerpoint/2010/main" val="903569251"/>
       </p:ext>
     </p:extLst>
   </p:cSld>
@@ -4171,36 +4419,110 @@
           <a:chExt cx="0" cy="0"/>
         </a:xfrm>
       </p:grpSpPr>
-      <p:pic>
-        <p:nvPicPr>
-          <p:cNvPr id="4" name="Picture 3">
+      <p:sp>
+        <p:nvSpPr>
+          <p:cNvPr id="4" name="TextBox 3">
             <a:extLst>
               <a:ext uri="{FF2B5EF4-FFF2-40B4-BE49-F238E27FC236}">
-                <a16:creationId xmlns:a16="http://schemas.microsoft.com/office/drawing/2014/main" xmlns="" id="{BE1DB1B4-007F-EC43-8F08-0707CB547C8A}"/>
+                <a16:creationId xmlns:a16="http://schemas.microsoft.com/office/drawing/2014/main" xmlns="" id="{E037DC88-8AD9-294A-99E1-C8C749C848C7}"/>
               </a:ext>
             </a:extLst>
           </p:cNvPr>
-          <p:cNvPicPr>
-            <a:picLocks noChangeAspect="1"/>
-          </p:cNvPicPr>
+          <p:cNvSpPr txBox="1"/>
           <p:nvPr/>
-        </p:nvPicPr>
-        <p:blipFill>
-          <a:blip r:embed="rId2"/>
-          <a:stretch>
-            <a:fillRect/>
-          </a:stretch>
-        </p:blipFill>
+        </p:nvSpPr>
         <p:spPr>
           <a:xfrm>
-            <a:off x="463550" y="711200"/>
-            <a:ext cx="8216900" cy="5435600"/>
+            <a:off x="475989" y="2736502"/>
+            <a:ext cx="8192022" cy="1569660"/>
           </a:xfrm>
           <a:prstGeom prst="rect">
             <a:avLst/>
           </a:prstGeom>
+          <a:noFill/>
         </p:spPr>
-      </p:pic>
+        <p:txBody>
+          <a:bodyPr wrap="square" rtlCol="0">
+            <a:spAutoFit/>
+          </a:bodyPr>
+          <a:lstStyle/>
+          <a:p>
+            <a:pPr algn="just"/>
+            <a:r>
+              <a:rPr lang="pt-BR" sz="3200" dirty="0"/>
+              <a:t>O comando </a:t>
+            </a:r>
+            <a:r>
+              <a:rPr lang="pt-BR" sz="3200" i="1" dirty="0" err="1">
+                <a:solidFill>
+                  <a:srgbClr val="FF0000"/>
+                </a:solidFill>
+              </a:rPr>
+              <a:t>git</a:t>
+            </a:r>
+            <a:r>
+              <a:rPr lang="pt-BR" sz="3200" i="1" dirty="0">
+                <a:solidFill>
+                  <a:srgbClr val="FF0000"/>
+                </a:solidFill>
+              </a:rPr>
+              <a:t> </a:t>
+            </a:r>
+            <a:r>
+              <a:rPr lang="pt-BR" sz="3200" i="1" dirty="0" err="1">
+                <a:solidFill>
+                  <a:srgbClr val="FF0000"/>
+                </a:solidFill>
+              </a:rPr>
+              <a:t>checkout</a:t>
+            </a:r>
+            <a:r>
+              <a:rPr lang="pt-BR" sz="3200" dirty="0">
+                <a:solidFill>
+                  <a:srgbClr val="FF0000"/>
+                </a:solidFill>
+              </a:rPr>
+              <a:t> </a:t>
+            </a:r>
+            <a:r>
+              <a:rPr lang="pt-BR" sz="3200" dirty="0"/>
+              <a:t>pode ser utilizado para trocar a </a:t>
+            </a:r>
+            <a:r>
+              <a:rPr lang="pt-BR" sz="3200" dirty="0" err="1">
+                <a:solidFill>
+                  <a:srgbClr val="FF0000"/>
+                </a:solidFill>
+              </a:rPr>
+              <a:t>branch</a:t>
+            </a:r>
+            <a:r>
+              <a:rPr lang="pt-BR" sz="3200" dirty="0">
+                <a:solidFill>
+                  <a:srgbClr val="FF0000"/>
+                </a:solidFill>
+              </a:rPr>
+              <a:t> </a:t>
+            </a:r>
+            <a:r>
+              <a:rPr lang="pt-BR" sz="3200" dirty="0"/>
+              <a:t>atual e para descartar alterações de um arquivo que não está no </a:t>
+            </a:r>
+            <a:r>
+              <a:rPr lang="pt-BR" sz="3200" dirty="0" err="1">
+                <a:solidFill>
+                  <a:srgbClr val="FF0000"/>
+                </a:solidFill>
+              </a:rPr>
+              <a:t>stage</a:t>
+            </a:r>
+            <a:r>
+              <a:rPr lang="pt-BR" sz="3200" dirty="0"/>
+              <a:t>.</a:t>
+            </a:r>
+          </a:p>
+        </p:txBody>
+      </p:sp>
       <p:sp>
         <p:nvSpPr>
           <p:cNvPr id="3" name="Título 1"/>
@@ -4253,16 +4575,16 @@
           <a:p>
             <a:r>
               <a:rPr lang="pt-BR" sz="2400" b="1" dirty="0"/>
-              <a:t>TROCANDO DE BRANCH</a:t>
-            </a:r>
-            <a:endParaRPr lang="pt-BR" sz="2400" b="1" dirty="0"/>
+              <a:t>CRIANDO UMA BRANCH</a:t>
+            </a:r>
+            <a:endParaRPr lang="pt-BR" sz="2400" dirty="0"/>
           </a:p>
         </p:txBody>
       </p:sp>
     </p:spTree>
     <p:extLst>
       <p:ext uri="{BB962C8B-B14F-4D97-AF65-F5344CB8AC3E}">
-        <p14:creationId xmlns:p14="http://schemas.microsoft.com/office/powerpoint/2010/main" val="1169848588"/>
+        <p14:creationId xmlns:p14="http://schemas.microsoft.com/office/powerpoint/2010/main" val="3686980842"/>
       </p:ext>
     </p:extLst>
   </p:cSld>
@@ -4289,40 +4611,219 @@
           <a:chExt cx="0" cy="0"/>
         </a:xfrm>
       </p:grpSpPr>
-      <p:pic>
-        <p:nvPicPr>
-          <p:cNvPr id="2" name="Picture 1">
+      <p:sp>
+        <p:nvSpPr>
+          <p:cNvPr id="4" name="TextBox 3">
             <a:extLst>
               <a:ext uri="{FF2B5EF4-FFF2-40B4-BE49-F238E27FC236}">
-                <a16:creationId xmlns:a16="http://schemas.microsoft.com/office/drawing/2014/main" xmlns="" id="{70031485-546E-4946-B752-67040D1A315E}"/>
+                <a16:creationId xmlns:a16="http://schemas.microsoft.com/office/drawing/2014/main" xmlns="" id="{E037DC88-8AD9-294A-99E1-C8C749C848C7}"/>
               </a:ext>
             </a:extLst>
           </p:cNvPr>
-          <p:cNvPicPr>
-            <a:picLocks noChangeAspect="1"/>
-          </p:cNvPicPr>
+          <p:cNvSpPr txBox="1"/>
           <p:nvPr/>
-        </p:nvPicPr>
-        <p:blipFill>
-          <a:blip r:embed="rId2"/>
-          <a:stretch>
-            <a:fillRect/>
-          </a:stretch>
-        </p:blipFill>
+        </p:nvSpPr>
         <p:spPr>
           <a:xfrm>
-            <a:off x="463550" y="711200"/>
-            <a:ext cx="8216900" cy="5435600"/>
+            <a:off x="475989" y="2244060"/>
+            <a:ext cx="8192022" cy="3046988"/>
           </a:xfrm>
           <a:prstGeom prst="rect">
             <a:avLst/>
           </a:prstGeom>
+          <a:noFill/>
         </p:spPr>
-      </p:pic>
+        <p:txBody>
+          <a:bodyPr wrap="square" rtlCol="0">
+            <a:spAutoFit/>
+          </a:bodyPr>
+          <a:lstStyle/>
+          <a:p>
+            <a:pPr algn="just"/>
+            <a:r>
+              <a:rPr lang="pt-BR" sz="3200" dirty="0" smtClean="0"/>
+              <a:t>Caso </a:t>
+            </a:r>
+            <a:r>
+              <a:rPr lang="pt-BR" sz="3200" dirty="0"/>
+              <a:t>o usuário queira criar e trocar para a nova </a:t>
+            </a:r>
+            <a:r>
+              <a:rPr lang="pt-BR" sz="3200" dirty="0" err="1">
+                <a:solidFill>
+                  <a:srgbClr val="FF0000"/>
+                </a:solidFill>
+              </a:rPr>
+              <a:t>branch</a:t>
+            </a:r>
+            <a:r>
+              <a:rPr lang="pt-BR" sz="3200" dirty="0">
+                <a:solidFill>
+                  <a:srgbClr val="FF0000"/>
+                </a:solidFill>
+              </a:rPr>
+              <a:t> </a:t>
+            </a:r>
+            <a:r>
+              <a:rPr lang="pt-BR" sz="3200" dirty="0"/>
+              <a:t>simultaneamente, basta utilizar o </a:t>
+            </a:r>
+            <a:r>
+              <a:rPr lang="pt-BR" sz="3200" dirty="0" smtClean="0"/>
+              <a:t>comando:</a:t>
+            </a:r>
+          </a:p>
+          <a:p>
+            <a:pPr algn="just"/>
+            <a:endParaRPr lang="pt-BR" sz="3200" dirty="0" smtClean="0"/>
+          </a:p>
+          <a:p>
+            <a:pPr algn="ctr"/>
+            <a:r>
+              <a:rPr lang="pt-BR" sz="3200" i="1" dirty="0" err="1" smtClean="0">
+                <a:solidFill>
+                  <a:srgbClr val="FF0000"/>
+                </a:solidFill>
+              </a:rPr>
+              <a:t>git</a:t>
+            </a:r>
+            <a:r>
+              <a:rPr lang="pt-BR" sz="3200" i="1" dirty="0" smtClean="0">
+                <a:solidFill>
+                  <a:srgbClr val="FF0000"/>
+                </a:solidFill>
+              </a:rPr>
+              <a:t> </a:t>
+            </a:r>
+            <a:r>
+              <a:rPr lang="pt-BR" sz="3200" i="1" dirty="0" err="1">
+                <a:solidFill>
+                  <a:srgbClr val="FF0000"/>
+                </a:solidFill>
+              </a:rPr>
+              <a:t>checkout</a:t>
+            </a:r>
+            <a:r>
+              <a:rPr lang="pt-BR" sz="3200" i="1" dirty="0">
+                <a:solidFill>
+                  <a:srgbClr val="FF0000"/>
+                </a:solidFill>
+              </a:rPr>
+              <a:t> -b </a:t>
+            </a:r>
+            <a:r>
+              <a:rPr lang="pt-BR" sz="3200" i="1" dirty="0" err="1" smtClean="0">
+                <a:solidFill>
+                  <a:srgbClr val="FF0000"/>
+                </a:solidFill>
+              </a:rPr>
+              <a:t>nomebranch</a:t>
+            </a:r>
+            <a:endParaRPr lang="pt-BR" sz="3200" i="1" dirty="0" smtClean="0">
+              <a:solidFill>
+                <a:srgbClr val="FF0000"/>
+              </a:solidFill>
+            </a:endParaRPr>
+          </a:p>
+          <a:p>
+            <a:pPr algn="ctr"/>
+            <a:r>
+              <a:rPr lang="pt-BR" sz="3200" i="1" dirty="0" err="1" smtClean="0">
+                <a:solidFill>
+                  <a:srgbClr val="FF0000"/>
+                </a:solidFill>
+              </a:rPr>
+              <a:t>git</a:t>
+            </a:r>
+            <a:r>
+              <a:rPr lang="pt-BR" sz="3200" i="1" dirty="0" smtClean="0">
+                <a:solidFill>
+                  <a:srgbClr val="FF0000"/>
+                </a:solidFill>
+              </a:rPr>
+              <a:t> </a:t>
+            </a:r>
+            <a:r>
+              <a:rPr lang="pt-BR" sz="3200" i="1" dirty="0" err="1" smtClean="0">
+                <a:solidFill>
+                  <a:srgbClr val="FF0000"/>
+                </a:solidFill>
+              </a:rPr>
+              <a:t>checkout</a:t>
+            </a:r>
+            <a:r>
+              <a:rPr lang="pt-BR" sz="3200" i="1" dirty="0" smtClean="0">
+                <a:solidFill>
+                  <a:srgbClr val="FF0000"/>
+                </a:solidFill>
+              </a:rPr>
+              <a:t> –b loja</a:t>
+            </a:r>
+            <a:endParaRPr lang="pt-BR" sz="3200" dirty="0"/>
+          </a:p>
+        </p:txBody>
+      </p:sp>
+      <p:sp>
+        <p:nvSpPr>
+          <p:cNvPr id="3" name="Título 1"/>
+          <p:cNvSpPr txBox="1">
+            <a:spLocks/>
+          </p:cNvSpPr>
+          <p:nvPr/>
+        </p:nvSpPr>
+        <p:spPr bwMode="black">
+          <a:xfrm>
+            <a:off x="180304" y="0"/>
+            <a:ext cx="8770513" cy="902745"/>
+          </a:xfrm>
+          <a:prstGeom prst="rect">
+            <a:avLst/>
+          </a:prstGeom>
+          <a:solidFill>
+            <a:srgbClr val="FFFFFF"/>
+          </a:solidFill>
+          <a:ln w="31750" cap="sq">
+            <a:solidFill>
+              <a:srgbClr val="404040"/>
+            </a:solidFill>
+            <a:miter lim="800000"/>
+          </a:ln>
+        </p:spPr>
+        <p:txBody>
+          <a:bodyPr vert="horz" lIns="182880" tIns="182880" rIns="182880" bIns="182880" rtlCol="0" anchor="ctr">
+            <a:noAutofit/>
+          </a:bodyPr>
+          <a:lstStyle>
+            <a:lvl1pPr algn="ctr" defTabSz="914400" rtl="0" eaLnBrk="1" latinLnBrk="0" hangingPunct="1">
+              <a:lnSpc>
+                <a:spcPct val="90000"/>
+              </a:lnSpc>
+              <a:spcBef>
+                <a:spcPct val="0"/>
+              </a:spcBef>
+              <a:buNone/>
+              <a:defRPr sz="2600" kern="1200" cap="all" spc="200" baseline="0">
+                <a:solidFill>
+                  <a:srgbClr val="262626"/>
+                </a:solidFill>
+                <a:latin typeface="+mj-lt"/>
+                <a:ea typeface="+mj-ea"/>
+                <a:cs typeface="+mj-cs"/>
+              </a:defRPr>
+            </a:lvl1pPr>
+          </a:lstStyle>
+          <a:p>
+            <a:r>
+              <a:rPr lang="pt-BR" sz="2400" b="1" dirty="0"/>
+              <a:t>CRIAR E TROCAR DE BRANCH</a:t>
+            </a:r>
+          </a:p>
+        </p:txBody>
+      </p:sp>
     </p:spTree>
     <p:extLst>
       <p:ext uri="{BB962C8B-B14F-4D97-AF65-F5344CB8AC3E}">
-        <p14:creationId xmlns:p14="http://schemas.microsoft.com/office/powerpoint/2010/main" val="4021415878"/>
+        <p14:creationId xmlns:p14="http://schemas.microsoft.com/office/powerpoint/2010/main" val="4199142499"/>
       </p:ext>
     </p:extLst>
   </p:cSld>
@@ -4363,8 +4864,8 @@
         </p:nvSpPr>
         <p:spPr>
           <a:xfrm>
-            <a:off x="475989" y="2736502"/>
-            <a:ext cx="8192022" cy="1384995"/>
+            <a:off x="475989" y="1813173"/>
+            <a:ext cx="8192022" cy="4031873"/>
           </a:xfrm>
           <a:prstGeom prst="rect">
             <a:avLst/>
@@ -4377,45 +4878,225 @@
           </a:bodyPr>
           <a:lstStyle/>
           <a:p>
+            <a:pPr algn="just"/>
+            <a:r>
+              <a:rPr lang="pt-BR" sz="3200" dirty="0" err="1" smtClean="0">
+                <a:solidFill>
+                  <a:srgbClr val="FF0000"/>
+                </a:solidFill>
+              </a:rPr>
+              <a:t>Branchs</a:t>
+            </a:r>
+            <a:r>
+              <a:rPr lang="pt-BR" sz="3200" dirty="0" smtClean="0">
+                <a:solidFill>
+                  <a:srgbClr val="FF0000"/>
+                </a:solidFill>
+              </a:rPr>
+              <a:t> </a:t>
+            </a:r>
+            <a:r>
+              <a:rPr lang="pt-BR" sz="3200" dirty="0"/>
+              <a:t>são deletadas utilizando o </a:t>
+            </a:r>
+            <a:r>
+              <a:rPr lang="pt-BR" sz="3200" dirty="0" smtClean="0"/>
+              <a:t>comando: </a:t>
+            </a:r>
+          </a:p>
+          <a:p>
             <a:pPr marL="457200" indent="-457200" algn="just">
               <a:buFont typeface="Arial" panose="020B0604020202020204" pitchFamily="34" charset="0"/>
               <a:buChar char="•"/>
             </a:pPr>
-            <a:r>
-              <a:rPr lang="pt-BR" sz="2800" dirty="0"/>
-              <a:t>O comando </a:t>
-            </a:r>
-            <a:r>
-              <a:rPr lang="pt-BR" sz="2800" i="1" dirty="0" err="1"/>
+            <a:endParaRPr lang="pt-BR" sz="3200" dirty="0" smtClean="0"/>
+          </a:p>
+          <a:p>
+            <a:pPr algn="ctr"/>
+            <a:r>
+              <a:rPr lang="pt-BR" sz="3200" i="1" dirty="0" err="1" smtClean="0">
+                <a:solidFill>
+                  <a:srgbClr val="FF0000"/>
+                </a:solidFill>
+              </a:rPr>
               <a:t>git</a:t>
             </a:r>
             <a:r>
-              <a:rPr lang="pt-BR" sz="2800" i="1" dirty="0"/>
+              <a:rPr lang="pt-BR" sz="3200" i="1" dirty="0" smtClean="0">
+                <a:solidFill>
+                  <a:srgbClr val="FF0000"/>
+                </a:solidFill>
+              </a:rPr>
               <a:t> </a:t>
             </a:r>
             <a:r>
-              <a:rPr lang="pt-BR" sz="2800" i="1" dirty="0" err="1"/>
+              <a:rPr lang="pt-BR" sz="3200" i="1" dirty="0" err="1">
+                <a:solidFill>
+                  <a:srgbClr val="FF0000"/>
+                </a:solidFill>
+              </a:rPr>
+              <a:t>branch</a:t>
+            </a:r>
+            <a:r>
+              <a:rPr lang="pt-BR" sz="3200" i="1" dirty="0">
+                <a:solidFill>
+                  <a:srgbClr val="FF0000"/>
+                </a:solidFill>
+              </a:rPr>
+              <a:t> -d </a:t>
+            </a:r>
+            <a:r>
+              <a:rPr lang="pt-BR" sz="3200" i="1" dirty="0" err="1" smtClean="0">
+                <a:solidFill>
+                  <a:srgbClr val="FF0000"/>
+                </a:solidFill>
+              </a:rPr>
+              <a:t>nomebranch</a:t>
+            </a:r>
+            <a:endParaRPr lang="pt-BR" sz="3200" dirty="0"/>
+          </a:p>
+          <a:p>
+            <a:pPr algn="ctr"/>
+            <a:r>
+              <a:rPr lang="pt-BR" sz="3200" i="1" dirty="0" err="1">
+                <a:solidFill>
+                  <a:srgbClr val="FF0000"/>
+                </a:solidFill>
+              </a:rPr>
+              <a:t>git</a:t>
+            </a:r>
+            <a:r>
+              <a:rPr lang="pt-BR" sz="3200" i="1" dirty="0">
+                <a:solidFill>
+                  <a:srgbClr val="FF0000"/>
+                </a:solidFill>
+              </a:rPr>
+              <a:t> </a:t>
+            </a:r>
+            <a:r>
+              <a:rPr lang="pt-BR" sz="3200" i="1" dirty="0" err="1">
+                <a:solidFill>
+                  <a:srgbClr val="FF0000"/>
+                </a:solidFill>
+              </a:rPr>
               <a:t>checkout</a:t>
             </a:r>
             <a:r>
-              <a:rPr lang="pt-BR" sz="2800" dirty="0"/>
-              <a:t> pode ser utilizado para trocar a </a:t>
-            </a:r>
-            <a:r>
-              <a:rPr lang="pt-BR" sz="2800" dirty="0" err="1"/>
+              <a:rPr lang="pt-BR" sz="3200" i="1" dirty="0">
+                <a:solidFill>
+                  <a:srgbClr val="FF0000"/>
+                </a:solidFill>
+              </a:rPr>
+              <a:t> –b loja</a:t>
+            </a:r>
+            <a:endParaRPr lang="pt-BR" sz="3200" dirty="0"/>
+          </a:p>
+          <a:p>
+            <a:pPr algn="ctr"/>
+            <a:endParaRPr lang="pt-BR" sz="3200" dirty="0"/>
+          </a:p>
+          <a:p>
+            <a:pPr algn="just"/>
+            <a:r>
+              <a:rPr lang="pt-BR" sz="3200" dirty="0"/>
+              <a:t>É necessário mudar de </a:t>
+            </a:r>
+            <a:r>
+              <a:rPr lang="pt-BR" sz="3200" dirty="0" err="1">
+                <a:solidFill>
+                  <a:srgbClr val="FF0000"/>
+                </a:solidFill>
+              </a:rPr>
               <a:t>branch</a:t>
             </a:r>
             <a:r>
-              <a:rPr lang="pt-BR" sz="2800" dirty="0"/>
-              <a:t> atual e para descartar alterações de um arquivo que não está no </a:t>
-            </a:r>
-            <a:r>
-              <a:rPr lang="pt-BR" sz="2800" dirty="0" err="1"/>
-              <a:t>stage</a:t>
-            </a:r>
-            <a:r>
-              <a:rPr lang="pt-BR" sz="2800" dirty="0"/>
-              <a:t>.</a:t>
+              <a:rPr lang="pt-BR" sz="3200" dirty="0">
+                <a:solidFill>
+                  <a:srgbClr val="FF0000"/>
+                </a:solidFill>
+              </a:rPr>
+              <a:t> </a:t>
+            </a:r>
+            <a:r>
+              <a:rPr lang="pt-BR" sz="3200" dirty="0"/>
+              <a:t>primeiramente,  pois não é possível remover uma </a:t>
+            </a:r>
+            <a:r>
+              <a:rPr lang="pt-BR" sz="3200" dirty="0" err="1">
+                <a:solidFill>
+                  <a:srgbClr val="FF0000"/>
+                </a:solidFill>
+              </a:rPr>
+              <a:t>branch</a:t>
+            </a:r>
+            <a:r>
+              <a:rPr lang="pt-BR" sz="3200" dirty="0">
+                <a:solidFill>
+                  <a:srgbClr val="FF0000"/>
+                </a:solidFill>
+              </a:rPr>
+              <a:t> </a:t>
+            </a:r>
+            <a:r>
+              <a:rPr lang="pt-BR" sz="3200" dirty="0"/>
+              <a:t>enquanto estiver nela.</a:t>
+            </a:r>
+          </a:p>
+        </p:txBody>
+      </p:sp>
+      <p:sp>
+        <p:nvSpPr>
+          <p:cNvPr id="3" name="Título 1"/>
+          <p:cNvSpPr txBox="1">
+            <a:spLocks/>
+          </p:cNvSpPr>
+          <p:nvPr/>
+        </p:nvSpPr>
+        <p:spPr bwMode="black">
+          <a:xfrm>
+            <a:off x="180304" y="0"/>
+            <a:ext cx="8770513" cy="902745"/>
+          </a:xfrm>
+          <a:prstGeom prst="rect">
+            <a:avLst/>
+          </a:prstGeom>
+          <a:solidFill>
+            <a:srgbClr val="FFFFFF"/>
+          </a:solidFill>
+          <a:ln w="31750" cap="sq">
+            <a:solidFill>
+              <a:srgbClr val="404040"/>
+            </a:solidFill>
+            <a:miter lim="800000"/>
+          </a:ln>
+        </p:spPr>
+        <p:txBody>
+          <a:bodyPr vert="horz" lIns="182880" tIns="182880" rIns="182880" bIns="182880" rtlCol="0" anchor="ctr">
+            <a:noAutofit/>
+          </a:bodyPr>
+          <a:lstStyle>
+            <a:lvl1pPr algn="ctr" defTabSz="914400" rtl="0" eaLnBrk="1" latinLnBrk="0" hangingPunct="1">
+              <a:lnSpc>
+                <a:spcPct val="90000"/>
+              </a:lnSpc>
+              <a:spcBef>
+                <a:spcPct val="0"/>
+              </a:spcBef>
+              <a:buNone/>
+              <a:defRPr sz="2600" kern="1200" cap="all" spc="200" baseline="0">
+                <a:solidFill>
+                  <a:srgbClr val="262626"/>
+                </a:solidFill>
+                <a:latin typeface="+mj-lt"/>
+                <a:ea typeface="+mj-ea"/>
+                <a:cs typeface="+mj-cs"/>
+              </a:defRPr>
+            </a:lvl1pPr>
+          </a:lstStyle>
+          <a:p>
+            <a:r>
+              <a:rPr lang="pt-BR" sz="2400" b="1" dirty="0"/>
+              <a:t>DELETANDO UMA BRANCH</a:t>
             </a:r>
           </a:p>
         </p:txBody>
@@ -4423,7 +5104,7 @@
     </p:spTree>
     <p:extLst>
       <p:ext uri="{BB962C8B-B14F-4D97-AF65-F5344CB8AC3E}">
-        <p14:creationId xmlns:p14="http://schemas.microsoft.com/office/powerpoint/2010/main" val="3686980842"/>
+        <p14:creationId xmlns:p14="http://schemas.microsoft.com/office/powerpoint/2010/main" val="3746464692"/>
       </p:ext>
     </p:extLst>
   </p:cSld>
@@ -4464,8 +5145,8 @@
         </p:nvSpPr>
         <p:spPr>
           <a:xfrm>
-            <a:off x="475989" y="2244060"/>
-            <a:ext cx="8192022" cy="2369880"/>
+            <a:off x="475989" y="2305615"/>
+            <a:ext cx="8192022" cy="2554545"/>
           </a:xfrm>
           <a:prstGeom prst="rect">
             <a:avLst/>
@@ -4480,62 +5161,212 @@
           <a:p>
             <a:pPr algn="just"/>
             <a:r>
-              <a:rPr lang="pt-BR" sz="3200" b="1" dirty="0"/>
-              <a:t>CRIAR E TROCAR DE BRANCH</a:t>
+              <a:rPr lang="pt-BR" sz="3200" dirty="0" err="1">
+                <a:solidFill>
+                  <a:srgbClr val="FF0000"/>
+                </a:solidFill>
+              </a:rPr>
+              <a:t>Branchs</a:t>
+            </a:r>
+            <a:r>
+              <a:rPr lang="pt-BR" sz="3200" dirty="0">
+                <a:solidFill>
+                  <a:srgbClr val="FF0000"/>
+                </a:solidFill>
+              </a:rPr>
+              <a:t> </a:t>
+            </a:r>
+            <a:r>
+              <a:rPr lang="pt-BR" sz="3200" dirty="0"/>
+              <a:t>que possuem </a:t>
+            </a:r>
+            <a:r>
+              <a:rPr lang="pt-BR" sz="3200" dirty="0" err="1">
+                <a:solidFill>
+                  <a:srgbClr val="FF0000"/>
+                </a:solidFill>
+              </a:rPr>
+              <a:t>commits</a:t>
+            </a:r>
+            <a:r>
+              <a:rPr lang="pt-BR" sz="3200" dirty="0">
+                <a:solidFill>
+                  <a:srgbClr val="FF0000"/>
+                </a:solidFill>
+              </a:rPr>
+              <a:t> </a:t>
+            </a:r>
+            <a:r>
+              <a:rPr lang="pt-BR" sz="3200" dirty="0"/>
+              <a:t>ainda não aplicados em outras </a:t>
+            </a:r>
+            <a:r>
+              <a:rPr lang="pt-BR" sz="3200" dirty="0" err="1">
+                <a:solidFill>
+                  <a:srgbClr val="FF0000"/>
+                </a:solidFill>
+              </a:rPr>
+              <a:t>branchs</a:t>
+            </a:r>
+            <a:r>
+              <a:rPr lang="pt-BR" sz="3200" dirty="0">
+                <a:solidFill>
+                  <a:srgbClr val="FF0000"/>
+                </a:solidFill>
+              </a:rPr>
+              <a:t> </a:t>
+            </a:r>
+            <a:r>
+              <a:rPr lang="pt-BR" sz="3200" dirty="0"/>
+              <a:t>não são </a:t>
+            </a:r>
+            <a:r>
+              <a:rPr lang="pt-BR" sz="3200" dirty="0" smtClean="0"/>
+              <a:t>passíveis </a:t>
+            </a:r>
+            <a:r>
+              <a:rPr lang="pt-BR" sz="3200" dirty="0"/>
+              <a:t>de serem deletadas. </a:t>
             </a:r>
           </a:p>
           <a:p>
             <a:pPr algn="just"/>
-            <a:endParaRPr lang="pt-BR" sz="3200" b="1" dirty="0"/>
-          </a:p>
-          <a:p>
-            <a:pPr marL="457200" indent="-457200" algn="just">
-              <a:buFont typeface="Arial" panose="020B0604020202020204" pitchFamily="34" charset="0"/>
-              <a:buChar char="•"/>
-            </a:pPr>
-            <a:r>
-              <a:rPr lang="pt-BR" sz="2800" dirty="0"/>
-              <a:t>Caso o usuário queira criar e trocar para a nova </a:t>
-            </a:r>
-            <a:r>
-              <a:rPr lang="pt-BR" sz="2800" dirty="0" err="1"/>
+            <a:r>
+              <a:rPr lang="pt-BR" sz="3200" dirty="0"/>
+              <a:t>O comando </a:t>
+            </a:r>
+            <a:r>
+              <a:rPr lang="pt-BR" sz="3200" i="1" dirty="0" err="1">
+                <a:solidFill>
+                  <a:srgbClr val="FF0000"/>
+                </a:solidFill>
+              </a:rPr>
+              <a:t>git</a:t>
+            </a:r>
+            <a:r>
+              <a:rPr lang="pt-BR" sz="3200" i="1" dirty="0">
+                <a:solidFill>
+                  <a:srgbClr val="FF0000"/>
+                </a:solidFill>
+              </a:rPr>
+              <a:t> </a:t>
+            </a:r>
+            <a:r>
+              <a:rPr lang="pt-BR" sz="3200" i="1" dirty="0" err="1">
+                <a:solidFill>
+                  <a:srgbClr val="FF0000"/>
+                </a:solidFill>
+              </a:rPr>
               <a:t>branch</a:t>
             </a:r>
             <a:r>
-              <a:rPr lang="pt-BR" sz="2800" dirty="0"/>
-              <a:t> simultaneamente, basta utilizar o comando </a:t>
-            </a:r>
-            <a:r>
-              <a:rPr lang="pt-BR" sz="2800" i="1" dirty="0" err="1"/>
-              <a:t>git</a:t>
-            </a:r>
-            <a:r>
-              <a:rPr lang="pt-BR" sz="2800" i="1" dirty="0"/>
+              <a:rPr lang="pt-BR" sz="3200" i="1" dirty="0">
+                <a:solidFill>
+                  <a:srgbClr val="FF0000"/>
+                </a:solidFill>
+              </a:rPr>
+              <a:t> -</a:t>
+            </a:r>
+            <a:r>
+              <a:rPr lang="pt-BR" sz="3200" i="1" dirty="0" err="1">
+                <a:solidFill>
+                  <a:srgbClr val="FF0000"/>
+                </a:solidFill>
+              </a:rPr>
+              <a:t>D</a:t>
+            </a:r>
+            <a:r>
+              <a:rPr lang="pt-BR" sz="3200" i="1" dirty="0">
+                <a:solidFill>
+                  <a:srgbClr val="FF0000"/>
+                </a:solidFill>
+              </a:rPr>
               <a:t> </a:t>
             </a:r>
             <a:r>
-              <a:rPr lang="pt-BR" sz="2800" i="1" dirty="0" err="1"/>
-              <a:t>checkout</a:t>
-            </a:r>
-            <a:r>
-              <a:rPr lang="pt-BR" sz="2800" i="1" dirty="0"/>
-              <a:t> -</a:t>
-            </a:r>
-            <a:r>
-              <a:rPr lang="pt-BR" sz="2800" i="1" dirty="0" err="1"/>
-              <a:t>b</a:t>
-            </a:r>
-            <a:r>
-              <a:rPr lang="pt-BR" sz="2800" i="1" dirty="0"/>
+              <a:rPr lang="pt-BR" sz="3200" i="1" dirty="0" err="1">
+                <a:solidFill>
+                  <a:srgbClr val="FF0000"/>
+                </a:solidFill>
+              </a:rPr>
+              <a:t>nomebranch</a:t>
+            </a:r>
+            <a:r>
+              <a:rPr lang="pt-BR" sz="3200" dirty="0">
+                <a:solidFill>
+                  <a:srgbClr val="FF0000"/>
+                </a:solidFill>
+              </a:rPr>
               <a:t> </a:t>
             </a:r>
             <a:r>
-              <a:rPr lang="pt-BR" sz="2800" i="1" dirty="0" err="1"/>
-              <a:t>nomebranch</a:t>
-            </a:r>
-            <a:r>
-              <a:rPr lang="pt-BR" sz="2800" dirty="0"/>
+              <a:rPr lang="pt-BR" sz="3200" dirty="0"/>
+              <a:t>é usado para forçar a remoção da </a:t>
+            </a:r>
+            <a:r>
+              <a:rPr lang="pt-BR" sz="3200" dirty="0" err="1"/>
+              <a:t>branch</a:t>
+            </a:r>
+            <a:r>
+              <a:rPr lang="pt-BR" sz="3200" dirty="0"/>
               <a:t>.</a:t>
+            </a:r>
+          </a:p>
+        </p:txBody>
+      </p:sp>
+      <p:sp>
+        <p:nvSpPr>
+          <p:cNvPr id="3" name="Título 1"/>
+          <p:cNvSpPr txBox="1">
+            <a:spLocks/>
+          </p:cNvSpPr>
+          <p:nvPr/>
+        </p:nvSpPr>
+        <p:spPr bwMode="black">
+          <a:xfrm>
+            <a:off x="180304" y="0"/>
+            <a:ext cx="8770513" cy="902745"/>
+          </a:xfrm>
+          <a:prstGeom prst="rect">
+            <a:avLst/>
+          </a:prstGeom>
+          <a:solidFill>
+            <a:srgbClr val="FFFFFF"/>
+          </a:solidFill>
+          <a:ln w="31750" cap="sq">
+            <a:solidFill>
+              <a:srgbClr val="404040"/>
+            </a:solidFill>
+            <a:miter lim="800000"/>
+          </a:ln>
+        </p:spPr>
+        <p:txBody>
+          <a:bodyPr vert="horz" lIns="182880" tIns="182880" rIns="182880" bIns="182880" rtlCol="0" anchor="ctr">
+            <a:noAutofit/>
+          </a:bodyPr>
+          <a:lstStyle>
+            <a:lvl1pPr algn="ctr" defTabSz="914400" rtl="0" eaLnBrk="1" latinLnBrk="0" hangingPunct="1">
+              <a:lnSpc>
+                <a:spcPct val="90000"/>
+              </a:lnSpc>
+              <a:spcBef>
+                <a:spcPct val="0"/>
+              </a:spcBef>
+              <a:buNone/>
+              <a:defRPr sz="2600" kern="1200" cap="all" spc="200" baseline="0">
+                <a:solidFill>
+                  <a:srgbClr val="262626"/>
+                </a:solidFill>
+                <a:latin typeface="+mj-lt"/>
+                <a:ea typeface="+mj-ea"/>
+                <a:cs typeface="+mj-cs"/>
+              </a:defRPr>
+            </a:lvl1pPr>
+          </a:lstStyle>
+          <a:p>
+            <a:r>
+              <a:rPr lang="pt-BR" sz="2400" b="1" dirty="0"/>
+              <a:t>DELETANDO UMA BRANCH</a:t>
             </a:r>
           </a:p>
         </p:txBody>
@@ -4543,7 +5374,7 @@
     </p:spTree>
     <p:extLst>
       <p:ext uri="{BB962C8B-B14F-4D97-AF65-F5344CB8AC3E}">
-        <p14:creationId xmlns:p14="http://schemas.microsoft.com/office/powerpoint/2010/main" val="4199142499"/>
+        <p14:creationId xmlns:p14="http://schemas.microsoft.com/office/powerpoint/2010/main" val="2934220094"/>
       </p:ext>
     </p:extLst>
   </p:cSld>
@@ -4584,8 +5415,8 @@
         </p:nvSpPr>
         <p:spPr>
           <a:xfrm>
-            <a:off x="475989" y="1813173"/>
-            <a:ext cx="8192022" cy="3231654"/>
+            <a:off x="469549" y="1956989"/>
+            <a:ext cx="8192022" cy="3046988"/>
           </a:xfrm>
           <a:prstGeom prst="rect">
             <a:avLst/>
@@ -4600,92 +5431,237 @@
           <a:p>
             <a:pPr algn="just"/>
             <a:r>
-              <a:rPr lang="pt-BR" sz="3200" b="1" dirty="0"/>
-              <a:t>DELETANDO UMA BRANCH</a:t>
+              <a:rPr lang="pt-BR" sz="3200" dirty="0" smtClean="0"/>
+              <a:t>Após </a:t>
+            </a:r>
+            <a:r>
+              <a:rPr lang="pt-BR" sz="3200" dirty="0"/>
+              <a:t>alterações realizadas em uma nova </a:t>
+            </a:r>
+            <a:r>
+              <a:rPr lang="pt-BR" sz="3200" dirty="0" err="1">
+                <a:solidFill>
+                  <a:srgbClr val="FF0000"/>
+                </a:solidFill>
+              </a:rPr>
+              <a:t>branch</a:t>
+            </a:r>
+            <a:r>
+              <a:rPr lang="pt-BR" sz="3200" dirty="0"/>
+              <a:t>, utiliza-se o comando </a:t>
+            </a:r>
+            <a:r>
+              <a:rPr lang="pt-BR" sz="3200" i="1" dirty="0" err="1">
+                <a:solidFill>
+                  <a:srgbClr val="FF0000"/>
+                </a:solidFill>
+              </a:rPr>
+              <a:t>git</a:t>
+            </a:r>
+            <a:r>
+              <a:rPr lang="pt-BR" sz="3200" i="1" dirty="0">
+                <a:solidFill>
+                  <a:srgbClr val="FF0000"/>
+                </a:solidFill>
+              </a:rPr>
+              <a:t> </a:t>
+            </a:r>
+            <a:r>
+              <a:rPr lang="pt-BR" sz="3200" i="1" dirty="0" err="1">
+                <a:solidFill>
+                  <a:srgbClr val="FF0000"/>
+                </a:solidFill>
+              </a:rPr>
+              <a:t>commit</a:t>
+            </a:r>
+            <a:r>
+              <a:rPr lang="pt-BR" sz="3200" i="1" dirty="0">
+                <a:solidFill>
+                  <a:srgbClr val="FF0000"/>
+                </a:solidFill>
+              </a:rPr>
+              <a:t> -</a:t>
+            </a:r>
+            <a:r>
+              <a:rPr lang="pt-BR" sz="3200" i="1" dirty="0" err="1">
+                <a:solidFill>
+                  <a:srgbClr val="FF0000"/>
+                </a:solidFill>
+              </a:rPr>
+              <a:t>am</a:t>
+            </a:r>
+            <a:r>
+              <a:rPr lang="pt-BR" sz="3200" i="1" dirty="0">
+                <a:solidFill>
+                  <a:srgbClr val="FF0000"/>
+                </a:solidFill>
+              </a:rPr>
+              <a:t> “Mensagem do </a:t>
+            </a:r>
+            <a:r>
+              <a:rPr lang="pt-BR" sz="3200" i="1" dirty="0" err="1">
+                <a:solidFill>
+                  <a:srgbClr val="FF0000"/>
+                </a:solidFill>
+              </a:rPr>
+              <a:t>commit</a:t>
+            </a:r>
+            <a:r>
+              <a:rPr lang="pt-BR" sz="3200" i="1" dirty="0">
+                <a:solidFill>
+                  <a:srgbClr val="FF0000"/>
+                </a:solidFill>
+              </a:rPr>
+              <a:t>”</a:t>
+            </a:r>
+            <a:r>
+              <a:rPr lang="pt-BR" sz="3200" dirty="0"/>
+              <a:t> para adicionar as mudanças na área de </a:t>
+            </a:r>
+            <a:r>
+              <a:rPr lang="pt-BR" sz="3200" dirty="0" err="1"/>
+              <a:t>stage</a:t>
+            </a:r>
+            <a:r>
+              <a:rPr lang="pt-BR" sz="3200" dirty="0"/>
+              <a:t>.</a:t>
             </a:r>
           </a:p>
           <a:p>
             <a:pPr algn="just"/>
-            <a:endParaRPr lang="pt-BR" sz="3200" b="1" dirty="0"/>
-          </a:p>
-          <a:p>
-            <a:pPr marL="457200" indent="-457200" algn="just">
-              <a:buFont typeface="Arial" panose="020B0604020202020204" pitchFamily="34" charset="0"/>
-              <a:buChar char="•"/>
-            </a:pPr>
-            <a:r>
-              <a:rPr lang="pt-BR" sz="2800" dirty="0" err="1"/>
-              <a:t>Branchs</a:t>
-            </a:r>
-            <a:r>
-              <a:rPr lang="pt-BR" sz="2800" dirty="0"/>
-              <a:t> são deletadas utilizando o comando </a:t>
-            </a:r>
-            <a:r>
-              <a:rPr lang="pt-BR" sz="2800" i="1" dirty="0" err="1"/>
-              <a:t>git</a:t>
-            </a:r>
-            <a:r>
-              <a:rPr lang="pt-BR" sz="2800" i="1" dirty="0"/>
+            <a:r>
+              <a:rPr lang="pt-BR" sz="3200" dirty="0"/>
+              <a:t>O </a:t>
+            </a:r>
+            <a:r>
+              <a:rPr lang="pt-BR" sz="3200" dirty="0" err="1">
+                <a:solidFill>
+                  <a:srgbClr val="FF0000"/>
+                </a:solidFill>
+              </a:rPr>
+              <a:t>commit</a:t>
+            </a:r>
+            <a:r>
+              <a:rPr lang="pt-BR" sz="3200" dirty="0">
+                <a:solidFill>
+                  <a:srgbClr val="FF0000"/>
+                </a:solidFill>
+              </a:rPr>
               <a:t> </a:t>
             </a:r>
             <a:r>
-              <a:rPr lang="pt-BR" sz="2800" i="1" dirty="0" err="1"/>
+              <a:rPr lang="pt-BR" sz="3200" dirty="0"/>
+              <a:t>é apontado pela nova </a:t>
+            </a:r>
+            <a:r>
+              <a:rPr lang="pt-BR" sz="3200" dirty="0" err="1">
+                <a:solidFill>
+                  <a:srgbClr val="FF0000"/>
+                </a:solidFill>
+              </a:rPr>
               <a:t>branch</a:t>
             </a:r>
             <a:r>
-              <a:rPr lang="pt-BR" sz="2800" i="1" dirty="0"/>
-              <a:t> -</a:t>
-            </a:r>
-            <a:r>
-              <a:rPr lang="pt-BR" sz="2800" i="1" dirty="0" err="1"/>
-              <a:t>d</a:t>
-            </a:r>
-            <a:r>
-              <a:rPr lang="pt-BR" sz="2800" i="1" dirty="0"/>
-              <a:t> </a:t>
-            </a:r>
-            <a:r>
-              <a:rPr lang="pt-BR" sz="2800" i="1" dirty="0" err="1"/>
-              <a:t>nomebranch</a:t>
-            </a:r>
-            <a:r>
-              <a:rPr lang="pt-BR" sz="2800" dirty="0"/>
+              <a:rPr lang="pt-BR" sz="3200" dirty="0"/>
+              <a:t>, como também o </a:t>
+            </a:r>
+            <a:r>
+              <a:rPr lang="pt-BR" sz="3200" dirty="0">
+                <a:solidFill>
+                  <a:srgbClr val="FF0000"/>
+                </a:solidFill>
+              </a:rPr>
+              <a:t>HEAD</a:t>
+            </a:r>
+            <a:r>
+              <a:rPr lang="pt-BR" sz="3200" dirty="0"/>
+              <a:t> aponta para esse </a:t>
+            </a:r>
+            <a:r>
+              <a:rPr lang="pt-BR" sz="3200" dirty="0" err="1">
+                <a:solidFill>
+                  <a:srgbClr val="FF0000"/>
+                </a:solidFill>
+              </a:rPr>
+              <a:t>commit</a:t>
+            </a:r>
+            <a:r>
+              <a:rPr lang="pt-BR" sz="3200" dirty="0"/>
               <a:t>.</a:t>
             </a:r>
           </a:p>
-          <a:p>
-            <a:pPr marL="457200" indent="-457200" algn="just">
-              <a:buFont typeface="Arial" panose="020B0604020202020204" pitchFamily="34" charset="0"/>
-              <a:buChar char="•"/>
-            </a:pPr>
-            <a:r>
-              <a:rPr lang="pt-BR" sz="2800" dirty="0"/>
-              <a:t>É necessário mudar de </a:t>
-            </a:r>
-            <a:r>
-              <a:rPr lang="pt-BR" sz="2800" dirty="0" err="1"/>
-              <a:t>branch</a:t>
-            </a:r>
-            <a:r>
-              <a:rPr lang="pt-BR" sz="2800" dirty="0"/>
-              <a:t> primeiramente,  pois não é possível remover uma </a:t>
-            </a:r>
-            <a:r>
-              <a:rPr lang="pt-BR" sz="2800" dirty="0" err="1"/>
-              <a:t>branch</a:t>
-            </a:r>
-            <a:r>
-              <a:rPr lang="pt-BR" sz="2800" dirty="0"/>
-              <a:t> enquanto estiver nela.</a:t>
-            </a:r>
+        </p:txBody>
+      </p:sp>
+      <p:sp>
+        <p:nvSpPr>
+          <p:cNvPr id="3" name="Título 1"/>
+          <p:cNvSpPr txBox="1">
+            <a:spLocks/>
+          </p:cNvSpPr>
+          <p:nvPr/>
+        </p:nvSpPr>
+        <p:spPr bwMode="black">
+          <a:xfrm>
+            <a:off x="180304" y="0"/>
+            <a:ext cx="8770513" cy="902745"/>
+          </a:xfrm>
+          <a:prstGeom prst="rect">
+            <a:avLst/>
+          </a:prstGeom>
+          <a:solidFill>
+            <a:srgbClr val="FFFFFF"/>
+          </a:solidFill>
+          <a:ln w="31750" cap="sq">
+            <a:solidFill>
+              <a:srgbClr val="404040"/>
+            </a:solidFill>
+            <a:miter lim="800000"/>
+          </a:ln>
+        </p:spPr>
+        <p:txBody>
+          <a:bodyPr vert="horz" lIns="182880" tIns="182880" rIns="182880" bIns="182880" rtlCol="0" anchor="ctr">
+            <a:noAutofit/>
+          </a:bodyPr>
+          <a:lstStyle>
+            <a:lvl1pPr algn="ctr" defTabSz="914400" rtl="0" eaLnBrk="1" latinLnBrk="0" hangingPunct="1">
+              <a:lnSpc>
+                <a:spcPct val="90000"/>
+              </a:lnSpc>
+              <a:spcBef>
+                <a:spcPct val="0"/>
+              </a:spcBef>
+              <a:buNone/>
+              <a:defRPr sz="2600" kern="1200" cap="all" spc="200" baseline="0">
+                <a:solidFill>
+                  <a:srgbClr val="262626"/>
+                </a:solidFill>
+                <a:latin typeface="+mj-lt"/>
+                <a:ea typeface="+mj-ea"/>
+                <a:cs typeface="+mj-cs"/>
+              </a:defRPr>
+            </a:lvl1pPr>
+          </a:lstStyle>
+          <a:p>
+            <a:r>
+              <a:rPr lang="pt-BR" sz="2400" b="1" dirty="0"/>
+              <a:t>COMMITANDO </a:t>
+            </a:r>
+            <a:r>
+              <a:rPr lang="pt-BR" sz="2400" b="1" dirty="0" smtClean="0"/>
+              <a:t>EM </a:t>
+            </a:r>
+            <a:r>
+              <a:rPr lang="pt-BR" sz="2400" b="1" dirty="0"/>
+              <a:t>UMA NOVA BRANCH</a:t>
+            </a:r>
+            <a:endParaRPr lang="pt-BR" sz="2400" b="1" dirty="0"/>
           </a:p>
         </p:txBody>
       </p:sp>
     </p:spTree>
     <p:extLst>
       <p:ext uri="{BB962C8B-B14F-4D97-AF65-F5344CB8AC3E}">
-        <p14:creationId xmlns:p14="http://schemas.microsoft.com/office/powerpoint/2010/main" val="3746464692"/>
+        <p14:creationId xmlns:p14="http://schemas.microsoft.com/office/powerpoint/2010/main" val="1533692737"/>
       </p:ext>
     </p:extLst>
   </p:cSld>
@@ -4712,40 +5688,191 @@
           <a:chExt cx="0" cy="0"/>
         </a:xfrm>
       </p:grpSpPr>
-      <p:pic>
-        <p:nvPicPr>
-          <p:cNvPr id="6" name="Picture 5">
+      <p:sp>
+        <p:nvSpPr>
+          <p:cNvPr id="4" name="TextBox 3">
             <a:extLst>
               <a:ext uri="{FF2B5EF4-FFF2-40B4-BE49-F238E27FC236}">
-                <a16:creationId xmlns:a16="http://schemas.microsoft.com/office/drawing/2014/main" xmlns="" id="{9986505A-910B-EC40-A3FA-89D22005A135}"/>
+                <a16:creationId xmlns:a16="http://schemas.microsoft.com/office/drawing/2014/main" xmlns="" id="{E037DC88-8AD9-294A-99E1-C8C749C848C7}"/>
               </a:ext>
             </a:extLst>
           </p:cNvPr>
+          <p:cNvSpPr txBox="1"/>
+          <p:nvPr/>
+        </p:nvSpPr>
+        <p:spPr>
+          <a:xfrm>
+            <a:off x="469549" y="1502074"/>
+            <a:ext cx="8192022" cy="584775"/>
+          </a:xfrm>
+          <a:prstGeom prst="rect">
+            <a:avLst/>
+          </a:prstGeom>
+          <a:noFill/>
+        </p:spPr>
+        <p:txBody>
+          <a:bodyPr wrap="square" rtlCol="0">
+            <a:spAutoFit/>
+          </a:bodyPr>
+          <a:lstStyle/>
+          <a:p>
+            <a:pPr algn="ctr"/>
+            <a:r>
+              <a:rPr lang="pt-BR" sz="3200" dirty="0" err="1" smtClean="0"/>
+              <a:t>Commitando</a:t>
+            </a:r>
+            <a:r>
+              <a:rPr lang="pt-BR" sz="3200" dirty="0" smtClean="0"/>
+              <a:t> na </a:t>
+            </a:r>
+            <a:r>
+              <a:rPr lang="pt-BR" sz="3200" dirty="0" err="1" smtClean="0">
+                <a:solidFill>
+                  <a:srgbClr val="FF0000"/>
+                </a:solidFill>
+              </a:rPr>
+              <a:t>branch</a:t>
+            </a:r>
+            <a:r>
+              <a:rPr lang="pt-BR" sz="3200" dirty="0" smtClean="0">
+                <a:solidFill>
+                  <a:srgbClr val="FF0000"/>
+                </a:solidFill>
+              </a:rPr>
+              <a:t> </a:t>
+            </a:r>
+            <a:r>
+              <a:rPr lang="pt-BR" sz="3200" dirty="0" smtClean="0"/>
+              <a:t>design</a:t>
+            </a:r>
+            <a:endParaRPr lang="pt-BR" sz="3200" dirty="0"/>
+          </a:p>
+        </p:txBody>
+      </p:sp>
+      <p:sp>
+        <p:nvSpPr>
+          <p:cNvPr id="3" name="Título 1"/>
+          <p:cNvSpPr txBox="1">
+            <a:spLocks/>
+          </p:cNvSpPr>
+          <p:nvPr/>
+        </p:nvSpPr>
+        <p:spPr bwMode="black">
+          <a:xfrm>
+            <a:off x="180304" y="0"/>
+            <a:ext cx="8770513" cy="902745"/>
+          </a:xfrm>
+          <a:prstGeom prst="rect">
+            <a:avLst/>
+          </a:prstGeom>
+          <a:solidFill>
+            <a:srgbClr val="FFFFFF"/>
+          </a:solidFill>
+          <a:ln w="31750" cap="sq">
+            <a:solidFill>
+              <a:srgbClr val="404040"/>
+            </a:solidFill>
+            <a:miter lim="800000"/>
+          </a:ln>
+        </p:spPr>
+        <p:txBody>
+          <a:bodyPr vert="horz" lIns="182880" tIns="182880" rIns="182880" bIns="182880" rtlCol="0" anchor="ctr">
+            <a:noAutofit/>
+          </a:bodyPr>
+          <a:lstStyle>
+            <a:lvl1pPr algn="ctr" defTabSz="914400" rtl="0" eaLnBrk="1" latinLnBrk="0" hangingPunct="1">
+              <a:lnSpc>
+                <a:spcPct val="90000"/>
+              </a:lnSpc>
+              <a:spcBef>
+                <a:spcPct val="0"/>
+              </a:spcBef>
+              <a:buNone/>
+              <a:defRPr sz="2600" kern="1200" cap="all" spc="200" baseline="0">
+                <a:solidFill>
+                  <a:srgbClr val="262626"/>
+                </a:solidFill>
+                <a:latin typeface="+mj-lt"/>
+                <a:ea typeface="+mj-ea"/>
+                <a:cs typeface="+mj-cs"/>
+              </a:defRPr>
+            </a:lvl1pPr>
+          </a:lstStyle>
+          <a:p>
+            <a:r>
+              <a:rPr lang="pt-BR" sz="2400" b="1" dirty="0"/>
+              <a:t>COMMITANDO </a:t>
+            </a:r>
+            <a:r>
+              <a:rPr lang="pt-BR" sz="2400" b="1" dirty="0" smtClean="0"/>
+              <a:t>EM </a:t>
+            </a:r>
+            <a:r>
+              <a:rPr lang="pt-BR" sz="2400" b="1" dirty="0"/>
+              <a:t>UMA NOVA BRANCH</a:t>
+            </a:r>
+            <a:endParaRPr lang="pt-BR" sz="2400" b="1" dirty="0"/>
+          </a:p>
+        </p:txBody>
+      </p:sp>
+      <p:pic>
+        <p:nvPicPr>
+          <p:cNvPr id="2052" name="Picture 4"/>
           <p:cNvPicPr>
-            <a:picLocks noChangeAspect="1"/>
+            <a:picLocks noChangeAspect="1" noChangeArrowheads="1"/>
           </p:cNvPicPr>
           <p:nvPr/>
         </p:nvPicPr>
         <p:blipFill>
-          <a:blip r:embed="rId2"/>
+          <a:blip r:embed="rId2">
+            <a:extLst>
+              <a:ext uri="{28A0092B-C50C-407E-A947-70E740481C1C}">
+                <a14:useLocalDpi xmlns:a14="http://schemas.microsoft.com/office/drawing/2010/main" val="0"/>
+              </a:ext>
+            </a:extLst>
+          </a:blip>
+          <a:srcRect/>
           <a:stretch>
             <a:fillRect/>
           </a:stretch>
         </p:blipFill>
-        <p:spPr>
+        <p:spPr bwMode="auto">
           <a:xfrm>
-            <a:off x="0" y="645771"/>
-            <a:ext cx="9144000" cy="5566457"/>
+            <a:off x="770881" y="2451395"/>
+            <a:ext cx="7545215" cy="3695963"/>
           </a:xfrm>
           <a:prstGeom prst="rect">
             <a:avLst/>
           </a:prstGeom>
+          <a:noFill/>
+          <a:ln>
+            <a:noFill/>
+          </a:ln>
+          <a:extLst>
+            <a:ext uri="{909E8E84-426E-40DD-AFC4-6F175D3DCCD1}">
+              <a14:hiddenFill xmlns:a14="http://schemas.microsoft.com/office/drawing/2010/main">
+                <a:solidFill>
+                  <a:srgbClr val="FFFFFF"/>
+                </a:solidFill>
+              </a14:hiddenFill>
+            </a:ext>
+            <a:ext uri="{91240B29-F687-4F45-9708-019B960494DF}">
+              <a14:hiddenLine xmlns:a14="http://schemas.microsoft.com/office/drawing/2010/main" w="9525">
+                <a:solidFill>
+                  <a:srgbClr val="000000"/>
+                </a:solidFill>
+                <a:miter lim="800000"/>
+                <a:headEnd/>
+                <a:tailEnd/>
+              </a14:hiddenLine>
+            </a:ext>
+          </a:extLst>
         </p:spPr>
       </p:pic>
     </p:spTree>
     <p:extLst>
       <p:ext uri="{BB962C8B-B14F-4D97-AF65-F5344CB8AC3E}">
-        <p14:creationId xmlns:p14="http://schemas.microsoft.com/office/powerpoint/2010/main" val="2498820965"/>
+        <p14:creationId xmlns:p14="http://schemas.microsoft.com/office/powerpoint/2010/main" val="2704747495"/>
       </p:ext>
     </p:extLst>
   </p:cSld>
@@ -4897,8 +6024,8 @@
         </p:nvSpPr>
         <p:spPr>
           <a:xfrm>
-            <a:off x="475989" y="2305615"/>
-            <a:ext cx="8192022" cy="2246769"/>
+            <a:off x="475989" y="1136064"/>
+            <a:ext cx="8192022" cy="4031873"/>
           </a:xfrm>
           <a:prstGeom prst="rect">
             <a:avLst/>
@@ -4911,91 +6038,270 @@
           </a:bodyPr>
           <a:lstStyle/>
           <a:p>
-            <a:pPr marL="457200" indent="-457200" algn="just">
-              <a:buFont typeface="Arial" panose="020B0604020202020204" pitchFamily="34" charset="0"/>
-              <a:buChar char="•"/>
-            </a:pPr>
-            <a:r>
-              <a:rPr lang="pt-BR" sz="2800" dirty="0" err="1"/>
-              <a:t>Branchs</a:t>
-            </a:r>
-            <a:r>
-              <a:rPr lang="pt-BR" sz="2800" dirty="0"/>
-              <a:t> que possuem </a:t>
-            </a:r>
-            <a:r>
-              <a:rPr lang="pt-BR" sz="2800" dirty="0" err="1"/>
-              <a:t>commits</a:t>
-            </a:r>
-            <a:r>
-              <a:rPr lang="pt-BR" sz="2800" dirty="0"/>
-              <a:t> ainda não aplicados em outras </a:t>
-            </a:r>
-            <a:r>
-              <a:rPr lang="pt-BR" sz="2800" dirty="0" err="1"/>
-              <a:t>branchs</a:t>
-            </a:r>
-            <a:r>
-              <a:rPr lang="pt-BR" sz="2800" dirty="0"/>
-              <a:t> não são possíveis de serem deletadas. </a:t>
-            </a:r>
-          </a:p>
-          <a:p>
-            <a:pPr marL="457200" indent="-457200" algn="just">
-              <a:buFont typeface="Arial" panose="020B0604020202020204" pitchFamily="34" charset="0"/>
-              <a:buChar char="•"/>
-            </a:pPr>
-            <a:r>
-              <a:rPr lang="pt-BR" sz="2800" dirty="0"/>
-              <a:t>O comando </a:t>
-            </a:r>
-            <a:r>
-              <a:rPr lang="pt-BR" sz="2800" i="1" dirty="0" err="1"/>
+            <a:pPr algn="just"/>
+            <a:endParaRPr lang="pt-BR" sz="3200" dirty="0"/>
+          </a:p>
+          <a:p>
+            <a:pPr algn="just"/>
+            <a:r>
+              <a:rPr lang="pt-BR" sz="3200" dirty="0"/>
+              <a:t>Utilizar o comando </a:t>
+            </a:r>
+            <a:r>
+              <a:rPr lang="pt-BR" sz="3200" i="1" dirty="0" err="1">
+                <a:solidFill>
+                  <a:srgbClr val="FF0000"/>
+                </a:solidFill>
+              </a:rPr>
               <a:t>git</a:t>
             </a:r>
             <a:r>
-              <a:rPr lang="pt-BR" sz="2800" i="1" dirty="0"/>
+              <a:rPr lang="pt-BR" sz="3200" i="1" dirty="0">
+                <a:solidFill>
+                  <a:srgbClr val="FF0000"/>
+                </a:solidFill>
+              </a:rPr>
               <a:t> </a:t>
             </a:r>
             <a:r>
-              <a:rPr lang="pt-BR" sz="2800" i="1" dirty="0" err="1"/>
+              <a:rPr lang="pt-BR" sz="3200" i="1" dirty="0" err="1">
+                <a:solidFill>
+                  <a:srgbClr val="FF0000"/>
+                </a:solidFill>
+              </a:rPr>
+              <a:t>checkout</a:t>
+            </a:r>
+            <a:r>
+              <a:rPr lang="pt-BR" sz="3200" i="1" dirty="0">
+                <a:solidFill>
+                  <a:srgbClr val="FF0000"/>
+                </a:solidFill>
+              </a:rPr>
+              <a:t> </a:t>
+            </a:r>
+            <a:r>
+              <a:rPr lang="pt-BR" sz="3200" i="1" dirty="0" err="1">
+                <a:solidFill>
+                  <a:srgbClr val="FF0000"/>
+                </a:solidFill>
+              </a:rPr>
+              <a:t>master</a:t>
+            </a:r>
+            <a:r>
+              <a:rPr lang="pt-BR" sz="3200" dirty="0"/>
+              <a:t>, </a:t>
+            </a:r>
+            <a:r>
+              <a:rPr lang="pt-BR" sz="3200" dirty="0" smtClean="0"/>
+              <a:t>retorna-se </a:t>
+            </a:r>
+            <a:r>
+              <a:rPr lang="pt-BR" sz="3200" dirty="0"/>
+              <a:t>para a </a:t>
+            </a:r>
+            <a:r>
+              <a:rPr lang="pt-BR" sz="3200" dirty="0" err="1">
+                <a:solidFill>
+                  <a:srgbClr val="FF0000"/>
+                </a:solidFill>
+              </a:rPr>
               <a:t>branch</a:t>
             </a:r>
             <a:r>
-              <a:rPr lang="pt-BR" sz="2800" i="1" dirty="0"/>
-              <a:t> -</a:t>
-            </a:r>
-            <a:r>
-              <a:rPr lang="pt-BR" sz="2800" i="1" dirty="0" err="1"/>
-              <a:t>D</a:t>
-            </a:r>
-            <a:r>
-              <a:rPr lang="pt-BR" sz="2800" i="1" dirty="0"/>
+              <a:rPr lang="pt-BR" sz="3200" dirty="0">
+                <a:solidFill>
+                  <a:srgbClr val="FF0000"/>
+                </a:solidFill>
+              </a:rPr>
               <a:t> </a:t>
             </a:r>
             <a:r>
-              <a:rPr lang="pt-BR" sz="2800" i="1" dirty="0" err="1"/>
-              <a:t>nomebranch</a:t>
-            </a:r>
-            <a:r>
-              <a:rPr lang="pt-BR" sz="2800" dirty="0"/>
-              <a:t> é usado para forçar a remoção da </a:t>
-            </a:r>
-            <a:r>
-              <a:rPr lang="pt-BR" sz="2800" dirty="0" err="1"/>
+              <a:rPr lang="pt-BR" sz="3200" dirty="0" err="1">
+                <a:solidFill>
+                  <a:srgbClr val="FF0000"/>
+                </a:solidFill>
+              </a:rPr>
+              <a:t>master</a:t>
+            </a:r>
+            <a:r>
+              <a:rPr lang="pt-BR" sz="3200" dirty="0"/>
+              <a:t>.</a:t>
+            </a:r>
+          </a:p>
+          <a:p>
+            <a:pPr algn="just"/>
+            <a:r>
+              <a:rPr lang="pt-BR" sz="3200" dirty="0"/>
+              <a:t>Após efetuar e </a:t>
+            </a:r>
+            <a:r>
+              <a:rPr lang="pt-BR" sz="3200" dirty="0" err="1"/>
+              <a:t>commitar</a:t>
+            </a:r>
+            <a:r>
+              <a:rPr lang="pt-BR" sz="3200" dirty="0"/>
+              <a:t> a mudança, a </a:t>
+            </a:r>
+            <a:r>
+              <a:rPr lang="pt-BR" sz="3200" dirty="0" err="1">
+                <a:solidFill>
+                  <a:srgbClr val="FF0000"/>
+                </a:solidFill>
+              </a:rPr>
               <a:t>branch</a:t>
             </a:r>
             <a:r>
-              <a:rPr lang="pt-BR" sz="2800" dirty="0"/>
-              <a:t>.</a:t>
-            </a:r>
+              <a:rPr lang="pt-BR" sz="3200" dirty="0">
+                <a:solidFill>
+                  <a:srgbClr val="FF0000"/>
+                </a:solidFill>
+              </a:rPr>
+              <a:t> </a:t>
+            </a:r>
+            <a:r>
+              <a:rPr lang="pt-BR" sz="3200" i="1" dirty="0" err="1">
+                <a:solidFill>
+                  <a:srgbClr val="FF0000"/>
+                </a:solidFill>
+              </a:rPr>
+              <a:t>master</a:t>
+            </a:r>
+            <a:r>
+              <a:rPr lang="pt-BR" sz="3200" dirty="0"/>
+              <a:t> aponta para o </a:t>
+            </a:r>
+            <a:r>
+              <a:rPr lang="pt-BR" sz="3200" dirty="0" err="1">
+                <a:solidFill>
+                  <a:srgbClr val="FF0000"/>
+                </a:solidFill>
+              </a:rPr>
+              <a:t>commit</a:t>
+            </a:r>
+            <a:r>
+              <a:rPr lang="pt-BR" sz="3200" dirty="0">
+                <a:solidFill>
+                  <a:srgbClr val="FF0000"/>
+                </a:solidFill>
+              </a:rPr>
+              <a:t> </a:t>
+            </a:r>
+            <a:r>
+              <a:rPr lang="pt-BR" sz="3200" dirty="0"/>
+              <a:t>que foi realizado a mudança.</a:t>
+            </a:r>
+          </a:p>
+          <a:p>
+            <a:pPr algn="just"/>
+            <a:r>
+              <a:rPr lang="pt-BR" sz="3200" dirty="0"/>
+              <a:t>A </a:t>
+            </a:r>
+            <a:r>
+              <a:rPr lang="pt-BR" sz="3200" dirty="0" err="1">
+                <a:solidFill>
+                  <a:srgbClr val="FF0000"/>
+                </a:solidFill>
+              </a:rPr>
+              <a:t>branch</a:t>
+            </a:r>
+            <a:r>
+              <a:rPr lang="pt-BR" sz="3200" dirty="0">
+                <a:solidFill>
+                  <a:srgbClr val="FF0000"/>
+                </a:solidFill>
+              </a:rPr>
+              <a:t> </a:t>
+            </a:r>
+            <a:r>
+              <a:rPr lang="pt-BR" sz="3200" dirty="0"/>
+              <a:t>anterior aponta para o </a:t>
+            </a:r>
+            <a:r>
+              <a:rPr lang="pt-BR" sz="3200" dirty="0" err="1">
+                <a:solidFill>
+                  <a:srgbClr val="FF0000"/>
+                </a:solidFill>
+              </a:rPr>
+              <a:t>commit</a:t>
+            </a:r>
+            <a:r>
+              <a:rPr lang="pt-BR" sz="3200" dirty="0">
+                <a:solidFill>
+                  <a:srgbClr val="FF0000"/>
+                </a:solidFill>
+              </a:rPr>
+              <a:t> </a:t>
+            </a:r>
+            <a:r>
+              <a:rPr lang="pt-BR" sz="3200" dirty="0"/>
+              <a:t>que estava anteriormente.</a:t>
+            </a:r>
+          </a:p>
+        </p:txBody>
+      </p:sp>
+      <p:sp>
+        <p:nvSpPr>
+          <p:cNvPr id="3" name="Título 1"/>
+          <p:cNvSpPr txBox="1">
+            <a:spLocks/>
+          </p:cNvSpPr>
+          <p:nvPr/>
+        </p:nvSpPr>
+        <p:spPr bwMode="black">
+          <a:xfrm>
+            <a:off x="180304" y="-61784"/>
+            <a:ext cx="8770513" cy="902745"/>
+          </a:xfrm>
+          <a:prstGeom prst="rect">
+            <a:avLst/>
+          </a:prstGeom>
+          <a:solidFill>
+            <a:srgbClr val="FFFFFF"/>
+          </a:solidFill>
+          <a:ln w="31750" cap="sq">
+            <a:solidFill>
+              <a:srgbClr val="404040"/>
+            </a:solidFill>
+            <a:miter lim="800000"/>
+          </a:ln>
+        </p:spPr>
+        <p:txBody>
+          <a:bodyPr vert="horz" lIns="182880" tIns="182880" rIns="182880" bIns="182880" rtlCol="0" anchor="ctr">
+            <a:noAutofit/>
+          </a:bodyPr>
+          <a:lstStyle>
+            <a:lvl1pPr algn="ctr" defTabSz="914400" rtl="0" eaLnBrk="1" latinLnBrk="0" hangingPunct="1">
+              <a:lnSpc>
+                <a:spcPct val="90000"/>
+              </a:lnSpc>
+              <a:spcBef>
+                <a:spcPct val="0"/>
+              </a:spcBef>
+              <a:buNone/>
+              <a:defRPr sz="2600" kern="1200" cap="all" spc="200" baseline="0">
+                <a:solidFill>
+                  <a:srgbClr val="262626"/>
+                </a:solidFill>
+                <a:latin typeface="+mj-lt"/>
+                <a:ea typeface="+mj-ea"/>
+                <a:cs typeface="+mj-cs"/>
+              </a:defRPr>
+            </a:lvl1pPr>
+          </a:lstStyle>
+          <a:p>
+            <a:r>
+              <a:rPr lang="pt-BR" sz="2400" b="1" dirty="0"/>
+              <a:t>VOLTAR E FAZER ALTERAÇÕES NO MASTER</a:t>
+            </a:r>
+            <a:endParaRPr lang="pt-BR" sz="2400" dirty="0"/>
           </a:p>
         </p:txBody>
       </p:sp>
     </p:spTree>
     <p:extLst>
       <p:ext uri="{BB962C8B-B14F-4D97-AF65-F5344CB8AC3E}">
-        <p14:creationId xmlns:p14="http://schemas.microsoft.com/office/powerpoint/2010/main" val="2934220094"/>
+        <p14:creationId xmlns:p14="http://schemas.microsoft.com/office/powerpoint/2010/main" val="4107165104"/>
       </p:ext>
     </p:extLst>
   </p:cSld>
@@ -5022,40 +6328,216 @@
           <a:chExt cx="0" cy="0"/>
         </a:xfrm>
       </p:grpSpPr>
+      <p:sp>
+        <p:nvSpPr>
+          <p:cNvPr id="4" name="TextBox 3">
+            <a:extLst>
+              <a:ext uri="{FF2B5EF4-FFF2-40B4-BE49-F238E27FC236}">
+                <a16:creationId xmlns:a16="http://schemas.microsoft.com/office/drawing/2014/main" xmlns="" id="{E037DC88-8AD9-294A-99E1-C8C749C848C7}"/>
+              </a:ext>
+            </a:extLst>
+          </p:cNvPr>
+          <p:cNvSpPr txBox="1"/>
+          <p:nvPr/>
+        </p:nvSpPr>
+        <p:spPr>
+          <a:xfrm>
+            <a:off x="475989" y="1136064"/>
+            <a:ext cx="8192022" cy="1569660"/>
+          </a:xfrm>
+          <a:prstGeom prst="rect">
+            <a:avLst/>
+          </a:prstGeom>
+          <a:noFill/>
+        </p:spPr>
+        <p:txBody>
+          <a:bodyPr wrap="square" rtlCol="0">
+            <a:spAutoFit/>
+          </a:bodyPr>
+          <a:lstStyle/>
+          <a:p>
+            <a:pPr algn="just"/>
+            <a:r>
+              <a:rPr lang="pt-BR" sz="3200" dirty="0" smtClean="0"/>
+              <a:t>Após </a:t>
+            </a:r>
+            <a:r>
+              <a:rPr lang="pt-BR" sz="3200" dirty="0"/>
+              <a:t>efetuar e </a:t>
+            </a:r>
+            <a:r>
+              <a:rPr lang="pt-BR" sz="3200" dirty="0" err="1"/>
+              <a:t>commitar</a:t>
+            </a:r>
+            <a:r>
+              <a:rPr lang="pt-BR" sz="3200" dirty="0"/>
+              <a:t> a mudança, a </a:t>
+            </a:r>
+            <a:r>
+              <a:rPr lang="pt-BR" sz="3200" dirty="0" err="1">
+                <a:solidFill>
+                  <a:srgbClr val="FF0000"/>
+                </a:solidFill>
+              </a:rPr>
+              <a:t>branch</a:t>
+            </a:r>
+            <a:r>
+              <a:rPr lang="pt-BR" sz="3200" dirty="0">
+                <a:solidFill>
+                  <a:srgbClr val="FF0000"/>
+                </a:solidFill>
+              </a:rPr>
+              <a:t> </a:t>
+            </a:r>
+            <a:r>
+              <a:rPr lang="pt-BR" sz="3200" i="1" dirty="0" err="1">
+                <a:solidFill>
+                  <a:srgbClr val="FF0000"/>
+                </a:solidFill>
+              </a:rPr>
+              <a:t>master</a:t>
+            </a:r>
+            <a:r>
+              <a:rPr lang="pt-BR" sz="3200" dirty="0"/>
+              <a:t> aponta para o </a:t>
+            </a:r>
+            <a:r>
+              <a:rPr lang="pt-BR" sz="3200" dirty="0" err="1">
+                <a:solidFill>
+                  <a:srgbClr val="FF0000"/>
+                </a:solidFill>
+              </a:rPr>
+              <a:t>commit</a:t>
+            </a:r>
+            <a:r>
+              <a:rPr lang="pt-BR" sz="3200" dirty="0">
+                <a:solidFill>
+                  <a:srgbClr val="FF0000"/>
+                </a:solidFill>
+              </a:rPr>
+              <a:t> </a:t>
+            </a:r>
+            <a:r>
+              <a:rPr lang="pt-BR" sz="3200" dirty="0"/>
+              <a:t>que foi realizado a mudança</a:t>
+            </a:r>
+            <a:r>
+              <a:rPr lang="pt-BR" sz="3200" dirty="0" smtClean="0"/>
+              <a:t>.</a:t>
+            </a:r>
+            <a:endParaRPr lang="pt-BR" sz="3200" dirty="0"/>
+          </a:p>
+        </p:txBody>
+      </p:sp>
+      <p:sp>
+        <p:nvSpPr>
+          <p:cNvPr id="3" name="Título 1"/>
+          <p:cNvSpPr txBox="1">
+            <a:spLocks/>
+          </p:cNvSpPr>
+          <p:nvPr/>
+        </p:nvSpPr>
+        <p:spPr bwMode="black">
+          <a:xfrm>
+            <a:off x="180304" y="-61784"/>
+            <a:ext cx="8770513" cy="902745"/>
+          </a:xfrm>
+          <a:prstGeom prst="rect">
+            <a:avLst/>
+          </a:prstGeom>
+          <a:solidFill>
+            <a:srgbClr val="FFFFFF"/>
+          </a:solidFill>
+          <a:ln w="31750" cap="sq">
+            <a:solidFill>
+              <a:srgbClr val="404040"/>
+            </a:solidFill>
+            <a:miter lim="800000"/>
+          </a:ln>
+        </p:spPr>
+        <p:txBody>
+          <a:bodyPr vert="horz" lIns="182880" tIns="182880" rIns="182880" bIns="182880" rtlCol="0" anchor="ctr">
+            <a:noAutofit/>
+          </a:bodyPr>
+          <a:lstStyle>
+            <a:lvl1pPr algn="ctr" defTabSz="914400" rtl="0" eaLnBrk="1" latinLnBrk="0" hangingPunct="1">
+              <a:lnSpc>
+                <a:spcPct val="90000"/>
+              </a:lnSpc>
+              <a:spcBef>
+                <a:spcPct val="0"/>
+              </a:spcBef>
+              <a:buNone/>
+              <a:defRPr sz="2600" kern="1200" cap="all" spc="200" baseline="0">
+                <a:solidFill>
+                  <a:srgbClr val="262626"/>
+                </a:solidFill>
+                <a:latin typeface="+mj-lt"/>
+                <a:ea typeface="+mj-ea"/>
+                <a:cs typeface="+mj-cs"/>
+              </a:defRPr>
+            </a:lvl1pPr>
+          </a:lstStyle>
+          <a:p>
+            <a:r>
+              <a:rPr lang="pt-BR" sz="2400" b="1" dirty="0"/>
+              <a:t>VOLTAR E FAZER ALTERAÇÕES NO MASTER</a:t>
+            </a:r>
+            <a:endParaRPr lang="pt-BR" sz="2400" dirty="0"/>
+          </a:p>
+        </p:txBody>
+      </p:sp>
       <p:pic>
         <p:nvPicPr>
-          <p:cNvPr id="4" name="Picture 3">
+          <p:cNvPr id="5" name="Picture 1" descr="page99image58042528">
             <a:extLst>
               <a:ext uri="{FF2B5EF4-FFF2-40B4-BE49-F238E27FC236}">
-                <a16:creationId xmlns:a16="http://schemas.microsoft.com/office/drawing/2014/main" xmlns="" id="{E130F153-BDBD-5948-A32F-10A0FCC92D06}"/>
+                <a16:creationId xmlns:a16="http://schemas.microsoft.com/office/drawing/2014/main" xmlns="" id="{F4EC6591-F022-2246-A21B-21B3B05A8178}"/>
               </a:ext>
             </a:extLst>
           </p:cNvPr>
           <p:cNvPicPr>
-            <a:picLocks noChangeAspect="1"/>
+            <a:picLocks noChangeAspect="1" noChangeArrowheads="1"/>
           </p:cNvPicPr>
           <p:nvPr/>
         </p:nvPicPr>
         <p:blipFill>
-          <a:blip r:embed="rId2"/>
+          <a:blip r:embed="rId2">
+            <a:extLst>
+              <a:ext uri="{28A0092B-C50C-407E-A947-70E740481C1C}">
+                <a14:useLocalDpi xmlns:a14="http://schemas.microsoft.com/office/drawing/2010/main" val="0"/>
+              </a:ext>
+            </a:extLst>
+          </a:blip>
+          <a:srcRect/>
           <a:stretch>
             <a:fillRect/>
           </a:stretch>
         </p:blipFill>
-        <p:spPr>
+        <p:spPr bwMode="auto">
           <a:xfrm>
-            <a:off x="0" y="645771"/>
-            <a:ext cx="9144000" cy="5566457"/>
+            <a:off x="1269157" y="2705724"/>
+            <a:ext cx="6605685" cy="3959603"/>
           </a:xfrm>
           <a:prstGeom prst="rect">
             <a:avLst/>
           </a:prstGeom>
+          <a:noFill/>
+          <a:extLst>
+            <a:ext uri="{909E8E84-426E-40DD-AFC4-6F175D3DCCD1}">
+              <a14:hiddenFill xmlns:a14="http://schemas.microsoft.com/office/drawing/2010/main">
+                <a:solidFill>
+                  <a:srgbClr val="FFFFFF"/>
+                </a:solidFill>
+              </a14:hiddenFill>
+            </a:ext>
+          </a:extLst>
         </p:spPr>
       </p:pic>
     </p:spTree>
     <p:extLst>
       <p:ext uri="{BB962C8B-B14F-4D97-AF65-F5344CB8AC3E}">
-        <p14:creationId xmlns:p14="http://schemas.microsoft.com/office/powerpoint/2010/main" val="979067789"/>
+        <p14:creationId xmlns:p14="http://schemas.microsoft.com/office/powerpoint/2010/main" val="1799483069"/>
       </p:ext>
     </p:extLst>
   </p:cSld>
@@ -5096,8 +6578,8 @@
         </p:nvSpPr>
         <p:spPr>
           <a:xfrm>
-            <a:off x="475989" y="1351508"/>
-            <a:ext cx="8192022" cy="4154984"/>
+            <a:off x="475989" y="1813173"/>
+            <a:ext cx="8192022" cy="3539430"/>
           </a:xfrm>
           <a:prstGeom prst="rect">
             <a:avLst/>
@@ -5111,109 +6593,133 @@
           <a:lstStyle/>
           <a:p>
             <a:pPr algn="just"/>
-            <a:r>
-              <a:rPr lang="pt-BR" sz="3200" b="1" dirty="0"/>
-              <a:t>COMMITANDO CÓDIGO EM UMA NOVA BRANCH</a:t>
-            </a:r>
+            <a:endParaRPr lang="pt-BR" sz="3200" b="1" dirty="0"/>
           </a:p>
           <a:p>
             <a:pPr algn="just"/>
-            <a:endParaRPr lang="pt-BR" sz="3200" b="1" dirty="0"/>
-          </a:p>
-          <a:p>
-            <a:pPr marL="457200" indent="-457200" algn="just">
-              <a:buFont typeface="Arial" panose="020B0604020202020204" pitchFamily="34" charset="0"/>
-              <a:buChar char="•"/>
-            </a:pPr>
-            <a:r>
-              <a:rPr lang="pt-BR" sz="2800" dirty="0"/>
-              <a:t>Após alterações realizadas em uma nova </a:t>
-            </a:r>
-            <a:r>
-              <a:rPr lang="pt-BR" sz="2800" dirty="0" err="1"/>
+            <a:r>
+              <a:rPr lang="pt-BR" sz="3200" dirty="0"/>
+              <a:t>É necessário mesclar alterações feitas na </a:t>
+            </a:r>
+            <a:r>
+              <a:rPr lang="pt-BR" sz="3200" dirty="0" err="1">
+                <a:solidFill>
+                  <a:srgbClr val="FF0000"/>
+                </a:solidFill>
+              </a:rPr>
               <a:t>branch</a:t>
             </a:r>
             <a:r>
-              <a:rPr lang="pt-BR" sz="2800" dirty="0"/>
-              <a:t>, utiliza-se o comando </a:t>
-            </a:r>
-            <a:r>
-              <a:rPr lang="pt-BR" sz="2800" i="1" dirty="0" err="1"/>
-              <a:t>git</a:t>
-            </a:r>
-            <a:r>
-              <a:rPr lang="pt-BR" sz="2800" i="1" dirty="0"/>
+              <a:rPr lang="pt-BR" sz="3200" dirty="0">
+                <a:solidFill>
+                  <a:srgbClr val="FF0000"/>
+                </a:solidFill>
+              </a:rPr>
               <a:t> </a:t>
             </a:r>
             <a:r>
-              <a:rPr lang="pt-BR" sz="2800" i="1" dirty="0" err="1"/>
-              <a:t>commit</a:t>
-            </a:r>
-            <a:r>
-              <a:rPr lang="pt-BR" sz="2800" i="1" dirty="0"/>
-              <a:t> -</a:t>
-            </a:r>
-            <a:r>
-              <a:rPr lang="pt-BR" sz="2800" i="1" dirty="0" err="1"/>
-              <a:t>am</a:t>
-            </a:r>
-            <a:r>
-              <a:rPr lang="pt-BR" sz="2800" i="1" dirty="0"/>
-              <a:t> “Mensagem do </a:t>
-            </a:r>
-            <a:r>
-              <a:rPr lang="pt-BR" sz="2800" i="1" dirty="0" err="1"/>
-              <a:t>commit</a:t>
-            </a:r>
-            <a:r>
-              <a:rPr lang="pt-BR" sz="2800" i="1" dirty="0"/>
-              <a:t>”</a:t>
-            </a:r>
-            <a:r>
-              <a:rPr lang="pt-BR" sz="2800" dirty="0"/>
-              <a:t> para adicionar as mudanças na área de </a:t>
-            </a:r>
-            <a:r>
-              <a:rPr lang="pt-BR" sz="2800" dirty="0" err="1"/>
-              <a:t>stage</a:t>
-            </a:r>
-            <a:r>
-              <a:rPr lang="pt-BR" sz="2800" dirty="0"/>
-              <a:t>.</a:t>
-            </a:r>
-          </a:p>
-          <a:p>
-            <a:pPr marL="457200" indent="-457200" algn="just">
-              <a:buFont typeface="Arial" panose="020B0604020202020204" pitchFamily="34" charset="0"/>
-              <a:buChar char="•"/>
-            </a:pPr>
-            <a:r>
-              <a:rPr lang="pt-BR" sz="2800" dirty="0"/>
+              <a:rPr lang="pt-BR" sz="3200" i="1" dirty="0" err="1">
+                <a:solidFill>
+                  <a:srgbClr val="FF0000"/>
+                </a:solidFill>
+              </a:rPr>
+              <a:t>master</a:t>
+            </a:r>
+            <a:r>
+              <a:rPr lang="pt-BR" sz="3200" dirty="0"/>
+              <a:t> e na outra </a:t>
+            </a:r>
+            <a:r>
+              <a:rPr lang="pt-BR" sz="3200" dirty="0" err="1">
+                <a:solidFill>
+                  <a:srgbClr val="FF0000"/>
+                </a:solidFill>
+              </a:rPr>
+              <a:t>branch</a:t>
+            </a:r>
+            <a:r>
+              <a:rPr lang="pt-BR" sz="3200" dirty="0">
+                <a:solidFill>
+                  <a:srgbClr val="FF0000"/>
+                </a:solidFill>
+              </a:rPr>
+              <a:t> </a:t>
+            </a:r>
+            <a:r>
+              <a:rPr lang="pt-BR" sz="3200" dirty="0"/>
+              <a:t>criada.</a:t>
+            </a:r>
+          </a:p>
+          <a:p>
+            <a:pPr algn="just"/>
+            <a:r>
+              <a:rPr lang="pt-BR" sz="3200" dirty="0"/>
               <a:t>O </a:t>
             </a:r>
             <a:r>
-              <a:rPr lang="pt-BR" sz="2800" dirty="0" err="1"/>
-              <a:t>commit</a:t>
-            </a:r>
-            <a:r>
-              <a:rPr lang="pt-BR" sz="2800" dirty="0"/>
-              <a:t> é apontado pela nova </a:t>
-            </a:r>
-            <a:r>
-              <a:rPr lang="pt-BR" sz="2800" dirty="0" err="1"/>
-              <a:t>branch</a:t>
-            </a:r>
-            <a:r>
-              <a:rPr lang="pt-BR" sz="2800" dirty="0"/>
-              <a:t>, como também o HEAD aponta para esse </a:t>
-            </a:r>
-            <a:r>
-              <a:rPr lang="pt-BR" sz="2800" dirty="0" err="1"/>
-              <a:t>commit</a:t>
-            </a:r>
-            <a:r>
-              <a:rPr lang="pt-BR" sz="2800" dirty="0"/>
-              <a:t>.</a:t>
+              <a:rPr lang="pt-BR" sz="3200" dirty="0" err="1"/>
+              <a:t>Git</a:t>
+            </a:r>
+            <a:r>
+              <a:rPr lang="pt-BR" sz="3200" dirty="0"/>
+              <a:t> ajuda a identificar o que mudou, sem a necessidade de copiar e colar na mão as alterações, eliminando erros que podem acontecer.</a:t>
+            </a:r>
+          </a:p>
+        </p:txBody>
+      </p:sp>
+      <p:sp>
+        <p:nvSpPr>
+          <p:cNvPr id="5" name="Título 1"/>
+          <p:cNvSpPr txBox="1">
+            <a:spLocks/>
+          </p:cNvSpPr>
+          <p:nvPr/>
+        </p:nvSpPr>
+        <p:spPr bwMode="black">
+          <a:xfrm>
+            <a:off x="180304" y="0"/>
+            <a:ext cx="8770513" cy="902745"/>
+          </a:xfrm>
+          <a:prstGeom prst="rect">
+            <a:avLst/>
+          </a:prstGeom>
+          <a:solidFill>
+            <a:srgbClr val="FFFFFF"/>
+          </a:solidFill>
+          <a:ln w="31750" cap="sq">
+            <a:solidFill>
+              <a:srgbClr val="404040"/>
+            </a:solidFill>
+            <a:miter lim="800000"/>
+          </a:ln>
+        </p:spPr>
+        <p:txBody>
+          <a:bodyPr vert="horz" lIns="182880" tIns="182880" rIns="182880" bIns="182880" rtlCol="0" anchor="ctr">
+            <a:noAutofit/>
+          </a:bodyPr>
+          <a:lstStyle>
+            <a:lvl1pPr algn="ctr" defTabSz="914400" rtl="0" eaLnBrk="1" latinLnBrk="0" hangingPunct="1">
+              <a:lnSpc>
+                <a:spcPct val="90000"/>
+              </a:lnSpc>
+              <a:spcBef>
+                <a:spcPct val="0"/>
+              </a:spcBef>
+              <a:buNone/>
+              <a:defRPr sz="2600" kern="1200" cap="all" spc="200" baseline="0">
+                <a:solidFill>
+                  <a:srgbClr val="262626"/>
+                </a:solidFill>
+                <a:latin typeface="+mj-lt"/>
+                <a:ea typeface="+mj-ea"/>
+                <a:cs typeface="+mj-cs"/>
+              </a:defRPr>
+            </a:lvl1pPr>
+          </a:lstStyle>
+          <a:p>
+            <a:r>
+              <a:rPr lang="pt-BR" sz="2400" b="1" dirty="0"/>
+              <a:t>MESCLANDO ALTERAÇÕES</a:t>
             </a:r>
           </a:p>
         </p:txBody>
@@ -5221,7 +6727,7 @@
     </p:spTree>
     <p:extLst>
       <p:ext uri="{BB962C8B-B14F-4D97-AF65-F5344CB8AC3E}">
-        <p14:creationId xmlns:p14="http://schemas.microsoft.com/office/powerpoint/2010/main" val="1533692737"/>
+        <p14:creationId xmlns:p14="http://schemas.microsoft.com/office/powerpoint/2010/main" val="738870249"/>
       </p:ext>
     </p:extLst>
   </p:cSld>
@@ -5248,40 +6754,190 @@
           <a:chExt cx="0" cy="0"/>
         </a:xfrm>
       </p:grpSpPr>
-      <p:pic>
-        <p:nvPicPr>
-          <p:cNvPr id="4" name="Picture 3">
+      <p:sp>
+        <p:nvSpPr>
+          <p:cNvPr id="4" name="TextBox 3">
             <a:extLst>
               <a:ext uri="{FF2B5EF4-FFF2-40B4-BE49-F238E27FC236}">
-                <a16:creationId xmlns:a16="http://schemas.microsoft.com/office/drawing/2014/main" xmlns="" id="{A1F1E039-75FF-3544-B1F2-2688EB5C7EAF}"/>
+                <a16:creationId xmlns:a16="http://schemas.microsoft.com/office/drawing/2014/main" xmlns="" id="{E037DC88-8AD9-294A-99E1-C8C749C848C7}"/>
               </a:ext>
             </a:extLst>
           </p:cNvPr>
-          <p:cNvPicPr>
-            <a:picLocks noChangeAspect="1"/>
-          </p:cNvPicPr>
+          <p:cNvSpPr txBox="1"/>
           <p:nvPr/>
-        </p:nvPicPr>
-        <p:blipFill>
-          <a:blip r:embed="rId2"/>
-          <a:stretch>
-            <a:fillRect/>
-          </a:stretch>
-        </p:blipFill>
+        </p:nvSpPr>
         <p:spPr>
           <a:xfrm>
-            <a:off x="0" y="1111756"/>
-            <a:ext cx="9144000" cy="4634487"/>
+            <a:off x="475989" y="1782395"/>
+            <a:ext cx="8192022" cy="3046988"/>
           </a:xfrm>
           <a:prstGeom prst="rect">
             <a:avLst/>
           </a:prstGeom>
+          <a:noFill/>
         </p:spPr>
-      </p:pic>
+        <p:txBody>
+          <a:bodyPr wrap="square" rtlCol="0">
+            <a:spAutoFit/>
+          </a:bodyPr>
+          <a:lstStyle/>
+          <a:p>
+            <a:pPr algn="just"/>
+            <a:endParaRPr lang="pt-BR" sz="3200" b="1" dirty="0"/>
+          </a:p>
+          <a:p>
+            <a:pPr algn="just"/>
+            <a:r>
+              <a:rPr lang="pt-BR" sz="3200" dirty="0"/>
+              <a:t>É possível verificar </a:t>
+            </a:r>
+            <a:r>
+              <a:rPr lang="pt-BR" sz="3200" dirty="0" err="1"/>
+              <a:t>branches</a:t>
+            </a:r>
+            <a:r>
+              <a:rPr lang="pt-BR" sz="3200" dirty="0"/>
+              <a:t> que não foram mescladas com o </a:t>
+            </a:r>
+            <a:r>
+              <a:rPr lang="pt-BR" sz="3200" dirty="0" smtClean="0"/>
+              <a:t>comando:</a:t>
+            </a:r>
+          </a:p>
+          <a:p>
+            <a:pPr algn="ctr"/>
+            <a:r>
+              <a:rPr lang="pt-BR" sz="3200" i="1" dirty="0" err="1" smtClean="0">
+                <a:solidFill>
+                  <a:srgbClr val="FF0000"/>
+                </a:solidFill>
+              </a:rPr>
+              <a:t>git</a:t>
+            </a:r>
+            <a:r>
+              <a:rPr lang="pt-BR" sz="3200" i="1" dirty="0" smtClean="0">
+                <a:solidFill>
+                  <a:srgbClr val="FF0000"/>
+                </a:solidFill>
+              </a:rPr>
+              <a:t> </a:t>
+            </a:r>
+            <a:r>
+              <a:rPr lang="pt-BR" sz="3200" i="1" dirty="0" err="1">
+                <a:solidFill>
+                  <a:srgbClr val="FF0000"/>
+                </a:solidFill>
+              </a:rPr>
+              <a:t>branch</a:t>
+            </a:r>
+            <a:r>
+              <a:rPr lang="pt-BR" sz="3200" i="1" dirty="0">
+                <a:solidFill>
+                  <a:srgbClr val="FF0000"/>
+                </a:solidFill>
+              </a:rPr>
+              <a:t> </a:t>
+            </a:r>
+            <a:r>
+              <a:rPr lang="pt-BR" sz="3200" i="1" dirty="0" smtClean="0">
+                <a:solidFill>
+                  <a:srgbClr val="FF0000"/>
+                </a:solidFill>
+              </a:rPr>
+              <a:t>- -</a:t>
+            </a:r>
+            <a:r>
+              <a:rPr lang="pt-BR" sz="3200" i="1" dirty="0">
+                <a:solidFill>
+                  <a:srgbClr val="FF0000"/>
+                </a:solidFill>
+              </a:rPr>
+              <a:t>no-</a:t>
+            </a:r>
+            <a:r>
+              <a:rPr lang="pt-BR" sz="3200" i="1" dirty="0" err="1">
+                <a:solidFill>
+                  <a:srgbClr val="FF0000"/>
+                </a:solidFill>
+              </a:rPr>
+              <a:t>merged</a:t>
+            </a:r>
+            <a:r>
+              <a:rPr lang="pt-BR" sz="3200" dirty="0"/>
+              <a:t>.</a:t>
+            </a:r>
+          </a:p>
+          <a:p>
+            <a:pPr algn="just"/>
+            <a:r>
+              <a:rPr lang="pt-BR" sz="3200" dirty="0"/>
+              <a:t>A saída indicará mudanças que não foram mescladas.</a:t>
+            </a:r>
+          </a:p>
+        </p:txBody>
+      </p:sp>
+      <p:sp>
+        <p:nvSpPr>
+          <p:cNvPr id="3" name="Título 1"/>
+          <p:cNvSpPr txBox="1">
+            <a:spLocks/>
+          </p:cNvSpPr>
+          <p:nvPr/>
+        </p:nvSpPr>
+        <p:spPr bwMode="black">
+          <a:xfrm>
+            <a:off x="180304" y="0"/>
+            <a:ext cx="8770513" cy="902745"/>
+          </a:xfrm>
+          <a:prstGeom prst="rect">
+            <a:avLst/>
+          </a:prstGeom>
+          <a:solidFill>
+            <a:srgbClr val="FFFFFF"/>
+          </a:solidFill>
+          <a:ln w="31750" cap="sq">
+            <a:solidFill>
+              <a:srgbClr val="404040"/>
+            </a:solidFill>
+            <a:miter lim="800000"/>
+          </a:ln>
+        </p:spPr>
+        <p:txBody>
+          <a:bodyPr vert="horz" lIns="182880" tIns="182880" rIns="182880" bIns="182880" rtlCol="0" anchor="ctr">
+            <a:noAutofit/>
+          </a:bodyPr>
+          <a:lstStyle>
+            <a:lvl1pPr algn="ctr" defTabSz="914400" rtl="0" eaLnBrk="1" latinLnBrk="0" hangingPunct="1">
+              <a:lnSpc>
+                <a:spcPct val="90000"/>
+              </a:lnSpc>
+              <a:spcBef>
+                <a:spcPct val="0"/>
+              </a:spcBef>
+              <a:buNone/>
+              <a:defRPr sz="2600" kern="1200" cap="all" spc="200" baseline="0">
+                <a:solidFill>
+                  <a:srgbClr val="262626"/>
+                </a:solidFill>
+                <a:latin typeface="+mj-lt"/>
+                <a:ea typeface="+mj-ea"/>
+                <a:cs typeface="+mj-cs"/>
+              </a:defRPr>
+            </a:lvl1pPr>
+          </a:lstStyle>
+          <a:p>
+            <a:r>
+              <a:rPr lang="pt-BR" sz="2400" b="1" dirty="0"/>
+              <a:t>VERIFICANDO BRANCHES NÃO MESCLADAS</a:t>
+            </a:r>
+            <a:endParaRPr lang="pt-BR" sz="2400" b="1" dirty="0"/>
+          </a:p>
+        </p:txBody>
+      </p:sp>
     </p:spTree>
     <p:extLst>
       <p:ext uri="{BB962C8B-B14F-4D97-AF65-F5344CB8AC3E}">
-        <p14:creationId xmlns:p14="http://schemas.microsoft.com/office/powerpoint/2010/main" val="4203304694"/>
+        <p14:creationId xmlns:p14="http://schemas.microsoft.com/office/powerpoint/2010/main" val="398615944"/>
       </p:ext>
     </p:extLst>
   </p:cSld>
@@ -5308,57 +6964,250 @@
           <a:chExt cx="0" cy="0"/>
         </a:xfrm>
       </p:grpSpPr>
-      <p:pic>
-        <p:nvPicPr>
-          <p:cNvPr id="1025" name="Picture 1" descr="page98image58053088">
+      <p:sp>
+        <p:nvSpPr>
+          <p:cNvPr id="4" name="TextBox 3">
             <a:extLst>
               <a:ext uri="{FF2B5EF4-FFF2-40B4-BE49-F238E27FC236}">
-                <a16:creationId xmlns:a16="http://schemas.microsoft.com/office/drawing/2014/main" xmlns="" id="{E549C3E2-8CEB-0D47-AE18-AA2DE0043A02}"/>
+                <a16:creationId xmlns:a16="http://schemas.microsoft.com/office/drawing/2014/main" xmlns="" id="{E037DC88-8AD9-294A-99E1-C8C749C848C7}"/>
               </a:ext>
             </a:extLst>
           </p:cNvPr>
-          <p:cNvPicPr>
-            <a:picLocks noChangeAspect="1" noChangeArrowheads="1"/>
-          </p:cNvPicPr>
+          <p:cNvSpPr txBox="1"/>
           <p:nvPr/>
-        </p:nvPicPr>
-        <p:blipFill>
-          <a:blip r:embed="rId2">
-            <a:extLst>
-              <a:ext uri="{28A0092B-C50C-407E-A947-70E740481C1C}">
-                <a14:useLocalDpi xmlns:a14="http://schemas.microsoft.com/office/drawing/2010/main" val="0"/>
-              </a:ext>
-            </a:extLst>
-          </a:blip>
-          <a:srcRect/>
-          <a:stretch>
-            <a:fillRect/>
-          </a:stretch>
-        </p:blipFill>
-        <p:spPr bwMode="auto">
+        </p:nvSpPr>
+        <p:spPr>
           <a:xfrm>
-            <a:off x="679994" y="1516743"/>
-            <a:ext cx="7784011" cy="3824514"/>
+            <a:off x="475989" y="1556194"/>
+            <a:ext cx="8192022" cy="3970318"/>
           </a:xfrm>
           <a:prstGeom prst="rect">
             <a:avLst/>
           </a:prstGeom>
           <a:noFill/>
-          <a:extLst>
-            <a:ext uri="{909E8E84-426E-40DD-AFC4-6F175D3DCCD1}">
-              <a14:hiddenFill xmlns:a14="http://schemas.microsoft.com/office/drawing/2010/main">
-                <a:solidFill>
-                  <a:srgbClr val="FFFFFF"/>
-                </a:solidFill>
-              </a14:hiddenFill>
-            </a:ext>
-          </a:extLst>
         </p:spPr>
-      </p:pic>
+        <p:txBody>
+          <a:bodyPr wrap="square" rtlCol="0">
+            <a:spAutoFit/>
+          </a:bodyPr>
+          <a:lstStyle/>
+          <a:p>
+            <a:pPr algn="just"/>
+            <a:r>
+              <a:rPr lang="pt-BR" sz="2800" dirty="0" smtClean="0"/>
+              <a:t>Juntar </a:t>
+            </a:r>
+            <a:r>
+              <a:rPr lang="pt-BR" sz="2800" dirty="0"/>
+              <a:t>as alterações feitas, mesclando as </a:t>
+            </a:r>
+            <a:r>
+              <a:rPr lang="pt-BR" sz="2800" dirty="0" err="1"/>
+              <a:t>branches</a:t>
+            </a:r>
+            <a:r>
+              <a:rPr lang="pt-BR" sz="2800" dirty="0"/>
+              <a:t> </a:t>
+            </a:r>
+            <a:r>
+              <a:rPr lang="pt-BR" sz="2800" dirty="0" err="1"/>
+              <a:t>master</a:t>
+            </a:r>
+            <a:r>
+              <a:rPr lang="pt-BR" sz="2800" dirty="0"/>
+              <a:t> e a nova, é feito através do </a:t>
+            </a:r>
+            <a:r>
+              <a:rPr lang="pt-BR" sz="2800" dirty="0" smtClean="0"/>
+              <a:t>comando: </a:t>
+            </a:r>
+          </a:p>
+          <a:p>
+            <a:pPr algn="ctr"/>
+            <a:endParaRPr lang="pt-BR" sz="2800" i="1" dirty="0">
+              <a:solidFill>
+                <a:srgbClr val="FF0000"/>
+              </a:solidFill>
+            </a:endParaRPr>
+          </a:p>
+          <a:p>
+            <a:pPr algn="ctr"/>
+            <a:r>
+              <a:rPr lang="pt-BR" sz="2800" i="1" dirty="0" err="1" smtClean="0">
+                <a:solidFill>
+                  <a:srgbClr val="FF0000"/>
+                </a:solidFill>
+              </a:rPr>
+              <a:t>git</a:t>
+            </a:r>
+            <a:r>
+              <a:rPr lang="pt-BR" sz="2800" i="1" dirty="0" smtClean="0">
+                <a:solidFill>
+                  <a:srgbClr val="FF0000"/>
+                </a:solidFill>
+              </a:rPr>
+              <a:t> </a:t>
+            </a:r>
+            <a:r>
+              <a:rPr lang="pt-BR" sz="2800" i="1" dirty="0">
+                <a:solidFill>
+                  <a:srgbClr val="FF0000"/>
+                </a:solidFill>
+              </a:rPr>
+              <a:t>merge </a:t>
+            </a:r>
+            <a:r>
+              <a:rPr lang="pt-BR" sz="2800" i="1" dirty="0" err="1">
+                <a:solidFill>
+                  <a:srgbClr val="FF0000"/>
+                </a:solidFill>
+              </a:rPr>
+              <a:t>nomebranch</a:t>
+            </a:r>
+            <a:r>
+              <a:rPr lang="pt-BR" sz="2800" i="1" dirty="0">
+                <a:solidFill>
+                  <a:srgbClr val="FF0000"/>
+                </a:solidFill>
+              </a:rPr>
+              <a:t> -m ”Mesclando </a:t>
+            </a:r>
+            <a:r>
+              <a:rPr lang="pt-BR" sz="2800" i="1" dirty="0" err="1">
+                <a:solidFill>
+                  <a:srgbClr val="FF0000"/>
+                </a:solidFill>
+              </a:rPr>
+              <a:t>branches</a:t>
+            </a:r>
+            <a:r>
+              <a:rPr lang="pt-BR" sz="2800" i="1" dirty="0">
+                <a:solidFill>
+                  <a:srgbClr val="FF0000"/>
+                </a:solidFill>
+              </a:rPr>
+              <a:t>.”</a:t>
+            </a:r>
+          </a:p>
+          <a:p>
+            <a:pPr algn="just"/>
+            <a:endParaRPr lang="pt-BR" sz="2800" dirty="0" smtClean="0"/>
+          </a:p>
+          <a:p>
+            <a:pPr algn="just"/>
+            <a:r>
+              <a:rPr lang="pt-BR" sz="2800" dirty="0" smtClean="0"/>
+              <a:t>Feito </a:t>
+            </a:r>
+            <a:r>
+              <a:rPr lang="pt-BR" sz="2800" dirty="0"/>
+              <a:t>o merge, os arquivos e alterações realizados na nova </a:t>
+            </a:r>
+            <a:r>
+              <a:rPr lang="pt-BR" sz="2800" dirty="0" err="1"/>
+              <a:t>branch</a:t>
+            </a:r>
+            <a:r>
+              <a:rPr lang="pt-BR" sz="2800" dirty="0"/>
+              <a:t> forma trazidos para a </a:t>
+            </a:r>
+            <a:r>
+              <a:rPr lang="pt-BR" sz="2800" dirty="0" err="1"/>
+              <a:t>branch</a:t>
+            </a:r>
+            <a:r>
+              <a:rPr lang="pt-BR" sz="2800" dirty="0"/>
+              <a:t> </a:t>
+            </a:r>
+            <a:r>
+              <a:rPr lang="pt-BR" sz="2800" i="1" dirty="0" err="1"/>
+              <a:t>master</a:t>
+            </a:r>
+            <a:r>
+              <a:rPr lang="pt-BR" sz="2800" dirty="0"/>
+              <a:t>.</a:t>
+            </a:r>
+          </a:p>
+          <a:p>
+            <a:pPr algn="just"/>
+            <a:r>
+              <a:rPr lang="pt-BR" sz="2800" dirty="0"/>
+              <a:t>Um novo </a:t>
+            </a:r>
+            <a:r>
+              <a:rPr lang="pt-BR" sz="2800" dirty="0" err="1"/>
+              <a:t>commit</a:t>
+            </a:r>
+            <a:r>
+              <a:rPr lang="pt-BR" sz="2800" dirty="0"/>
+              <a:t> é criado com as alterações a serem mescladas com a mensagem informada.</a:t>
+            </a:r>
+            <a:endParaRPr lang="pt-BR" sz="3200" dirty="0"/>
+          </a:p>
+        </p:txBody>
+      </p:sp>
+      <p:sp>
+        <p:nvSpPr>
+          <p:cNvPr id="3" name="Título 1"/>
+          <p:cNvSpPr txBox="1">
+            <a:spLocks/>
+          </p:cNvSpPr>
+          <p:nvPr/>
+        </p:nvSpPr>
+        <p:spPr bwMode="black">
+          <a:xfrm>
+            <a:off x="180304" y="0"/>
+            <a:ext cx="8770513" cy="902745"/>
+          </a:xfrm>
+          <a:prstGeom prst="rect">
+            <a:avLst/>
+          </a:prstGeom>
+          <a:solidFill>
+            <a:srgbClr val="FFFFFF"/>
+          </a:solidFill>
+          <a:ln w="31750" cap="sq">
+            <a:solidFill>
+              <a:srgbClr val="404040"/>
+            </a:solidFill>
+            <a:miter lim="800000"/>
+          </a:ln>
+        </p:spPr>
+        <p:txBody>
+          <a:bodyPr vert="horz" lIns="182880" tIns="182880" rIns="182880" bIns="182880" rtlCol="0" anchor="ctr">
+            <a:noAutofit/>
+          </a:bodyPr>
+          <a:lstStyle>
+            <a:lvl1pPr algn="ctr" defTabSz="914400" rtl="0" eaLnBrk="1" latinLnBrk="0" hangingPunct="1">
+              <a:lnSpc>
+                <a:spcPct val="90000"/>
+              </a:lnSpc>
+              <a:spcBef>
+                <a:spcPct val="0"/>
+              </a:spcBef>
+              <a:buNone/>
+              <a:defRPr sz="2600" kern="1200" cap="all" spc="200" baseline="0">
+                <a:solidFill>
+                  <a:srgbClr val="262626"/>
+                </a:solidFill>
+                <a:latin typeface="+mj-lt"/>
+                <a:ea typeface="+mj-ea"/>
+                <a:cs typeface="+mj-cs"/>
+              </a:defRPr>
+            </a:lvl1pPr>
+          </a:lstStyle>
+          <a:p>
+            <a:r>
+              <a:rPr lang="pt-BR" sz="2400" b="1" dirty="0"/>
+              <a:t>MESCLANDO ALTERAÇÕES COM MERGE</a:t>
+            </a:r>
+            <a:endParaRPr lang="pt-BR" sz="2400" b="1" dirty="0"/>
+          </a:p>
+        </p:txBody>
+      </p:sp>
     </p:spTree>
     <p:extLst>
       <p:ext uri="{BB962C8B-B14F-4D97-AF65-F5344CB8AC3E}">
-        <p14:creationId xmlns:p14="http://schemas.microsoft.com/office/powerpoint/2010/main" val="3019682518"/>
+        <p14:creationId xmlns:p14="http://schemas.microsoft.com/office/powerpoint/2010/main" val="3333434959"/>
       </p:ext>
     </p:extLst>
   </p:cSld>
@@ -5399,8 +7248,8 @@
         </p:nvSpPr>
         <p:spPr>
           <a:xfrm>
-            <a:off x="475989" y="1136064"/>
-            <a:ext cx="8192022" cy="4585871"/>
+            <a:off x="475989" y="1659285"/>
+            <a:ext cx="8192022" cy="3539430"/>
           </a:xfrm>
           <a:prstGeom prst="rect">
             <a:avLst/>
@@ -5415,97 +7264,134 @@
           <a:p>
             <a:pPr algn="just"/>
             <a:r>
-              <a:rPr lang="pt-BR" sz="3200" b="1" dirty="0"/>
-              <a:t>VOLTAR E FAZER ALTERAÇÕES NO MASTER</a:t>
-            </a:r>
-            <a:endParaRPr lang="pt-BR" sz="3200" dirty="0"/>
+              <a:rPr lang="pt-BR" sz="2800" dirty="0"/>
+              <a:t>Feito o merge, os arquivos e alterações realizados na nova </a:t>
+            </a:r>
+            <a:r>
+              <a:rPr lang="pt-BR" sz="2800" dirty="0" err="1">
+                <a:solidFill>
+                  <a:srgbClr val="FF0000"/>
+                </a:solidFill>
+              </a:rPr>
+              <a:t>branch</a:t>
+            </a:r>
+            <a:r>
+              <a:rPr lang="pt-BR" sz="2800" dirty="0">
+                <a:solidFill>
+                  <a:srgbClr val="FF0000"/>
+                </a:solidFill>
+              </a:rPr>
+              <a:t> </a:t>
+            </a:r>
+            <a:r>
+              <a:rPr lang="pt-BR" sz="2800" dirty="0"/>
+              <a:t>forma trazidos para a </a:t>
+            </a:r>
+            <a:r>
+              <a:rPr lang="pt-BR" sz="2800" dirty="0" err="1">
+                <a:solidFill>
+                  <a:srgbClr val="FF0000"/>
+                </a:solidFill>
+              </a:rPr>
+              <a:t>branch</a:t>
+            </a:r>
+            <a:r>
+              <a:rPr lang="pt-BR" sz="2800" dirty="0">
+                <a:solidFill>
+                  <a:srgbClr val="FF0000"/>
+                </a:solidFill>
+              </a:rPr>
+              <a:t> </a:t>
+            </a:r>
+            <a:r>
+              <a:rPr lang="pt-BR" sz="2800" i="1" dirty="0" err="1">
+                <a:solidFill>
+                  <a:srgbClr val="FF0000"/>
+                </a:solidFill>
+              </a:rPr>
+              <a:t>master</a:t>
+            </a:r>
+            <a:r>
+              <a:rPr lang="pt-BR" sz="2800" dirty="0"/>
+              <a:t>.</a:t>
+            </a:r>
           </a:p>
           <a:p>
             <a:pPr algn="just"/>
-            <a:endParaRPr lang="pt-BR" sz="3200" dirty="0"/>
-          </a:p>
-          <a:p>
-            <a:pPr marL="457200" indent="-457200" algn="just">
-              <a:buFont typeface="Arial" panose="020B0604020202020204" pitchFamily="34" charset="0"/>
-              <a:buChar char="•"/>
-            </a:pPr>
-            <a:r>
-              <a:rPr lang="pt-BR" sz="2800" dirty="0"/>
-              <a:t>Utilizar o comando </a:t>
-            </a:r>
-            <a:r>
-              <a:rPr lang="pt-BR" sz="2800" i="1" dirty="0" err="1"/>
-              <a:t>git</a:t>
-            </a:r>
-            <a:r>
-              <a:rPr lang="pt-BR" sz="2800" i="1" dirty="0"/>
+            <a:r>
+              <a:rPr lang="pt-BR" sz="2800" dirty="0"/>
+              <a:t>Um novo </a:t>
+            </a:r>
+            <a:r>
+              <a:rPr lang="pt-BR" sz="2800" dirty="0" err="1">
+                <a:solidFill>
+                  <a:srgbClr val="FF0000"/>
+                </a:solidFill>
+              </a:rPr>
+              <a:t>commit</a:t>
+            </a:r>
+            <a:r>
+              <a:rPr lang="pt-BR" sz="2800" dirty="0">
+                <a:solidFill>
+                  <a:srgbClr val="FF0000"/>
+                </a:solidFill>
+              </a:rPr>
               <a:t> </a:t>
             </a:r>
             <a:r>
-              <a:rPr lang="pt-BR" sz="2800" i="1" dirty="0" err="1"/>
-              <a:t>checkout</a:t>
-            </a:r>
-            <a:r>
-              <a:rPr lang="pt-BR" sz="2800" i="1" dirty="0"/>
+              <a:rPr lang="pt-BR" sz="2800" dirty="0"/>
+              <a:t>é criado com as alterações a serem mescladas com a mensagem informada.</a:t>
+            </a:r>
+          </a:p>
+          <a:p>
+            <a:pPr algn="just"/>
+            <a:r>
+              <a:rPr lang="pt-BR" sz="2800" dirty="0" err="1">
+                <a:solidFill>
+                  <a:srgbClr val="FF0000"/>
+                </a:solidFill>
+              </a:rPr>
+              <a:t>Branch</a:t>
+            </a:r>
+            <a:r>
+              <a:rPr lang="pt-BR" sz="2800" dirty="0">
+                <a:solidFill>
+                  <a:srgbClr val="FF0000"/>
+                </a:solidFill>
+              </a:rPr>
               <a:t> </a:t>
             </a:r>
             <a:r>
-              <a:rPr lang="pt-BR" sz="2800" i="1" dirty="0" err="1"/>
+              <a:rPr lang="pt-BR" sz="2800" i="1" dirty="0" err="1">
+                <a:solidFill>
+                  <a:srgbClr val="FF0000"/>
+                </a:solidFill>
+              </a:rPr>
               <a:t>master</a:t>
             </a:r>
             <a:r>
-              <a:rPr lang="pt-BR" sz="2800" dirty="0"/>
-              <a:t>, retornando para a </a:t>
-            </a:r>
-            <a:r>
-              <a:rPr lang="pt-BR" sz="2800" dirty="0" err="1"/>
-              <a:t>branch</a:t>
-            </a:r>
-            <a:r>
-              <a:rPr lang="pt-BR" sz="2800" dirty="0"/>
+              <a:rPr lang="pt-BR" sz="2800" dirty="0">
+                <a:solidFill>
+                  <a:srgbClr val="FF0000"/>
+                </a:solidFill>
+              </a:rPr>
               <a:t> </a:t>
             </a:r>
             <a:r>
-              <a:rPr lang="pt-BR" sz="2800" dirty="0" err="1"/>
-              <a:t>master</a:t>
-            </a:r>
-            <a:r>
-              <a:rPr lang="pt-BR" sz="2800" dirty="0"/>
-              <a:t>.</a:t>
-            </a:r>
-          </a:p>
-          <a:p>
-            <a:pPr marL="457200" indent="-457200" algn="just">
-              <a:buFont typeface="Arial" panose="020B0604020202020204" pitchFamily="34" charset="0"/>
-              <a:buChar char="•"/>
-            </a:pPr>
-            <a:r>
-              <a:rPr lang="pt-BR" sz="2800" dirty="0"/>
-              <a:t>Após efetuar e </a:t>
-            </a:r>
-            <a:r>
-              <a:rPr lang="pt-BR" sz="2800" dirty="0" err="1"/>
-              <a:t>commitar</a:t>
-            </a:r>
-            <a:r>
-              <a:rPr lang="pt-BR" sz="2800" dirty="0"/>
-              <a:t> a mudança, a </a:t>
-            </a:r>
-            <a:r>
-              <a:rPr lang="pt-BR" sz="2800" dirty="0" err="1"/>
-              <a:t>branch</a:t>
-            </a:r>
-            <a:r>
-              <a:rPr lang="pt-BR" sz="2800" dirty="0"/>
-              <a:t> </a:t>
-            </a:r>
-            <a:r>
-              <a:rPr lang="pt-BR" sz="2800" i="1" dirty="0" err="1"/>
-              <a:t>master</a:t>
-            </a:r>
-            <a:r>
-              <a:rPr lang="pt-BR" sz="2800" dirty="0"/>
-              <a:t> aponta para o </a:t>
+              <a:rPr lang="pt-BR" sz="2800" dirty="0"/>
+              <a:t>e o </a:t>
+            </a:r>
+            <a:r>
+              <a:rPr lang="pt-BR" sz="2800" dirty="0">
+                <a:solidFill>
+                  <a:srgbClr val="FF0000"/>
+                </a:solidFill>
+              </a:rPr>
+              <a:t>HEAD</a:t>
+            </a:r>
+            <a:r>
+              <a:rPr lang="pt-BR" sz="2800" dirty="0"/>
+              <a:t> apontam para o </a:t>
             </a:r>
             <a:r>
               <a:rPr lang="pt-BR" sz="2800" dirty="0" err="1"/>
@@ -5513,25 +7399,47 @@
             </a:r>
             <a:r>
               <a:rPr lang="pt-BR" sz="2800" dirty="0"/>
-              <a:t> que foi realizado a mudança.</a:t>
-            </a:r>
-          </a:p>
-          <a:p>
-            <a:pPr marL="457200" indent="-457200" algn="just">
-              <a:buFont typeface="Arial" panose="020B0604020202020204" pitchFamily="34" charset="0"/>
-              <a:buChar char="•"/>
-            </a:pPr>
-            <a:r>
-              <a:rPr lang="pt-BR" sz="2800" dirty="0"/>
-              <a:t>A </a:t>
-            </a:r>
-            <a:r>
-              <a:rPr lang="pt-BR" sz="2800" dirty="0" err="1"/>
+              <a:t> de merge, pois é o último </a:t>
+            </a:r>
+            <a:r>
+              <a:rPr lang="pt-BR" sz="2800" dirty="0" err="1">
+                <a:solidFill>
+                  <a:srgbClr val="FF0000"/>
+                </a:solidFill>
+              </a:rPr>
+              <a:t>commit</a:t>
+            </a:r>
+            <a:r>
+              <a:rPr lang="pt-BR" sz="2800" dirty="0">
+                <a:solidFill>
+                  <a:srgbClr val="FF0000"/>
+                </a:solidFill>
+              </a:rPr>
+              <a:t> </a:t>
+            </a:r>
+            <a:r>
+              <a:rPr lang="pt-BR" sz="2800" dirty="0"/>
+              <a:t>realizado. A nova </a:t>
+            </a:r>
+            <a:r>
+              <a:rPr lang="pt-BR" sz="2800" dirty="0" err="1">
+                <a:solidFill>
+                  <a:srgbClr val="FF0000"/>
+                </a:solidFill>
+              </a:rPr>
               <a:t>branch</a:t>
             </a:r>
             <a:r>
-              <a:rPr lang="pt-BR" sz="2800" dirty="0"/>
-              <a:t> anterior aponta para o </a:t>
+              <a:rPr lang="pt-BR" sz="2800" dirty="0">
+                <a:solidFill>
+                  <a:srgbClr val="FF0000"/>
+                </a:solidFill>
+              </a:rPr>
+              <a:t> </a:t>
+            </a:r>
+            <a:r>
+              <a:rPr lang="pt-BR" sz="2800" dirty="0"/>
+              <a:t>aponta para o mesmo </a:t>
             </a:r>
             <a:r>
               <a:rPr lang="pt-BR" sz="2800" dirty="0" err="1"/>
@@ -5541,514 +7449,7 @@
               <a:rPr lang="pt-BR" sz="2800" dirty="0"/>
               <a:t> que estava anteriormente.</a:t>
             </a:r>
-          </a:p>
-        </p:txBody>
-      </p:sp>
-    </p:spTree>
-    <p:extLst>
-      <p:ext uri="{BB962C8B-B14F-4D97-AF65-F5344CB8AC3E}">
-        <p14:creationId xmlns:p14="http://schemas.microsoft.com/office/powerpoint/2010/main" val="3084993534"/>
-      </p:ext>
-    </p:extLst>
-  </p:cSld>
-  <p:clrMapOvr>
-    <a:masterClrMapping/>
-  </p:clrMapOvr>
-</p:sld>
-</file>
-
-<file path=ppt/slides/slide26.xml><?xml version="1.0" encoding="utf-8"?>
-<p:sld xmlns:a="http://schemas.openxmlformats.org/drawingml/2006/main" xmlns:r="http://schemas.openxmlformats.org/officeDocument/2006/relationships" xmlns:p="http://schemas.openxmlformats.org/presentationml/2006/main">
-  <p:cSld>
-    <p:spTree>
-      <p:nvGrpSpPr>
-        <p:cNvPr id="1" name=""/>
-        <p:cNvGrpSpPr/>
-        <p:nvPr/>
-      </p:nvGrpSpPr>
-      <p:grpSpPr>
-        <a:xfrm>
-          <a:off x="0" y="0"/>
-          <a:ext cx="0" cy="0"/>
-          <a:chOff x="0" y="0"/>
-          <a:chExt cx="0" cy="0"/>
-        </a:xfrm>
-      </p:grpSpPr>
-      <p:pic>
-        <p:nvPicPr>
-          <p:cNvPr id="2049" name="Picture 1" descr="page99image58042528">
-            <a:extLst>
-              <a:ext uri="{FF2B5EF4-FFF2-40B4-BE49-F238E27FC236}">
-                <a16:creationId xmlns:a16="http://schemas.microsoft.com/office/drawing/2014/main" xmlns="" id="{F4EC6591-F022-2246-A21B-21B3B05A8178}"/>
-              </a:ext>
-            </a:extLst>
-          </p:cNvPr>
-          <p:cNvPicPr>
-            <a:picLocks noChangeAspect="1" noChangeArrowheads="1"/>
-          </p:cNvPicPr>
-          <p:nvPr/>
-        </p:nvPicPr>
-        <p:blipFill>
-          <a:blip r:embed="rId2">
-            <a:extLst>
-              <a:ext uri="{28A0092B-C50C-407E-A947-70E740481C1C}">
-                <a14:useLocalDpi xmlns:a14="http://schemas.microsoft.com/office/drawing/2010/main" val="0"/>
-              </a:ext>
-            </a:extLst>
-          </a:blip>
-          <a:srcRect/>
-          <a:stretch>
-            <a:fillRect/>
-          </a:stretch>
-        </p:blipFill>
-        <p:spPr bwMode="auto">
-          <a:xfrm>
-            <a:off x="409121" y="933672"/>
-            <a:ext cx="8325757" cy="4990655"/>
-          </a:xfrm>
-          <a:prstGeom prst="rect">
-            <a:avLst/>
-          </a:prstGeom>
-          <a:noFill/>
-          <a:extLst>
-            <a:ext uri="{909E8E84-426E-40DD-AFC4-6F175D3DCCD1}">
-              <a14:hiddenFill xmlns:a14="http://schemas.microsoft.com/office/drawing/2010/main">
-                <a:solidFill>
-                  <a:srgbClr val="FFFFFF"/>
-                </a:solidFill>
-              </a14:hiddenFill>
-            </a:ext>
-          </a:extLst>
-        </p:spPr>
-      </p:pic>
-    </p:spTree>
-    <p:extLst>
-      <p:ext uri="{BB962C8B-B14F-4D97-AF65-F5344CB8AC3E}">
-        <p14:creationId xmlns:p14="http://schemas.microsoft.com/office/powerpoint/2010/main" val="1242323904"/>
-      </p:ext>
-    </p:extLst>
-  </p:cSld>
-  <p:clrMapOvr>
-    <a:masterClrMapping/>
-  </p:clrMapOvr>
-</p:sld>
-</file>
-
-<file path=ppt/slides/slide27.xml><?xml version="1.0" encoding="utf-8"?>
-<p:sld xmlns:a="http://schemas.openxmlformats.org/drawingml/2006/main" xmlns:r="http://schemas.openxmlformats.org/officeDocument/2006/relationships" xmlns:p="http://schemas.openxmlformats.org/presentationml/2006/main">
-  <p:cSld>
-    <p:spTree>
-      <p:nvGrpSpPr>
-        <p:cNvPr id="1" name=""/>
-        <p:cNvGrpSpPr/>
-        <p:nvPr/>
-      </p:nvGrpSpPr>
-      <p:grpSpPr>
-        <a:xfrm>
-          <a:off x="0" y="0"/>
-          <a:ext cx="0" cy="0"/>
-          <a:chOff x="0" y="0"/>
-          <a:chExt cx="0" cy="0"/>
-        </a:xfrm>
-      </p:grpSpPr>
-      <p:sp>
-        <p:nvSpPr>
-          <p:cNvPr id="4" name="TextBox 3">
-            <a:extLst>
-              <a:ext uri="{FF2B5EF4-FFF2-40B4-BE49-F238E27FC236}">
-                <a16:creationId xmlns:a16="http://schemas.microsoft.com/office/drawing/2014/main" xmlns="" id="{E037DC88-8AD9-294A-99E1-C8C749C848C7}"/>
-              </a:ext>
-            </a:extLst>
-          </p:cNvPr>
-          <p:cNvSpPr txBox="1"/>
-          <p:nvPr/>
-        </p:nvSpPr>
-        <p:spPr>
-          <a:xfrm>
-            <a:off x="475989" y="1813173"/>
-            <a:ext cx="8192022" cy="3231654"/>
-          </a:xfrm>
-          <a:prstGeom prst="rect">
-            <a:avLst/>
-          </a:prstGeom>
-          <a:noFill/>
-        </p:spPr>
-        <p:txBody>
-          <a:bodyPr wrap="square" rtlCol="0">
-            <a:spAutoFit/>
-          </a:bodyPr>
-          <a:lstStyle/>
-          <a:p>
-            <a:pPr algn="just"/>
-            <a:r>
-              <a:rPr lang="pt-BR" sz="3200" b="1" dirty="0"/>
-              <a:t>MESCLANDO ALTERAÇÕES</a:t>
-            </a:r>
-          </a:p>
-          <a:p>
-            <a:pPr algn="just"/>
-            <a:endParaRPr lang="pt-BR" sz="3200" b="1" dirty="0"/>
-          </a:p>
-          <a:p>
-            <a:pPr marL="457200" indent="-457200" algn="just">
-              <a:buFont typeface="Arial" panose="020B0604020202020204" pitchFamily="34" charset="0"/>
-              <a:buChar char="•"/>
-            </a:pPr>
-            <a:r>
-              <a:rPr lang="pt-BR" sz="2800" dirty="0"/>
-              <a:t>É necessário mesclar alterações feitas na </a:t>
-            </a:r>
-            <a:r>
-              <a:rPr lang="pt-BR" sz="2800" dirty="0" err="1"/>
-              <a:t>branch</a:t>
-            </a:r>
-            <a:r>
-              <a:rPr lang="pt-BR" sz="2800" dirty="0"/>
-              <a:t> </a:t>
-            </a:r>
-            <a:r>
-              <a:rPr lang="pt-BR" sz="2800" i="1" dirty="0" err="1"/>
-              <a:t>master</a:t>
-            </a:r>
-            <a:r>
-              <a:rPr lang="pt-BR" sz="2800" dirty="0"/>
-              <a:t> e na outra </a:t>
-            </a:r>
-            <a:r>
-              <a:rPr lang="pt-BR" sz="2800" dirty="0" err="1"/>
-              <a:t>branch</a:t>
-            </a:r>
-            <a:r>
-              <a:rPr lang="pt-BR" sz="2800" dirty="0"/>
-              <a:t> criada.</a:t>
-            </a:r>
-          </a:p>
-          <a:p>
-            <a:pPr marL="457200" indent="-457200" algn="just">
-              <a:buFont typeface="Arial" panose="020B0604020202020204" pitchFamily="34" charset="0"/>
-              <a:buChar char="•"/>
-            </a:pPr>
-            <a:r>
-              <a:rPr lang="pt-BR" sz="2800" dirty="0"/>
-              <a:t>O </a:t>
-            </a:r>
-            <a:r>
-              <a:rPr lang="pt-BR" sz="2800" dirty="0" err="1"/>
-              <a:t>Git</a:t>
-            </a:r>
-            <a:r>
-              <a:rPr lang="pt-BR" sz="2800" dirty="0"/>
-              <a:t> ajuda a identificar o que mudou, sem a necessidade de copiar e colar na mão as alterações, eliminando erros que podem acontecer.</a:t>
-            </a:r>
-          </a:p>
-        </p:txBody>
-      </p:sp>
-    </p:spTree>
-    <p:extLst>
-      <p:ext uri="{BB962C8B-B14F-4D97-AF65-F5344CB8AC3E}">
-        <p14:creationId xmlns:p14="http://schemas.microsoft.com/office/powerpoint/2010/main" val="738870249"/>
-      </p:ext>
-    </p:extLst>
-  </p:cSld>
-  <p:clrMapOvr>
-    <a:masterClrMapping/>
-  </p:clrMapOvr>
-</p:sld>
-</file>
-
-<file path=ppt/slides/slide28.xml><?xml version="1.0" encoding="utf-8"?>
-<p:sld xmlns:a="http://schemas.openxmlformats.org/drawingml/2006/main" xmlns:r="http://schemas.openxmlformats.org/officeDocument/2006/relationships" xmlns:p="http://schemas.openxmlformats.org/presentationml/2006/main">
-  <p:cSld>
-    <p:spTree>
-      <p:nvGrpSpPr>
-        <p:cNvPr id="1" name=""/>
-        <p:cNvGrpSpPr/>
-        <p:nvPr/>
-      </p:nvGrpSpPr>
-      <p:grpSpPr>
-        <a:xfrm>
-          <a:off x="0" y="0"/>
-          <a:ext cx="0" cy="0"/>
-          <a:chOff x="0" y="0"/>
-          <a:chExt cx="0" cy="0"/>
-        </a:xfrm>
-      </p:grpSpPr>
-      <p:sp>
-        <p:nvSpPr>
-          <p:cNvPr id="4" name="TextBox 3">
-            <a:extLst>
-              <a:ext uri="{FF2B5EF4-FFF2-40B4-BE49-F238E27FC236}">
-                <a16:creationId xmlns:a16="http://schemas.microsoft.com/office/drawing/2014/main" xmlns="" id="{E037DC88-8AD9-294A-99E1-C8C749C848C7}"/>
-              </a:ext>
-            </a:extLst>
-          </p:cNvPr>
-          <p:cNvSpPr txBox="1"/>
-          <p:nvPr/>
-        </p:nvSpPr>
-        <p:spPr>
-          <a:xfrm>
-            <a:off x="475989" y="1782395"/>
-            <a:ext cx="8192022" cy="3293209"/>
-          </a:xfrm>
-          <a:prstGeom prst="rect">
-            <a:avLst/>
-          </a:prstGeom>
-          <a:noFill/>
-        </p:spPr>
-        <p:txBody>
-          <a:bodyPr wrap="square" rtlCol="0">
-            <a:spAutoFit/>
-          </a:bodyPr>
-          <a:lstStyle/>
-          <a:p>
-            <a:pPr algn="just"/>
-            <a:r>
-              <a:rPr lang="pt-BR" sz="3200" b="1" dirty="0"/>
-              <a:t>VERIFICANDO BRANCHES NÃO MESCLADAS</a:t>
-            </a:r>
-          </a:p>
-          <a:p>
-            <a:pPr algn="just"/>
-            <a:endParaRPr lang="pt-BR" sz="3200" b="1" dirty="0"/>
-          </a:p>
-          <a:p>
-            <a:pPr marL="457200" indent="-457200" algn="just">
-              <a:buFont typeface="Arial" panose="020B0604020202020204" pitchFamily="34" charset="0"/>
-              <a:buChar char="•"/>
-            </a:pPr>
-            <a:r>
-              <a:rPr lang="pt-BR" sz="2800" dirty="0"/>
-              <a:t>É possível verificar </a:t>
-            </a:r>
-            <a:r>
-              <a:rPr lang="pt-BR" sz="2800" dirty="0" err="1"/>
-              <a:t>branches</a:t>
-            </a:r>
-            <a:r>
-              <a:rPr lang="pt-BR" sz="2800" dirty="0"/>
-              <a:t> que não foram mescladas com o comando </a:t>
-            </a:r>
-            <a:r>
-              <a:rPr lang="pt-BR" sz="2800" i="1" dirty="0" err="1"/>
-              <a:t>git</a:t>
-            </a:r>
-            <a:r>
-              <a:rPr lang="pt-BR" sz="2800" i="1" dirty="0"/>
-              <a:t> </a:t>
-            </a:r>
-            <a:r>
-              <a:rPr lang="pt-BR" sz="2800" i="1" dirty="0" err="1"/>
-              <a:t>branch</a:t>
-            </a:r>
-            <a:r>
-              <a:rPr lang="pt-BR" sz="2800" i="1" dirty="0"/>
-              <a:t> --no-</a:t>
-            </a:r>
-            <a:r>
-              <a:rPr lang="pt-BR" sz="2800" i="1" dirty="0" err="1"/>
-              <a:t>merged</a:t>
-            </a:r>
-            <a:r>
-              <a:rPr lang="pt-BR" sz="2800" dirty="0"/>
-              <a:t>.</a:t>
-            </a:r>
-          </a:p>
-          <a:p>
-            <a:pPr marL="457200" indent="-457200" algn="just">
-              <a:buFont typeface="Arial" panose="020B0604020202020204" pitchFamily="34" charset="0"/>
-              <a:buChar char="•"/>
-            </a:pPr>
-            <a:r>
-              <a:rPr lang="pt-BR" sz="2800" dirty="0"/>
-              <a:t>A saída indicará mudanças que não foram mescladas.</a:t>
-            </a:r>
-          </a:p>
-        </p:txBody>
-      </p:sp>
-    </p:spTree>
-    <p:extLst>
-      <p:ext uri="{BB962C8B-B14F-4D97-AF65-F5344CB8AC3E}">
-        <p14:creationId xmlns:p14="http://schemas.microsoft.com/office/powerpoint/2010/main" val="398615944"/>
-      </p:ext>
-    </p:extLst>
-  </p:cSld>
-  <p:clrMapOvr>
-    <a:masterClrMapping/>
-  </p:clrMapOvr>
-</p:sld>
-</file>
-
-<file path=ppt/slides/slide29.xml><?xml version="1.0" encoding="utf-8"?>
-<p:sld xmlns:a="http://schemas.openxmlformats.org/drawingml/2006/main" xmlns:r="http://schemas.openxmlformats.org/officeDocument/2006/relationships" xmlns:p="http://schemas.openxmlformats.org/presentationml/2006/main">
-  <p:cSld>
-    <p:spTree>
-      <p:nvGrpSpPr>
-        <p:cNvPr id="1" name=""/>
-        <p:cNvGrpSpPr/>
-        <p:nvPr/>
-      </p:nvGrpSpPr>
-      <p:grpSpPr>
-        <a:xfrm>
-          <a:off x="0" y="0"/>
-          <a:ext cx="0" cy="0"/>
-          <a:chOff x="0" y="0"/>
-          <a:chExt cx="0" cy="0"/>
-        </a:xfrm>
-      </p:grpSpPr>
-      <p:pic>
-        <p:nvPicPr>
-          <p:cNvPr id="4" name="Picture 3">
-            <a:extLst>
-              <a:ext uri="{FF2B5EF4-FFF2-40B4-BE49-F238E27FC236}">
-                <a16:creationId xmlns:a16="http://schemas.microsoft.com/office/drawing/2014/main" xmlns="" id="{0EB5093E-80CE-3F40-BE8E-11E58A89AE84}"/>
-              </a:ext>
-            </a:extLst>
-          </p:cNvPr>
-          <p:cNvPicPr>
-            <a:picLocks noChangeAspect="1"/>
-          </p:cNvPicPr>
-          <p:nvPr/>
-        </p:nvPicPr>
-        <p:blipFill>
-          <a:blip r:embed="rId2"/>
-          <a:stretch>
-            <a:fillRect/>
-          </a:stretch>
-        </p:blipFill>
-        <p:spPr>
-          <a:xfrm>
-            <a:off x="250370" y="796925"/>
-            <a:ext cx="8643260" cy="5264150"/>
-          </a:xfrm>
-          <a:prstGeom prst="rect">
-            <a:avLst/>
-          </a:prstGeom>
-        </p:spPr>
-      </p:pic>
-    </p:spTree>
-    <p:extLst>
-      <p:ext uri="{BB962C8B-B14F-4D97-AF65-F5344CB8AC3E}">
-        <p14:creationId xmlns:p14="http://schemas.microsoft.com/office/powerpoint/2010/main" val="1786731784"/>
-      </p:ext>
-    </p:extLst>
-  </p:cSld>
-  <p:clrMapOvr>
-    <a:masterClrMapping/>
-  </p:clrMapOvr>
-</p:sld>
-</file>
-
-<file path=ppt/slides/slide3.xml><?xml version="1.0" encoding="utf-8"?>
-<p:sld xmlns:a="http://schemas.openxmlformats.org/drawingml/2006/main" xmlns:r="http://schemas.openxmlformats.org/officeDocument/2006/relationships" xmlns:p="http://schemas.openxmlformats.org/presentationml/2006/main">
-  <p:cSld>
-    <p:spTree>
-      <p:nvGrpSpPr>
-        <p:cNvPr id="1" name=""/>
-        <p:cNvGrpSpPr/>
-        <p:nvPr/>
-      </p:nvGrpSpPr>
-      <p:grpSpPr>
-        <a:xfrm>
-          <a:off x="0" y="0"/>
-          <a:ext cx="0" cy="0"/>
-          <a:chOff x="0" y="0"/>
-          <a:chExt cx="0" cy="0"/>
-        </a:xfrm>
-      </p:grpSpPr>
-      <p:sp>
-        <p:nvSpPr>
-          <p:cNvPr id="4" name="TextBox 3">
-            <a:extLst>
-              <a:ext uri="{FF2B5EF4-FFF2-40B4-BE49-F238E27FC236}">
-                <a16:creationId xmlns:a16="http://schemas.microsoft.com/office/drawing/2014/main" xmlns="" id="{E037DC88-8AD9-294A-99E1-C8C749C848C7}"/>
-              </a:ext>
-            </a:extLst>
-          </p:cNvPr>
-          <p:cNvSpPr txBox="1"/>
-          <p:nvPr/>
-        </p:nvSpPr>
-        <p:spPr>
-          <a:xfrm>
-            <a:off x="475989" y="1566952"/>
-            <a:ext cx="8192022" cy="2739211"/>
-          </a:xfrm>
-          <a:prstGeom prst="rect">
-            <a:avLst/>
-          </a:prstGeom>
-          <a:noFill/>
-        </p:spPr>
-        <p:txBody>
-          <a:bodyPr wrap="square" rtlCol="0">
-            <a:spAutoFit/>
-          </a:bodyPr>
-          <a:lstStyle/>
-          <a:p>
-            <a:pPr algn="just"/>
-            <a:endParaRPr lang="pt-BR" sz="3200" b="1" dirty="0"/>
-          </a:p>
-          <a:p>
-            <a:pPr marL="457200" indent="-457200" algn="just">
-              <a:buFont typeface="Arial" panose="020B0604020202020204" pitchFamily="34" charset="0"/>
-              <a:buChar char="•"/>
-            </a:pPr>
-            <a:r>
-              <a:rPr lang="pt-BR" sz="2800" i="1" dirty="0" err="1">
-                <a:solidFill>
-                  <a:srgbClr val="FF0000"/>
-                </a:solidFill>
-              </a:rPr>
-              <a:t>Branch</a:t>
-            </a:r>
-            <a:r>
-              <a:rPr lang="pt-BR" sz="2800" dirty="0">
-                <a:solidFill>
-                  <a:srgbClr val="FF0000"/>
-                </a:solidFill>
-              </a:rPr>
-              <a:t> </a:t>
-            </a:r>
-            <a:r>
-              <a:rPr lang="pt-BR" sz="2800" dirty="0"/>
-              <a:t>é uma linha independente de desenvolvimento onde é possível </a:t>
-            </a:r>
-            <a:r>
-              <a:rPr lang="pt-BR" sz="2800" dirty="0" err="1"/>
-              <a:t>commitar</a:t>
-            </a:r>
-            <a:r>
-              <a:rPr lang="pt-BR" sz="2800" dirty="0"/>
-              <a:t> novas versões de código sem afetar outros </a:t>
-            </a:r>
-            <a:r>
-              <a:rPr lang="pt-BR" sz="2800" dirty="0" err="1"/>
-              <a:t>branches</a:t>
-            </a:r>
-            <a:r>
-              <a:rPr lang="pt-BR" sz="2800" dirty="0"/>
-              <a:t>.</a:t>
-            </a:r>
-          </a:p>
-          <a:p>
-            <a:pPr marL="457200" indent="-457200" algn="just">
-              <a:buFont typeface="Arial" panose="020B0604020202020204" pitchFamily="34" charset="0"/>
-              <a:buChar char="•"/>
-            </a:pPr>
-            <a:r>
-              <a:rPr lang="pt-BR" sz="2800" dirty="0" err="1"/>
-              <a:t>Git</a:t>
-            </a:r>
-            <a:r>
-              <a:rPr lang="pt-BR" sz="2800" dirty="0"/>
-              <a:t> permite lidar com </a:t>
-            </a:r>
-            <a:r>
-              <a:rPr lang="pt-BR" sz="2800" dirty="0" err="1"/>
-              <a:t>branches</a:t>
-            </a:r>
-            <a:r>
-              <a:rPr lang="pt-BR" sz="2800" dirty="0"/>
-              <a:t> de maneira rápida e leve.</a:t>
-            </a:r>
+            <a:endParaRPr lang="pt-BR" sz="3200" dirty="0"/>
           </a:p>
         </p:txBody>
       </p:sp>
@@ -6104,415 +7505,9 @@
           <a:p>
             <a:r>
               <a:rPr lang="pt-BR" sz="2400" b="1" dirty="0"/>
-              <a:t>TRABALHANDO EM </a:t>
-            </a:r>
-            <a:r>
-              <a:rPr lang="pt-BR" sz="2400" b="1" dirty="0" smtClean="0"/>
-              <a:t>PARALELO </a:t>
-            </a:r>
-            <a:r>
-              <a:rPr lang="pt-BR" sz="2400" b="1" dirty="0"/>
-              <a:t>COM BRANCHES</a:t>
-            </a:r>
-          </a:p>
-        </p:txBody>
-      </p:sp>
-    </p:spTree>
-    <p:extLst>
-      <p:ext uri="{BB962C8B-B14F-4D97-AF65-F5344CB8AC3E}">
-        <p14:creationId xmlns:p14="http://schemas.microsoft.com/office/powerpoint/2010/main" val="2791255800"/>
-      </p:ext>
-    </p:extLst>
-  </p:cSld>
-  <p:clrMapOvr>
-    <a:masterClrMapping/>
-  </p:clrMapOvr>
-</p:sld>
-</file>
-
-<file path=ppt/slides/slide30.xml><?xml version="1.0" encoding="utf-8"?>
-<p:sld xmlns:a="http://schemas.openxmlformats.org/drawingml/2006/main" xmlns:r="http://schemas.openxmlformats.org/officeDocument/2006/relationships" xmlns:p="http://schemas.openxmlformats.org/presentationml/2006/main">
-  <p:cSld>
-    <p:spTree>
-      <p:nvGrpSpPr>
-        <p:cNvPr id="1" name=""/>
-        <p:cNvGrpSpPr/>
-        <p:nvPr/>
-      </p:nvGrpSpPr>
-      <p:grpSpPr>
-        <a:xfrm>
-          <a:off x="0" y="0"/>
-          <a:ext cx="0" cy="0"/>
-          <a:chOff x="0" y="0"/>
-          <a:chExt cx="0" cy="0"/>
-        </a:xfrm>
-      </p:grpSpPr>
-      <p:sp>
-        <p:nvSpPr>
-          <p:cNvPr id="4" name="TextBox 3">
-            <a:extLst>
-              <a:ext uri="{FF2B5EF4-FFF2-40B4-BE49-F238E27FC236}">
-                <a16:creationId xmlns:a16="http://schemas.microsoft.com/office/drawing/2014/main" xmlns="" id="{E037DC88-8AD9-294A-99E1-C8C749C848C7}"/>
-              </a:ext>
-            </a:extLst>
-          </p:cNvPr>
-          <p:cNvSpPr txBox="1"/>
-          <p:nvPr/>
-        </p:nvSpPr>
-        <p:spPr>
-          <a:xfrm>
-            <a:off x="475989" y="1136064"/>
-            <a:ext cx="8192022" cy="4585871"/>
-          </a:xfrm>
-          <a:prstGeom prst="rect">
-            <a:avLst/>
-          </a:prstGeom>
-          <a:noFill/>
-        </p:spPr>
-        <p:txBody>
-          <a:bodyPr wrap="square" rtlCol="0">
-            <a:spAutoFit/>
-          </a:bodyPr>
-          <a:lstStyle/>
-          <a:p>
-            <a:pPr algn="just"/>
-            <a:r>
-              <a:rPr lang="pt-BR" sz="3200" b="1" dirty="0"/>
               <a:t>MESCLANDO ALTERAÇÕES COM MERGE</a:t>
             </a:r>
-          </a:p>
-          <a:p>
-            <a:pPr algn="just"/>
-            <a:endParaRPr lang="pt-BR" sz="3200" b="1" dirty="0"/>
-          </a:p>
-          <a:p>
-            <a:pPr marL="457200" indent="-457200" algn="just">
-              <a:buFont typeface="Arial" panose="020B0604020202020204" pitchFamily="34" charset="0"/>
-              <a:buChar char="•"/>
-            </a:pPr>
-            <a:r>
-              <a:rPr lang="pt-BR" sz="2800" dirty="0"/>
-              <a:t>Juntar as alterações feitas, mesclando as </a:t>
-            </a:r>
-            <a:r>
-              <a:rPr lang="pt-BR" sz="2800" dirty="0" err="1"/>
-              <a:t>branches</a:t>
-            </a:r>
-            <a:r>
-              <a:rPr lang="pt-BR" sz="2800" dirty="0"/>
-              <a:t> </a:t>
-            </a:r>
-            <a:r>
-              <a:rPr lang="pt-BR" sz="2800" dirty="0" err="1"/>
-              <a:t>master</a:t>
-            </a:r>
-            <a:r>
-              <a:rPr lang="pt-BR" sz="2800" dirty="0"/>
-              <a:t> e a nova, é feito através do comando </a:t>
-            </a:r>
-            <a:r>
-              <a:rPr lang="pt-BR" sz="2800" i="1" dirty="0" err="1"/>
-              <a:t>git</a:t>
-            </a:r>
-            <a:r>
-              <a:rPr lang="pt-BR" sz="2800" i="1" dirty="0"/>
-              <a:t> merge </a:t>
-            </a:r>
-            <a:r>
-              <a:rPr lang="pt-BR" sz="2800" i="1" dirty="0" err="1"/>
-              <a:t>nomebranch</a:t>
-            </a:r>
-            <a:r>
-              <a:rPr lang="pt-BR" sz="2800" i="1" dirty="0"/>
-              <a:t> -m ”Mesclando </a:t>
-            </a:r>
-            <a:r>
-              <a:rPr lang="pt-BR" sz="2800" i="1" dirty="0" err="1"/>
-              <a:t>branches</a:t>
-            </a:r>
-            <a:r>
-              <a:rPr lang="pt-BR" sz="2800" i="1" dirty="0"/>
-              <a:t>.”</a:t>
-            </a:r>
-          </a:p>
-          <a:p>
-            <a:pPr marL="457200" indent="-457200" algn="just">
-              <a:buFont typeface="Arial" panose="020B0604020202020204" pitchFamily="34" charset="0"/>
-              <a:buChar char="•"/>
-            </a:pPr>
-            <a:r>
-              <a:rPr lang="pt-BR" sz="2800" dirty="0"/>
-              <a:t>Feito o merge, os arquivos e alterações realizados na nova </a:t>
-            </a:r>
-            <a:r>
-              <a:rPr lang="pt-BR" sz="2800" dirty="0" err="1"/>
-              <a:t>branch</a:t>
-            </a:r>
-            <a:r>
-              <a:rPr lang="pt-BR" sz="2800" dirty="0"/>
-              <a:t> forma trazidos para a </a:t>
-            </a:r>
-            <a:r>
-              <a:rPr lang="pt-BR" sz="2800" dirty="0" err="1"/>
-              <a:t>branch</a:t>
-            </a:r>
-            <a:r>
-              <a:rPr lang="pt-BR" sz="2800" dirty="0"/>
-              <a:t> </a:t>
-            </a:r>
-            <a:r>
-              <a:rPr lang="pt-BR" sz="2800" i="1" dirty="0" err="1"/>
-              <a:t>master</a:t>
-            </a:r>
-            <a:r>
-              <a:rPr lang="pt-BR" sz="2800" dirty="0"/>
-              <a:t>.</a:t>
-            </a:r>
-          </a:p>
-          <a:p>
-            <a:pPr marL="457200" indent="-457200" algn="just">
-              <a:buFont typeface="Arial" panose="020B0604020202020204" pitchFamily="34" charset="0"/>
-              <a:buChar char="•"/>
-            </a:pPr>
-            <a:r>
-              <a:rPr lang="pt-BR" sz="2800" dirty="0"/>
-              <a:t>Um novo </a:t>
-            </a:r>
-            <a:r>
-              <a:rPr lang="pt-BR" sz="2800" dirty="0" err="1"/>
-              <a:t>commit</a:t>
-            </a:r>
-            <a:r>
-              <a:rPr lang="pt-BR" sz="2800" dirty="0"/>
-              <a:t> é criado com as alterações a serem mescladas com a mensagem informada.</a:t>
-            </a:r>
-            <a:endParaRPr lang="pt-BR" sz="3200" dirty="0"/>
-          </a:p>
-        </p:txBody>
-      </p:sp>
-    </p:spTree>
-    <p:extLst>
-      <p:ext uri="{BB962C8B-B14F-4D97-AF65-F5344CB8AC3E}">
-        <p14:creationId xmlns:p14="http://schemas.microsoft.com/office/powerpoint/2010/main" val="3333434959"/>
-      </p:ext>
-    </p:extLst>
-  </p:cSld>
-  <p:clrMapOvr>
-    <a:masterClrMapping/>
-  </p:clrMapOvr>
-</p:sld>
-</file>
-
-<file path=ppt/slides/slide31.xml><?xml version="1.0" encoding="utf-8"?>
-<p:sld xmlns:a="http://schemas.openxmlformats.org/drawingml/2006/main" xmlns:r="http://schemas.openxmlformats.org/officeDocument/2006/relationships" xmlns:p="http://schemas.openxmlformats.org/presentationml/2006/main">
-  <p:cSld>
-    <p:spTree>
-      <p:nvGrpSpPr>
-        <p:cNvPr id="1" name=""/>
-        <p:cNvGrpSpPr/>
-        <p:nvPr/>
-      </p:nvGrpSpPr>
-      <p:grpSpPr>
-        <a:xfrm>
-          <a:off x="0" y="0"/>
-          <a:ext cx="0" cy="0"/>
-          <a:chOff x="0" y="0"/>
-          <a:chExt cx="0" cy="0"/>
-        </a:xfrm>
-      </p:grpSpPr>
-      <p:pic>
-        <p:nvPicPr>
-          <p:cNvPr id="4" name="Picture 3">
-            <a:extLst>
-              <a:ext uri="{FF2B5EF4-FFF2-40B4-BE49-F238E27FC236}">
-                <a16:creationId xmlns:a16="http://schemas.microsoft.com/office/drawing/2014/main" xmlns="" id="{25CFAF77-61AC-994A-B321-5619037E7C15}"/>
-              </a:ext>
-            </a:extLst>
-          </p:cNvPr>
-          <p:cNvPicPr>
-            <a:picLocks noChangeAspect="1"/>
-          </p:cNvPicPr>
-          <p:nvPr/>
-        </p:nvPicPr>
-        <p:blipFill>
-          <a:blip r:embed="rId2"/>
-          <a:stretch>
-            <a:fillRect/>
-          </a:stretch>
-        </p:blipFill>
-        <p:spPr>
-          <a:xfrm>
-            <a:off x="0" y="422031"/>
-            <a:ext cx="9144000" cy="6013938"/>
-          </a:xfrm>
-          <a:prstGeom prst="rect">
-            <a:avLst/>
-          </a:prstGeom>
-        </p:spPr>
-      </p:pic>
-    </p:spTree>
-    <p:extLst>
-      <p:ext uri="{BB962C8B-B14F-4D97-AF65-F5344CB8AC3E}">
-        <p14:creationId xmlns:p14="http://schemas.microsoft.com/office/powerpoint/2010/main" val="83136484"/>
-      </p:ext>
-    </p:extLst>
-  </p:cSld>
-  <p:clrMapOvr>
-    <a:masterClrMapping/>
-  </p:clrMapOvr>
-</p:sld>
-</file>
-
-<file path=ppt/slides/slide32.xml><?xml version="1.0" encoding="utf-8"?>
-<p:sld xmlns:a="http://schemas.openxmlformats.org/drawingml/2006/main" xmlns:r="http://schemas.openxmlformats.org/officeDocument/2006/relationships" xmlns:p="http://schemas.openxmlformats.org/presentationml/2006/main">
-  <p:cSld>
-    <p:spTree>
-      <p:nvGrpSpPr>
-        <p:cNvPr id="1" name=""/>
-        <p:cNvGrpSpPr/>
-        <p:nvPr/>
-      </p:nvGrpSpPr>
-      <p:grpSpPr>
-        <a:xfrm>
-          <a:off x="0" y="0"/>
-          <a:ext cx="0" cy="0"/>
-          <a:chOff x="0" y="0"/>
-          <a:chExt cx="0" cy="0"/>
-        </a:xfrm>
-      </p:grpSpPr>
-      <p:sp>
-        <p:nvSpPr>
-          <p:cNvPr id="4" name="TextBox 3">
-            <a:extLst>
-              <a:ext uri="{FF2B5EF4-FFF2-40B4-BE49-F238E27FC236}">
-                <a16:creationId xmlns:a16="http://schemas.microsoft.com/office/drawing/2014/main" xmlns="" id="{E037DC88-8AD9-294A-99E1-C8C749C848C7}"/>
-              </a:ext>
-            </a:extLst>
-          </p:cNvPr>
-          <p:cNvSpPr txBox="1"/>
-          <p:nvPr/>
-        </p:nvSpPr>
-        <p:spPr>
-          <a:xfrm>
-            <a:off x="475989" y="1659285"/>
-            <a:ext cx="8192022" cy="3539430"/>
-          </a:xfrm>
-          <a:prstGeom prst="rect">
-            <a:avLst/>
-          </a:prstGeom>
-          <a:noFill/>
-        </p:spPr>
-        <p:txBody>
-          <a:bodyPr wrap="square" rtlCol="0">
-            <a:spAutoFit/>
-          </a:bodyPr>
-          <a:lstStyle/>
-          <a:p>
-            <a:pPr marL="457200" indent="-457200" algn="just">
-              <a:buFont typeface="Arial" panose="020B0604020202020204" pitchFamily="34" charset="0"/>
-              <a:buChar char="•"/>
-            </a:pPr>
-            <a:r>
-              <a:rPr lang="pt-BR" sz="2800" dirty="0"/>
-              <a:t>Feito o merge, os arquivos e alterações realizados na nova </a:t>
-            </a:r>
-            <a:r>
-              <a:rPr lang="pt-BR" sz="2800" dirty="0" err="1"/>
-              <a:t>branch</a:t>
-            </a:r>
-            <a:r>
-              <a:rPr lang="pt-BR" sz="2800" dirty="0"/>
-              <a:t> forma trazidos para a </a:t>
-            </a:r>
-            <a:r>
-              <a:rPr lang="pt-BR" sz="2800" dirty="0" err="1"/>
-              <a:t>branch</a:t>
-            </a:r>
-            <a:r>
-              <a:rPr lang="pt-BR" sz="2800" dirty="0"/>
-              <a:t> </a:t>
-            </a:r>
-            <a:r>
-              <a:rPr lang="pt-BR" sz="2800" i="1" dirty="0" err="1"/>
-              <a:t>master</a:t>
-            </a:r>
-            <a:r>
-              <a:rPr lang="pt-BR" sz="2800" dirty="0"/>
-              <a:t>.</a:t>
-            </a:r>
-          </a:p>
-          <a:p>
-            <a:pPr marL="457200" indent="-457200" algn="just">
-              <a:buFont typeface="Arial" panose="020B0604020202020204" pitchFamily="34" charset="0"/>
-              <a:buChar char="•"/>
-            </a:pPr>
-            <a:r>
-              <a:rPr lang="pt-BR" sz="2800" dirty="0"/>
-              <a:t>Um novo </a:t>
-            </a:r>
-            <a:r>
-              <a:rPr lang="pt-BR" sz="2800" dirty="0" err="1"/>
-              <a:t>commit</a:t>
-            </a:r>
-            <a:r>
-              <a:rPr lang="pt-BR" sz="2800" dirty="0"/>
-              <a:t> é criado com as alterações a serem mescladas com a mensagem informada.</a:t>
-            </a:r>
-          </a:p>
-          <a:p>
-            <a:pPr marL="457200" indent="-457200" algn="just">
-              <a:buFont typeface="Arial" panose="020B0604020202020204" pitchFamily="34" charset="0"/>
-              <a:buChar char="•"/>
-            </a:pPr>
-            <a:r>
-              <a:rPr lang="pt-BR" sz="2800" dirty="0" err="1"/>
-              <a:t>Branch</a:t>
-            </a:r>
-            <a:r>
-              <a:rPr lang="pt-BR" sz="2800" dirty="0"/>
-              <a:t> </a:t>
-            </a:r>
-            <a:r>
-              <a:rPr lang="pt-BR" sz="2800" i="1" dirty="0" err="1"/>
-              <a:t>master</a:t>
-            </a:r>
-            <a:r>
-              <a:rPr lang="pt-BR" sz="2800" dirty="0"/>
-              <a:t> e o HEAD apontam para o </a:t>
-            </a:r>
-            <a:r>
-              <a:rPr lang="pt-BR" sz="2800" dirty="0" err="1"/>
-              <a:t>commit</a:t>
-            </a:r>
-            <a:r>
-              <a:rPr lang="pt-BR" sz="2800" dirty="0"/>
-              <a:t> de merge, pois é o último </a:t>
-            </a:r>
-            <a:r>
-              <a:rPr lang="pt-BR" sz="2800" dirty="0" err="1"/>
-              <a:t>commit</a:t>
-            </a:r>
-            <a:r>
-              <a:rPr lang="pt-BR" sz="2800" dirty="0"/>
-              <a:t> realizado. A nova </a:t>
-            </a:r>
-            <a:r>
-              <a:rPr lang="pt-BR" sz="2800" dirty="0" err="1"/>
-              <a:t>branch</a:t>
-            </a:r>
-            <a:r>
-              <a:rPr lang="pt-BR" sz="2800" dirty="0"/>
-              <a:t> aponta para o mesmo </a:t>
-            </a:r>
-            <a:r>
-              <a:rPr lang="pt-BR" sz="2800" dirty="0" err="1"/>
-              <a:t>commit</a:t>
-            </a:r>
-            <a:r>
-              <a:rPr lang="pt-BR" sz="2800" dirty="0"/>
-              <a:t> que estava anteriormente.</a:t>
-            </a:r>
-            <a:endParaRPr lang="pt-BR" sz="3200" dirty="0"/>
+            <a:endParaRPr lang="pt-BR" sz="2400" b="1" dirty="0"/>
           </a:p>
         </p:txBody>
       </p:sp>
@@ -6529,67 +7524,7 @@
 </p:sld>
 </file>
 
-<file path=ppt/slides/slide33.xml><?xml version="1.0" encoding="utf-8"?>
-<p:sld xmlns:a="http://schemas.openxmlformats.org/drawingml/2006/main" xmlns:r="http://schemas.openxmlformats.org/officeDocument/2006/relationships" xmlns:p="http://schemas.openxmlformats.org/presentationml/2006/main">
-  <p:cSld>
-    <p:spTree>
-      <p:nvGrpSpPr>
-        <p:cNvPr id="1" name=""/>
-        <p:cNvGrpSpPr/>
-        <p:nvPr/>
-      </p:nvGrpSpPr>
-      <p:grpSpPr>
-        <a:xfrm>
-          <a:off x="0" y="0"/>
-          <a:ext cx="0" cy="0"/>
-          <a:chOff x="0" y="0"/>
-          <a:chExt cx="0" cy="0"/>
-        </a:xfrm>
-      </p:grpSpPr>
-      <p:pic>
-        <p:nvPicPr>
-          <p:cNvPr id="4" name="Picture 3">
-            <a:extLst>
-              <a:ext uri="{FF2B5EF4-FFF2-40B4-BE49-F238E27FC236}">
-                <a16:creationId xmlns:a16="http://schemas.microsoft.com/office/drawing/2014/main" xmlns="" id="{594F1DB7-744F-9F4A-9B4B-8F4B6457D16A}"/>
-              </a:ext>
-            </a:extLst>
-          </p:cNvPr>
-          <p:cNvPicPr>
-            <a:picLocks noChangeAspect="1"/>
-          </p:cNvPicPr>
-          <p:nvPr/>
-        </p:nvPicPr>
-        <p:blipFill>
-          <a:blip r:embed="rId2"/>
-          <a:stretch>
-            <a:fillRect/>
-          </a:stretch>
-        </p:blipFill>
-        <p:spPr>
-          <a:xfrm>
-            <a:off x="401094" y="642579"/>
-            <a:ext cx="8341812" cy="5572842"/>
-          </a:xfrm>
-          <a:prstGeom prst="rect">
-            <a:avLst/>
-          </a:prstGeom>
-        </p:spPr>
-      </p:pic>
-    </p:spTree>
-    <p:extLst>
-      <p:ext uri="{BB962C8B-B14F-4D97-AF65-F5344CB8AC3E}">
-        <p14:creationId xmlns:p14="http://schemas.microsoft.com/office/powerpoint/2010/main" val="3542317486"/>
-      </p:ext>
-    </p:extLst>
-  </p:cSld>
-  <p:clrMapOvr>
-    <a:masterClrMapping/>
-  </p:clrMapOvr>
-</p:sld>
-</file>
-
-<file path=ppt/slides/slide34.xml><?xml version="1.0" encoding="utf-8"?>
+<file path=ppt/slides/slide26.xml><?xml version="1.0" encoding="utf-8"?>
 <p:sld xmlns:a="http://schemas.openxmlformats.org/drawingml/2006/main" xmlns:r="http://schemas.openxmlformats.org/officeDocument/2006/relationships" xmlns:p="http://schemas.openxmlformats.org/presentationml/2006/main">
   <p:cSld>
     <p:spTree>
@@ -6653,906 +7588,6 @@
           </a:extLst>
         </p:spPr>
       </p:pic>
-    </p:spTree>
-    <p:extLst>
-      <p:ext uri="{BB962C8B-B14F-4D97-AF65-F5344CB8AC3E}">
-        <p14:creationId xmlns:p14="http://schemas.microsoft.com/office/powerpoint/2010/main" val="3351393882"/>
-      </p:ext>
-    </p:extLst>
-  </p:cSld>
-  <p:clrMapOvr>
-    <a:masterClrMapping/>
-  </p:clrMapOvr>
-</p:sld>
-</file>
-
-<file path=ppt/slides/slide35.xml><?xml version="1.0" encoding="utf-8"?>
-<p:sld xmlns:a="http://schemas.openxmlformats.org/drawingml/2006/main" xmlns:r="http://schemas.openxmlformats.org/officeDocument/2006/relationships" xmlns:p="http://schemas.openxmlformats.org/presentationml/2006/main">
-  <p:cSld>
-    <p:spTree>
-      <p:nvGrpSpPr>
-        <p:cNvPr id="1" name=""/>
-        <p:cNvGrpSpPr/>
-        <p:nvPr/>
-      </p:nvGrpSpPr>
-      <p:grpSpPr>
-        <a:xfrm>
-          <a:off x="0" y="0"/>
-          <a:ext cx="0" cy="0"/>
-          <a:chOff x="0" y="0"/>
-          <a:chExt cx="0" cy="0"/>
-        </a:xfrm>
-      </p:grpSpPr>
-      <p:sp>
-        <p:nvSpPr>
-          <p:cNvPr id="4" name="TextBox 3">
-            <a:extLst>
-              <a:ext uri="{FF2B5EF4-FFF2-40B4-BE49-F238E27FC236}">
-                <a16:creationId xmlns:a16="http://schemas.microsoft.com/office/drawing/2014/main" xmlns="" id="{E037DC88-8AD9-294A-99E1-C8C749C848C7}"/>
-              </a:ext>
-            </a:extLst>
-          </p:cNvPr>
-          <p:cNvSpPr txBox="1"/>
-          <p:nvPr/>
-        </p:nvSpPr>
-        <p:spPr>
-          <a:xfrm>
-            <a:off x="475989" y="2090172"/>
-            <a:ext cx="8192022" cy="2677656"/>
-          </a:xfrm>
-          <a:prstGeom prst="rect">
-            <a:avLst/>
-          </a:prstGeom>
-          <a:noFill/>
-        </p:spPr>
-        <p:txBody>
-          <a:bodyPr wrap="square" rtlCol="0">
-            <a:spAutoFit/>
-          </a:bodyPr>
-          <a:lstStyle/>
-          <a:p>
-            <a:pPr marL="457200" indent="-457200" algn="just">
-              <a:buFont typeface="Arial" panose="020B0604020202020204" pitchFamily="34" charset="0"/>
-              <a:buChar char="•"/>
-            </a:pPr>
-            <a:r>
-              <a:rPr lang="pt-BR" sz="2800" dirty="0"/>
-              <a:t>Quando a </a:t>
-            </a:r>
-            <a:r>
-              <a:rPr lang="pt-BR" sz="2800" dirty="0" err="1"/>
-              <a:t>branch</a:t>
-            </a:r>
-            <a:r>
-              <a:rPr lang="pt-BR" sz="2800" dirty="0"/>
-              <a:t> de destino não tiver nenhum </a:t>
-            </a:r>
-            <a:r>
-              <a:rPr lang="pt-BR" sz="2800" dirty="0" err="1"/>
-              <a:t>commit</a:t>
-            </a:r>
-            <a:r>
-              <a:rPr lang="pt-BR" sz="2800" dirty="0"/>
-              <a:t> desde a criação da </a:t>
-            </a:r>
-            <a:r>
-              <a:rPr lang="pt-BR" sz="2800" dirty="0" err="1"/>
-              <a:t>branch</a:t>
-            </a:r>
-            <a:r>
-              <a:rPr lang="pt-BR" sz="2800" dirty="0"/>
-              <a:t> a ser mesclada, o </a:t>
-            </a:r>
-            <a:r>
-              <a:rPr lang="pt-BR" sz="2800" i="1" dirty="0" err="1"/>
-              <a:t>git</a:t>
-            </a:r>
-            <a:r>
-              <a:rPr lang="pt-BR" sz="2800" i="1" dirty="0"/>
-              <a:t> merge</a:t>
-            </a:r>
-            <a:r>
-              <a:rPr lang="pt-BR" sz="2800" dirty="0"/>
-              <a:t> não irá gerar um </a:t>
-            </a:r>
-            <a:r>
-              <a:rPr lang="pt-BR" sz="2800" dirty="0" err="1"/>
-              <a:t>commit</a:t>
-            </a:r>
-            <a:r>
-              <a:rPr lang="pt-BR" sz="2800" dirty="0"/>
-              <a:t>. Esse tipo de merge é chamado de </a:t>
-            </a:r>
-            <a:r>
-              <a:rPr lang="pt-BR" sz="2800" i="1" dirty="0" err="1"/>
-              <a:t>fast-forward</a:t>
-            </a:r>
-            <a:r>
-              <a:rPr lang="pt-BR" sz="2800" i="1" dirty="0"/>
-              <a:t>.</a:t>
-            </a:r>
-            <a:endParaRPr lang="pt-BR" sz="2800" dirty="0"/>
-          </a:p>
-          <a:p>
-            <a:pPr marL="457200" indent="-457200" algn="just">
-              <a:buFont typeface="Arial" panose="020B0604020202020204" pitchFamily="34" charset="0"/>
-              <a:buChar char="•"/>
-            </a:pPr>
-            <a:r>
-              <a:rPr lang="pt-BR" sz="2800" dirty="0"/>
-              <a:t>Ao utilizar a opção </a:t>
-            </a:r>
-            <a:r>
-              <a:rPr lang="pt-BR" sz="2800" i="1" dirty="0"/>
-              <a:t>--no-ff</a:t>
-            </a:r>
-            <a:r>
-              <a:rPr lang="pt-BR" sz="2800" dirty="0"/>
-              <a:t> no comando </a:t>
-            </a:r>
-            <a:r>
-              <a:rPr lang="pt-BR" sz="2800" i="1" dirty="0" err="1"/>
-              <a:t>git</a:t>
-            </a:r>
-            <a:r>
-              <a:rPr lang="pt-BR" sz="2800" i="1" dirty="0"/>
-              <a:t> merge</a:t>
-            </a:r>
-            <a:r>
-              <a:rPr lang="pt-BR" sz="2800" dirty="0"/>
-              <a:t>, o </a:t>
-            </a:r>
-            <a:r>
-              <a:rPr lang="pt-BR" sz="2800" dirty="0" err="1"/>
-              <a:t>Git</a:t>
-            </a:r>
-            <a:r>
-              <a:rPr lang="pt-BR" sz="2800" dirty="0"/>
-              <a:t> força a criação de um </a:t>
-            </a:r>
-            <a:r>
-              <a:rPr lang="pt-BR" sz="2800" dirty="0" err="1"/>
-              <a:t>commit</a:t>
-            </a:r>
-            <a:r>
-              <a:rPr lang="pt-BR" sz="2800" dirty="0"/>
-              <a:t> de merge.</a:t>
-            </a:r>
-          </a:p>
-        </p:txBody>
-      </p:sp>
-    </p:spTree>
-    <p:extLst>
-      <p:ext uri="{BB962C8B-B14F-4D97-AF65-F5344CB8AC3E}">
-        <p14:creationId xmlns:p14="http://schemas.microsoft.com/office/powerpoint/2010/main" val="968867490"/>
-      </p:ext>
-    </p:extLst>
-  </p:cSld>
-  <p:clrMapOvr>
-    <a:masterClrMapping/>
-  </p:clrMapOvr>
-</p:sld>
-</file>
-
-<file path=ppt/slides/slide36.xml><?xml version="1.0" encoding="utf-8"?>
-<p:sld xmlns:a="http://schemas.openxmlformats.org/drawingml/2006/main" xmlns:r="http://schemas.openxmlformats.org/officeDocument/2006/relationships" xmlns:p="http://schemas.openxmlformats.org/presentationml/2006/main">
-  <p:cSld>
-    <p:spTree>
-      <p:nvGrpSpPr>
-        <p:cNvPr id="1" name=""/>
-        <p:cNvGrpSpPr/>
-        <p:nvPr/>
-      </p:nvGrpSpPr>
-      <p:grpSpPr>
-        <a:xfrm>
-          <a:off x="0" y="0"/>
-          <a:ext cx="0" cy="0"/>
-          <a:chOff x="0" y="0"/>
-          <a:chExt cx="0" cy="0"/>
-        </a:xfrm>
-      </p:grpSpPr>
-      <p:sp>
-        <p:nvSpPr>
-          <p:cNvPr id="4" name="TextBox 3">
-            <a:extLst>
-              <a:ext uri="{FF2B5EF4-FFF2-40B4-BE49-F238E27FC236}">
-                <a16:creationId xmlns:a16="http://schemas.microsoft.com/office/drawing/2014/main" xmlns="" id="{E037DC88-8AD9-294A-99E1-C8C749C848C7}"/>
-              </a:ext>
-            </a:extLst>
-          </p:cNvPr>
-          <p:cNvSpPr txBox="1"/>
-          <p:nvPr/>
-        </p:nvSpPr>
-        <p:spPr>
-          <a:xfrm>
-            <a:off x="475989" y="1136064"/>
-            <a:ext cx="8192022" cy="4585871"/>
-          </a:xfrm>
-          <a:prstGeom prst="rect">
-            <a:avLst/>
-          </a:prstGeom>
-          <a:noFill/>
-        </p:spPr>
-        <p:txBody>
-          <a:bodyPr wrap="square" rtlCol="0">
-            <a:spAutoFit/>
-          </a:bodyPr>
-          <a:lstStyle/>
-          <a:p>
-            <a:pPr algn="just"/>
-            <a:r>
-              <a:rPr lang="pt-BR" sz="3200" b="1" dirty="0"/>
-              <a:t>MESCLANDO ALTERAÇÕES COM REBASE</a:t>
-            </a:r>
-          </a:p>
-          <a:p>
-            <a:pPr algn="just"/>
-            <a:endParaRPr lang="pt-BR" sz="3200" b="1" dirty="0"/>
-          </a:p>
-          <a:p>
-            <a:pPr marL="457200" indent="-457200" algn="just">
-              <a:buFont typeface="Arial" panose="020B0604020202020204" pitchFamily="34" charset="0"/>
-              <a:buChar char="•"/>
-            </a:pPr>
-            <a:r>
-              <a:rPr lang="pt-BR" sz="2800" dirty="0"/>
-              <a:t>Projetos com muitas </a:t>
-            </a:r>
-            <a:r>
-              <a:rPr lang="pt-BR" sz="2800" dirty="0" err="1"/>
-              <a:t>branches</a:t>
-            </a:r>
-            <a:r>
-              <a:rPr lang="pt-BR" sz="2800" dirty="0"/>
-              <a:t> e merges ficam com o </a:t>
-            </a:r>
-            <a:r>
-              <a:rPr lang="pt-BR" sz="2800" dirty="0" err="1"/>
-              <a:t>histório</a:t>
-            </a:r>
-            <a:r>
-              <a:rPr lang="pt-BR" sz="2800" dirty="0"/>
-              <a:t> cheio de </a:t>
-            </a:r>
-            <a:r>
-              <a:rPr lang="pt-BR" sz="2800" dirty="0" err="1"/>
-              <a:t>commits</a:t>
-            </a:r>
-            <a:r>
-              <a:rPr lang="pt-BR" sz="2800" dirty="0"/>
-              <a:t> de merge, tornando trabalhoso tarefas como revisão de código.</a:t>
-            </a:r>
-          </a:p>
-          <a:p>
-            <a:pPr marL="457200" indent="-457200" algn="just">
-              <a:buFont typeface="Arial" panose="020B0604020202020204" pitchFamily="34" charset="0"/>
-              <a:buChar char="•"/>
-            </a:pPr>
-            <a:r>
-              <a:rPr lang="pt-BR" sz="2800" dirty="0"/>
-              <a:t>Uma maneira alternativa de mesclar alterações entre duas </a:t>
-            </a:r>
-            <a:r>
-              <a:rPr lang="pt-BR" sz="2800" dirty="0" err="1"/>
-              <a:t>branches</a:t>
-            </a:r>
-            <a:r>
-              <a:rPr lang="pt-BR" sz="2800" dirty="0"/>
-              <a:t> e simplificar o histórico do projeto é através do comando </a:t>
-            </a:r>
-            <a:r>
-              <a:rPr lang="pt-BR" sz="2800" i="1" dirty="0" err="1"/>
-              <a:t>git</a:t>
-            </a:r>
-            <a:r>
-              <a:rPr lang="pt-BR" sz="2800" i="1" dirty="0"/>
-              <a:t> </a:t>
-            </a:r>
-            <a:r>
-              <a:rPr lang="pt-BR" sz="2800" i="1" dirty="0" err="1"/>
-              <a:t>rebase</a:t>
-            </a:r>
-            <a:r>
-              <a:rPr lang="pt-BR" sz="2800" i="1" dirty="0"/>
-              <a:t> </a:t>
-            </a:r>
-            <a:r>
-              <a:rPr lang="pt-BR" sz="2800" i="1" dirty="0" err="1"/>
-              <a:t>nomebranch</a:t>
-            </a:r>
-            <a:r>
-              <a:rPr lang="pt-BR" sz="2800" i="1" dirty="0"/>
-              <a:t>.</a:t>
-            </a:r>
-            <a:endParaRPr lang="pt-BR" sz="2800" dirty="0"/>
-          </a:p>
-        </p:txBody>
-      </p:sp>
-    </p:spTree>
-    <p:extLst>
-      <p:ext uri="{BB962C8B-B14F-4D97-AF65-F5344CB8AC3E}">
-        <p14:creationId xmlns:p14="http://schemas.microsoft.com/office/powerpoint/2010/main" val="1673940488"/>
-      </p:ext>
-    </p:extLst>
-  </p:cSld>
-  <p:clrMapOvr>
-    <a:masterClrMapping/>
-  </p:clrMapOvr>
-</p:sld>
-</file>
-
-<file path=ppt/slides/slide37.xml><?xml version="1.0" encoding="utf-8"?>
-<p:sld xmlns:a="http://schemas.openxmlformats.org/drawingml/2006/main" xmlns:r="http://schemas.openxmlformats.org/officeDocument/2006/relationships" xmlns:p="http://schemas.openxmlformats.org/presentationml/2006/main">
-  <p:cSld>
-    <p:spTree>
-      <p:nvGrpSpPr>
-        <p:cNvPr id="1" name=""/>
-        <p:cNvGrpSpPr/>
-        <p:nvPr/>
-      </p:nvGrpSpPr>
-      <p:grpSpPr>
-        <a:xfrm>
-          <a:off x="0" y="0"/>
-          <a:ext cx="0" cy="0"/>
-          <a:chOff x="0" y="0"/>
-          <a:chExt cx="0" cy="0"/>
-        </a:xfrm>
-      </p:grpSpPr>
-      <p:pic>
-        <p:nvPicPr>
-          <p:cNvPr id="4" name="Picture 3">
-            <a:extLst>
-              <a:ext uri="{FF2B5EF4-FFF2-40B4-BE49-F238E27FC236}">
-                <a16:creationId xmlns:a16="http://schemas.microsoft.com/office/drawing/2014/main" xmlns="" id="{A3BA4ABD-5702-8648-98D6-5EDD566C3D71}"/>
-              </a:ext>
-            </a:extLst>
-          </p:cNvPr>
-          <p:cNvPicPr>
-            <a:picLocks noChangeAspect="1"/>
-          </p:cNvPicPr>
-          <p:nvPr/>
-        </p:nvPicPr>
-        <p:blipFill>
-          <a:blip r:embed="rId2"/>
-          <a:stretch>
-            <a:fillRect/>
-          </a:stretch>
-        </p:blipFill>
-        <p:spPr>
-          <a:xfrm>
-            <a:off x="0" y="0"/>
-            <a:ext cx="9144000" cy="6858000"/>
-          </a:xfrm>
-          <a:prstGeom prst="rect">
-            <a:avLst/>
-          </a:prstGeom>
-        </p:spPr>
-      </p:pic>
-    </p:spTree>
-    <p:extLst>
-      <p:ext uri="{BB962C8B-B14F-4D97-AF65-F5344CB8AC3E}">
-        <p14:creationId xmlns:p14="http://schemas.microsoft.com/office/powerpoint/2010/main" val="2340160864"/>
-      </p:ext>
-    </p:extLst>
-  </p:cSld>
-  <p:clrMapOvr>
-    <a:masterClrMapping/>
-  </p:clrMapOvr>
-</p:sld>
-</file>
-
-<file path=ppt/slides/slide38.xml><?xml version="1.0" encoding="utf-8"?>
-<p:sld xmlns:a="http://schemas.openxmlformats.org/drawingml/2006/main" xmlns:r="http://schemas.openxmlformats.org/officeDocument/2006/relationships" xmlns:p="http://schemas.openxmlformats.org/presentationml/2006/main">
-  <p:cSld>
-    <p:spTree>
-      <p:nvGrpSpPr>
-        <p:cNvPr id="1" name=""/>
-        <p:cNvGrpSpPr/>
-        <p:nvPr/>
-      </p:nvGrpSpPr>
-      <p:grpSpPr>
-        <a:xfrm>
-          <a:off x="0" y="0"/>
-          <a:ext cx="0" cy="0"/>
-          <a:chOff x="0" y="0"/>
-          <a:chExt cx="0" cy="0"/>
-        </a:xfrm>
-      </p:grpSpPr>
-      <p:pic>
-        <p:nvPicPr>
-          <p:cNvPr id="2" name="Picture 1">
-            <a:extLst>
-              <a:ext uri="{FF2B5EF4-FFF2-40B4-BE49-F238E27FC236}">
-                <a16:creationId xmlns:a16="http://schemas.microsoft.com/office/drawing/2014/main" xmlns="" id="{6B226A81-CDB3-BD4E-A2B6-AE7842FFE81B}"/>
-              </a:ext>
-            </a:extLst>
-          </p:cNvPr>
-          <p:cNvPicPr>
-            <a:picLocks noChangeAspect="1"/>
-          </p:cNvPicPr>
-          <p:nvPr/>
-        </p:nvPicPr>
-        <p:blipFill>
-          <a:blip r:embed="rId2"/>
-          <a:stretch>
-            <a:fillRect/>
-          </a:stretch>
-        </p:blipFill>
-        <p:spPr>
-          <a:xfrm>
-            <a:off x="0" y="0"/>
-            <a:ext cx="9144000" cy="6858000"/>
-          </a:xfrm>
-          <a:prstGeom prst="rect">
-            <a:avLst/>
-          </a:prstGeom>
-        </p:spPr>
-      </p:pic>
-    </p:spTree>
-    <p:extLst>
-      <p:ext uri="{BB962C8B-B14F-4D97-AF65-F5344CB8AC3E}">
-        <p14:creationId xmlns:p14="http://schemas.microsoft.com/office/powerpoint/2010/main" val="392722409"/>
-      </p:ext>
-    </p:extLst>
-  </p:cSld>
-  <p:clrMapOvr>
-    <a:masterClrMapping/>
-  </p:clrMapOvr>
-</p:sld>
-</file>
-
-<file path=ppt/slides/slide39.xml><?xml version="1.0" encoding="utf-8"?>
-<p:sld xmlns:a="http://schemas.openxmlformats.org/drawingml/2006/main" xmlns:r="http://schemas.openxmlformats.org/officeDocument/2006/relationships" xmlns:p="http://schemas.openxmlformats.org/presentationml/2006/main">
-  <p:cSld>
-    <p:spTree>
-      <p:nvGrpSpPr>
-        <p:cNvPr id="1" name=""/>
-        <p:cNvGrpSpPr/>
-        <p:nvPr/>
-      </p:nvGrpSpPr>
-      <p:grpSpPr>
-        <a:xfrm>
-          <a:off x="0" y="0"/>
-          <a:ext cx="0" cy="0"/>
-          <a:chOff x="0" y="0"/>
-          <a:chExt cx="0" cy="0"/>
-        </a:xfrm>
-      </p:grpSpPr>
-      <p:sp>
-        <p:nvSpPr>
-          <p:cNvPr id="4" name="TextBox 3">
-            <a:extLst>
-              <a:ext uri="{FF2B5EF4-FFF2-40B4-BE49-F238E27FC236}">
-                <a16:creationId xmlns:a16="http://schemas.microsoft.com/office/drawing/2014/main" xmlns="" id="{E037DC88-8AD9-294A-99E1-C8C749C848C7}"/>
-              </a:ext>
-            </a:extLst>
-          </p:cNvPr>
-          <p:cNvSpPr txBox="1"/>
-          <p:nvPr/>
-        </p:nvSpPr>
-        <p:spPr>
-          <a:xfrm>
-            <a:off x="475989" y="1012954"/>
-            <a:ext cx="8192022" cy="4832092"/>
-          </a:xfrm>
-          <a:prstGeom prst="rect">
-            <a:avLst/>
-          </a:prstGeom>
-          <a:noFill/>
-        </p:spPr>
-        <p:txBody>
-          <a:bodyPr wrap="square" rtlCol="0">
-            <a:spAutoFit/>
-          </a:bodyPr>
-          <a:lstStyle/>
-          <a:p>
-            <a:pPr marL="457200" indent="-457200" algn="just">
-              <a:buFont typeface="Arial" panose="020B0604020202020204" pitchFamily="34" charset="0"/>
-              <a:buChar char="•"/>
-            </a:pPr>
-            <a:r>
-              <a:rPr lang="pt-BR" sz="2800" dirty="0"/>
-              <a:t>Ao utilizar o comando </a:t>
-            </a:r>
-            <a:r>
-              <a:rPr lang="pt-BR" sz="2800" i="1" dirty="0" err="1"/>
-              <a:t>git</a:t>
-            </a:r>
-            <a:r>
-              <a:rPr lang="pt-BR" sz="2800" i="1" dirty="0"/>
-              <a:t> </a:t>
-            </a:r>
-            <a:r>
-              <a:rPr lang="pt-BR" sz="2800" i="1" dirty="0" err="1"/>
-              <a:t>rebase</a:t>
-            </a:r>
-            <a:r>
-              <a:rPr lang="pt-BR" sz="2800" dirty="0"/>
-              <a:t>, o repositório foi “rebobinado” e o trabalho refeito, pois voltou ao estado que estava ao criar a </a:t>
-            </a:r>
-            <a:r>
-              <a:rPr lang="pt-BR" sz="2800" dirty="0" err="1"/>
-              <a:t>branch</a:t>
-            </a:r>
-            <a:r>
-              <a:rPr lang="pt-BR" sz="2800" dirty="0"/>
-              <a:t> a partir da </a:t>
-            </a:r>
-            <a:r>
-              <a:rPr lang="pt-BR" sz="2800" i="1" dirty="0" err="1"/>
-              <a:t>master</a:t>
-            </a:r>
-            <a:r>
-              <a:rPr lang="pt-BR" sz="2800" i="1" dirty="0"/>
-              <a:t>.</a:t>
-            </a:r>
-            <a:endParaRPr lang="pt-BR" sz="2800" dirty="0"/>
-          </a:p>
-          <a:p>
-            <a:pPr marL="457200" indent="-457200" algn="just">
-              <a:buFont typeface="Arial" panose="020B0604020202020204" pitchFamily="34" charset="0"/>
-              <a:buChar char="•"/>
-            </a:pPr>
-            <a:r>
-              <a:rPr lang="pt-BR" sz="2800" dirty="0"/>
-              <a:t>O </a:t>
-            </a:r>
-            <a:r>
-              <a:rPr lang="pt-BR" sz="2800" dirty="0" err="1"/>
-              <a:t>commit</a:t>
-            </a:r>
-            <a:r>
-              <a:rPr lang="pt-BR" sz="2800" dirty="0"/>
-              <a:t> feito na nova </a:t>
-            </a:r>
-            <a:r>
-              <a:rPr lang="pt-BR" sz="2800" dirty="0" err="1"/>
-              <a:t>branch</a:t>
-            </a:r>
-            <a:r>
-              <a:rPr lang="pt-BR" sz="2800" dirty="0"/>
-              <a:t> foi aplicado, juntamente com o último </a:t>
-            </a:r>
-            <a:r>
-              <a:rPr lang="pt-BR" sz="2800" dirty="0" err="1"/>
-              <a:t>commit</a:t>
-            </a:r>
-            <a:r>
-              <a:rPr lang="pt-BR" sz="2800" dirty="0"/>
-              <a:t> na </a:t>
-            </a:r>
-            <a:r>
-              <a:rPr lang="pt-BR" sz="2800" i="1" dirty="0" err="1"/>
-              <a:t>master</a:t>
-            </a:r>
-            <a:r>
-              <a:rPr lang="pt-BR" sz="2800" dirty="0"/>
-              <a:t>.</a:t>
-            </a:r>
-          </a:p>
-          <a:p>
-            <a:pPr marL="457200" indent="-457200" algn="just">
-              <a:buFont typeface="Arial" panose="020B0604020202020204" pitchFamily="34" charset="0"/>
-              <a:buChar char="•"/>
-            </a:pPr>
-            <a:r>
-              <a:rPr lang="pt-BR" sz="2800" dirty="0"/>
-              <a:t>A nova </a:t>
-            </a:r>
-            <a:r>
-              <a:rPr lang="pt-BR" sz="2800" dirty="0" err="1"/>
-              <a:t>branch</a:t>
-            </a:r>
-            <a:r>
-              <a:rPr lang="pt-BR" sz="2800" dirty="0"/>
-              <a:t> aponta para o </a:t>
-            </a:r>
-            <a:r>
-              <a:rPr lang="pt-BR" sz="2800" dirty="0" err="1"/>
-              <a:t>commit</a:t>
-            </a:r>
-            <a:r>
-              <a:rPr lang="pt-BR" sz="2800" dirty="0"/>
-              <a:t> anterior, e a </a:t>
-            </a:r>
-            <a:r>
-              <a:rPr lang="pt-BR" sz="2800" dirty="0" err="1"/>
-              <a:t>branch</a:t>
-            </a:r>
-            <a:r>
-              <a:rPr lang="pt-BR" sz="2800" dirty="0"/>
-              <a:t> </a:t>
-            </a:r>
-            <a:r>
-              <a:rPr lang="pt-BR" sz="2800" i="1" dirty="0" err="1"/>
-              <a:t>master</a:t>
-            </a:r>
-            <a:r>
-              <a:rPr lang="pt-BR" sz="2800" dirty="0"/>
-              <a:t> teve seu histórico refeito. Um novo </a:t>
-            </a:r>
-            <a:r>
-              <a:rPr lang="pt-BR" sz="2800" dirty="0" err="1"/>
-              <a:t>commit</a:t>
-            </a:r>
-            <a:r>
-              <a:rPr lang="pt-BR" sz="2800" dirty="0"/>
-              <a:t> com as alterações foi criado.</a:t>
-            </a:r>
-          </a:p>
-          <a:p>
-            <a:pPr marL="457200" indent="-457200" algn="just">
-              <a:buFont typeface="Arial" panose="020B0604020202020204" pitchFamily="34" charset="0"/>
-              <a:buChar char="•"/>
-            </a:pPr>
-            <a:r>
-              <a:rPr lang="pt-BR" sz="2800" dirty="0"/>
-              <a:t>Não houve </a:t>
-            </a:r>
-            <a:r>
-              <a:rPr lang="pt-BR" sz="2800" dirty="0" err="1"/>
-              <a:t>commit</a:t>
-            </a:r>
-            <a:r>
-              <a:rPr lang="pt-BR" sz="2800" dirty="0"/>
-              <a:t> de merge. O histórico de </a:t>
-            </a:r>
-            <a:r>
-              <a:rPr lang="pt-BR" sz="2800" dirty="0" err="1"/>
-              <a:t>commits</a:t>
-            </a:r>
-            <a:r>
-              <a:rPr lang="pt-BR" sz="2800" dirty="0"/>
-              <a:t> foi linearizado.</a:t>
-            </a:r>
-          </a:p>
-        </p:txBody>
-      </p:sp>
-    </p:spTree>
-    <p:extLst>
-      <p:ext uri="{BB962C8B-B14F-4D97-AF65-F5344CB8AC3E}">
-        <p14:creationId xmlns:p14="http://schemas.microsoft.com/office/powerpoint/2010/main" val="1202848432"/>
-      </p:ext>
-    </p:extLst>
-  </p:cSld>
-  <p:clrMapOvr>
-    <a:masterClrMapping/>
-  </p:clrMapOvr>
-</p:sld>
-</file>
-
-<file path=ppt/slides/slide4.xml><?xml version="1.0" encoding="utf-8"?>
-<p:sld xmlns:a="http://schemas.openxmlformats.org/drawingml/2006/main" xmlns:r="http://schemas.openxmlformats.org/officeDocument/2006/relationships" xmlns:p="http://schemas.openxmlformats.org/presentationml/2006/main">
-  <p:cSld>
-    <p:spTree>
-      <p:nvGrpSpPr>
-        <p:cNvPr id="1" name=""/>
-        <p:cNvGrpSpPr/>
-        <p:nvPr/>
-      </p:nvGrpSpPr>
-      <p:grpSpPr>
-        <a:xfrm>
-          <a:off x="0" y="0"/>
-          <a:ext cx="0" cy="0"/>
-          <a:chOff x="0" y="0"/>
-          <a:chExt cx="0" cy="0"/>
-        </a:xfrm>
-      </p:grpSpPr>
-      <p:sp>
-        <p:nvSpPr>
-          <p:cNvPr id="4" name="TextBox 3">
-            <a:extLst>
-              <a:ext uri="{FF2B5EF4-FFF2-40B4-BE49-F238E27FC236}">
-                <a16:creationId xmlns:a16="http://schemas.microsoft.com/office/drawing/2014/main" xmlns="" id="{E037DC88-8AD9-294A-99E1-C8C749C848C7}"/>
-              </a:ext>
-            </a:extLst>
-          </p:cNvPr>
-          <p:cNvSpPr txBox="1"/>
-          <p:nvPr/>
-        </p:nvSpPr>
-        <p:spPr>
-          <a:xfrm>
-            <a:off x="475989" y="1597729"/>
-            <a:ext cx="8192022" cy="3170099"/>
-          </a:xfrm>
-          <a:prstGeom prst="rect">
-            <a:avLst/>
-          </a:prstGeom>
-          <a:noFill/>
-        </p:spPr>
-        <p:txBody>
-          <a:bodyPr wrap="square" rtlCol="0">
-            <a:spAutoFit/>
-          </a:bodyPr>
-          <a:lstStyle/>
-          <a:p>
-            <a:pPr algn="just"/>
-            <a:endParaRPr lang="pt-BR" sz="3200" dirty="0"/>
-          </a:p>
-          <a:p>
-            <a:pPr marL="342900" indent="-342900" algn="just">
-              <a:buFont typeface="Arial" panose="020B0604020202020204" pitchFamily="34" charset="0"/>
-              <a:buChar char="•"/>
-            </a:pPr>
-            <a:r>
-              <a:rPr lang="pt-BR" sz="2800" dirty="0"/>
-              <a:t>Por padrão, o </a:t>
-            </a:r>
-            <a:r>
-              <a:rPr lang="pt-BR" sz="2800" dirty="0" err="1"/>
-              <a:t>git</a:t>
-            </a:r>
-            <a:r>
-              <a:rPr lang="pt-BR" sz="2800" dirty="0"/>
-              <a:t> cria uma </a:t>
-            </a:r>
-            <a:r>
-              <a:rPr lang="pt-BR" sz="2800" dirty="0" err="1">
-                <a:solidFill>
-                  <a:srgbClr val="FF0000"/>
-                </a:solidFill>
-              </a:rPr>
-              <a:t>branch</a:t>
-            </a:r>
-            <a:r>
-              <a:rPr lang="pt-BR" sz="2800" dirty="0">
-                <a:solidFill>
-                  <a:srgbClr val="FF0000"/>
-                </a:solidFill>
-              </a:rPr>
-              <a:t> </a:t>
-            </a:r>
-            <a:r>
-              <a:rPr lang="pt-BR" sz="2800" dirty="0"/>
-              <a:t>principal chamada </a:t>
-            </a:r>
-            <a:r>
-              <a:rPr lang="pt-BR" sz="2800" i="1" dirty="0" err="1">
-                <a:solidFill>
-                  <a:srgbClr val="FF0000"/>
-                </a:solidFill>
-              </a:rPr>
-              <a:t>master</a:t>
-            </a:r>
-            <a:r>
-              <a:rPr lang="pt-BR" sz="2800" dirty="0"/>
-              <a:t>. </a:t>
-            </a:r>
-            <a:r>
-              <a:rPr lang="pt-BR" sz="2800" dirty="0" err="1"/>
-              <a:t>Commits</a:t>
-            </a:r>
-            <a:r>
-              <a:rPr lang="pt-BR" sz="2800" dirty="0"/>
-              <a:t> ocorrem nessa </a:t>
-            </a:r>
-            <a:r>
-              <a:rPr lang="pt-BR" sz="2800" dirty="0" err="1"/>
-              <a:t>branch</a:t>
-            </a:r>
-            <a:r>
-              <a:rPr lang="pt-BR" sz="2800" dirty="0"/>
-              <a:t>.</a:t>
-            </a:r>
-          </a:p>
-          <a:p>
-            <a:pPr marL="342900" indent="-342900" algn="just">
-              <a:buFont typeface="Arial" panose="020B0604020202020204" pitchFamily="34" charset="0"/>
-              <a:buChar char="•"/>
-            </a:pPr>
-            <a:r>
-              <a:rPr lang="pt-BR" sz="2800" dirty="0"/>
-              <a:t>O </a:t>
-            </a:r>
-            <a:r>
-              <a:rPr lang="pt-BR" sz="2800" dirty="0" err="1"/>
-              <a:t>comanto</a:t>
-            </a:r>
-            <a:r>
-              <a:rPr lang="pt-BR" sz="2800" dirty="0"/>
-              <a:t> </a:t>
-            </a:r>
-            <a:r>
-              <a:rPr lang="pt-BR" sz="2800" i="1" dirty="0" err="1">
-                <a:solidFill>
-                  <a:srgbClr val="FF0000"/>
-                </a:solidFill>
-              </a:rPr>
-              <a:t>git</a:t>
-            </a:r>
-            <a:r>
-              <a:rPr lang="pt-BR" sz="2800" i="1" dirty="0">
-                <a:solidFill>
-                  <a:srgbClr val="FF0000"/>
-                </a:solidFill>
-              </a:rPr>
-              <a:t> </a:t>
-            </a:r>
-            <a:r>
-              <a:rPr lang="pt-BR" sz="2800" i="1" dirty="0" err="1">
-                <a:solidFill>
-                  <a:srgbClr val="FF0000"/>
-                </a:solidFill>
-              </a:rPr>
-              <a:t>branch</a:t>
-            </a:r>
-            <a:r>
-              <a:rPr lang="pt-BR" sz="2800" dirty="0">
-                <a:solidFill>
-                  <a:srgbClr val="FF0000"/>
-                </a:solidFill>
-              </a:rPr>
-              <a:t> </a:t>
-            </a:r>
-            <a:r>
-              <a:rPr lang="pt-BR" sz="2800" dirty="0"/>
-              <a:t>é utilizado para listar as </a:t>
-            </a:r>
-            <a:r>
-              <a:rPr lang="pt-BR" sz="2800" dirty="0" err="1"/>
-              <a:t>branches</a:t>
-            </a:r>
-            <a:r>
-              <a:rPr lang="pt-BR" sz="2800" dirty="0"/>
-              <a:t> do repositório. </a:t>
-            </a:r>
-          </a:p>
-          <a:p>
-            <a:pPr marL="342900" indent="-342900" algn="just">
-              <a:buFont typeface="Arial" panose="020B0604020202020204" pitchFamily="34" charset="0"/>
-              <a:buChar char="•"/>
-            </a:pPr>
-            <a:r>
-              <a:rPr lang="pt-BR" sz="2800" dirty="0"/>
-              <a:t>A saída do comando </a:t>
-            </a:r>
-            <a:r>
-              <a:rPr lang="pt-BR" sz="2800" i="1" dirty="0" err="1">
-                <a:solidFill>
-                  <a:srgbClr val="FF0000"/>
-                </a:solidFill>
-              </a:rPr>
-              <a:t>git</a:t>
-            </a:r>
-            <a:r>
-              <a:rPr lang="pt-BR" sz="2800" i="1" dirty="0">
-                <a:solidFill>
-                  <a:srgbClr val="FF0000"/>
-                </a:solidFill>
-              </a:rPr>
-              <a:t> </a:t>
-            </a:r>
-            <a:r>
-              <a:rPr lang="pt-BR" sz="2800" i="1" dirty="0" err="1">
-                <a:solidFill>
-                  <a:srgbClr val="FF0000"/>
-                </a:solidFill>
-              </a:rPr>
-              <a:t>branch</a:t>
-            </a:r>
-            <a:r>
-              <a:rPr lang="pt-BR" sz="2800" dirty="0">
-                <a:solidFill>
-                  <a:srgbClr val="FF0000"/>
-                </a:solidFill>
-              </a:rPr>
-              <a:t> </a:t>
-            </a:r>
-            <a:r>
-              <a:rPr lang="pt-BR" sz="2800" dirty="0"/>
-              <a:t>lista com um asterisco na frente a </a:t>
-            </a:r>
-            <a:r>
-              <a:rPr lang="pt-BR" sz="2800" dirty="0" err="1"/>
-              <a:t>branch</a:t>
-            </a:r>
-            <a:r>
-              <a:rPr lang="pt-BR" sz="2800" dirty="0"/>
-              <a:t> atual.</a:t>
-            </a:r>
-          </a:p>
-        </p:txBody>
-      </p:sp>
       <p:sp>
         <p:nvSpPr>
           <p:cNvPr id="3" name="Título 1"/>
@@ -7605,16 +7640,16 @@
           <a:p>
             <a:r>
               <a:rPr lang="pt-BR" sz="2400" b="1" dirty="0"/>
-              <a:t>BRANCH MASTER</a:t>
-            </a:r>
-            <a:endParaRPr lang="pt-BR" sz="2400" dirty="0"/>
+              <a:t>MESCLANDO ALTERAÇÕES COM MERGE</a:t>
+            </a:r>
+            <a:endParaRPr lang="pt-BR" sz="2400" b="1" dirty="0"/>
           </a:p>
         </p:txBody>
       </p:sp>
     </p:spTree>
     <p:extLst>
       <p:ext uri="{BB962C8B-B14F-4D97-AF65-F5344CB8AC3E}">
-        <p14:creationId xmlns:p14="http://schemas.microsoft.com/office/powerpoint/2010/main" val="4232512261"/>
+        <p14:creationId xmlns:p14="http://schemas.microsoft.com/office/powerpoint/2010/main" val="3351393882"/>
       </p:ext>
     </p:extLst>
   </p:cSld>
@@ -7624,7 +7659,1126 @@
 </p:sld>
 </file>
 
-<file path=ppt/slides/slide40.xml><?xml version="1.0" encoding="utf-8"?>
+<file path=ppt/slides/slide27.xml><?xml version="1.0" encoding="utf-8"?>
+<p:sld xmlns:a="http://schemas.openxmlformats.org/drawingml/2006/main" xmlns:r="http://schemas.openxmlformats.org/officeDocument/2006/relationships" xmlns:p="http://schemas.openxmlformats.org/presentationml/2006/main">
+  <p:cSld>
+    <p:spTree>
+      <p:nvGrpSpPr>
+        <p:cNvPr id="1" name=""/>
+        <p:cNvGrpSpPr/>
+        <p:nvPr/>
+      </p:nvGrpSpPr>
+      <p:grpSpPr>
+        <a:xfrm>
+          <a:off x="0" y="0"/>
+          <a:ext cx="0" cy="0"/>
+          <a:chOff x="0" y="0"/>
+          <a:chExt cx="0" cy="0"/>
+        </a:xfrm>
+      </p:grpSpPr>
+      <p:sp>
+        <p:nvSpPr>
+          <p:cNvPr id="4" name="TextBox 3">
+            <a:extLst>
+              <a:ext uri="{FF2B5EF4-FFF2-40B4-BE49-F238E27FC236}">
+                <a16:creationId xmlns:a16="http://schemas.microsoft.com/office/drawing/2014/main" xmlns="" id="{E037DC88-8AD9-294A-99E1-C8C749C848C7}"/>
+              </a:ext>
+            </a:extLst>
+          </p:cNvPr>
+          <p:cNvSpPr txBox="1"/>
+          <p:nvPr/>
+        </p:nvSpPr>
+        <p:spPr>
+          <a:xfrm>
+            <a:off x="475989" y="2090172"/>
+            <a:ext cx="8192022" cy="2677656"/>
+          </a:xfrm>
+          <a:prstGeom prst="rect">
+            <a:avLst/>
+          </a:prstGeom>
+          <a:noFill/>
+        </p:spPr>
+        <p:txBody>
+          <a:bodyPr wrap="square" rtlCol="0">
+            <a:spAutoFit/>
+          </a:bodyPr>
+          <a:lstStyle/>
+          <a:p>
+            <a:pPr marL="457200" indent="-457200" algn="just">
+              <a:buFont typeface="Arial" panose="020B0604020202020204" pitchFamily="34" charset="0"/>
+              <a:buChar char="•"/>
+            </a:pPr>
+            <a:r>
+              <a:rPr lang="pt-BR" sz="2800" dirty="0"/>
+              <a:t>Quando a </a:t>
+            </a:r>
+            <a:r>
+              <a:rPr lang="pt-BR" sz="2800" dirty="0" err="1">
+                <a:solidFill>
+                  <a:srgbClr val="FF0000"/>
+                </a:solidFill>
+              </a:rPr>
+              <a:t>branch</a:t>
+            </a:r>
+            <a:r>
+              <a:rPr lang="pt-BR" sz="2800" dirty="0">
+                <a:solidFill>
+                  <a:srgbClr val="FF0000"/>
+                </a:solidFill>
+              </a:rPr>
+              <a:t> </a:t>
+            </a:r>
+            <a:r>
+              <a:rPr lang="pt-BR" sz="2800" dirty="0"/>
+              <a:t>de destino não tiver nenhum </a:t>
+            </a:r>
+            <a:r>
+              <a:rPr lang="pt-BR" sz="2800" dirty="0" err="1">
+                <a:solidFill>
+                  <a:srgbClr val="FF0000"/>
+                </a:solidFill>
+              </a:rPr>
+              <a:t>commit</a:t>
+            </a:r>
+            <a:r>
+              <a:rPr lang="pt-BR" sz="2800" dirty="0">
+                <a:solidFill>
+                  <a:srgbClr val="FF0000"/>
+                </a:solidFill>
+              </a:rPr>
+              <a:t> </a:t>
+            </a:r>
+            <a:r>
+              <a:rPr lang="pt-BR" sz="2800" dirty="0"/>
+              <a:t>desde a criação da </a:t>
+            </a:r>
+            <a:r>
+              <a:rPr lang="pt-BR" sz="2800" dirty="0" err="1"/>
+              <a:t>branch</a:t>
+            </a:r>
+            <a:r>
+              <a:rPr lang="pt-BR" sz="2800" dirty="0"/>
+              <a:t> a ser mesclada, o </a:t>
+            </a:r>
+            <a:r>
+              <a:rPr lang="pt-BR" sz="2800" i="1" dirty="0" err="1">
+                <a:solidFill>
+                  <a:srgbClr val="FF0000"/>
+                </a:solidFill>
+              </a:rPr>
+              <a:t>git</a:t>
+            </a:r>
+            <a:r>
+              <a:rPr lang="pt-BR" sz="2800" i="1" dirty="0">
+                <a:solidFill>
+                  <a:srgbClr val="FF0000"/>
+                </a:solidFill>
+              </a:rPr>
+              <a:t> merge</a:t>
+            </a:r>
+            <a:r>
+              <a:rPr lang="pt-BR" sz="2800" dirty="0">
+                <a:solidFill>
+                  <a:srgbClr val="FF0000"/>
+                </a:solidFill>
+              </a:rPr>
+              <a:t> </a:t>
+            </a:r>
+            <a:r>
+              <a:rPr lang="pt-BR" sz="2800" dirty="0"/>
+              <a:t>não irá gerar um </a:t>
+            </a:r>
+            <a:r>
+              <a:rPr lang="pt-BR" sz="2800" dirty="0" err="1">
+                <a:solidFill>
+                  <a:srgbClr val="FF0000"/>
+                </a:solidFill>
+              </a:rPr>
+              <a:t>commit</a:t>
+            </a:r>
+            <a:r>
+              <a:rPr lang="pt-BR" sz="2800" dirty="0"/>
+              <a:t>. Esse tipo de </a:t>
+            </a:r>
+            <a:r>
+              <a:rPr lang="pt-BR" sz="2800" dirty="0">
+                <a:solidFill>
+                  <a:srgbClr val="FF0000"/>
+                </a:solidFill>
+              </a:rPr>
+              <a:t>merge</a:t>
+            </a:r>
+            <a:r>
+              <a:rPr lang="pt-BR" sz="2800" dirty="0"/>
+              <a:t> é chamado de </a:t>
+            </a:r>
+            <a:r>
+              <a:rPr lang="pt-BR" sz="2800" i="1" dirty="0" err="1"/>
+              <a:t>f</a:t>
+            </a:r>
+            <a:r>
+              <a:rPr lang="pt-BR" sz="2800" i="1" dirty="0" err="1">
+                <a:solidFill>
+                  <a:srgbClr val="FF0000"/>
+                </a:solidFill>
+              </a:rPr>
+              <a:t>ast-forward</a:t>
+            </a:r>
+            <a:r>
+              <a:rPr lang="pt-BR" sz="2800" i="1" dirty="0"/>
+              <a:t>.</a:t>
+            </a:r>
+            <a:endParaRPr lang="pt-BR" sz="2800" dirty="0"/>
+          </a:p>
+          <a:p>
+            <a:pPr marL="457200" indent="-457200" algn="just">
+              <a:buFont typeface="Arial" panose="020B0604020202020204" pitchFamily="34" charset="0"/>
+              <a:buChar char="•"/>
+            </a:pPr>
+            <a:r>
+              <a:rPr lang="pt-BR" sz="2800" dirty="0"/>
+              <a:t>Ao utilizar a opção </a:t>
+            </a:r>
+            <a:r>
+              <a:rPr lang="pt-BR" sz="2800" i="1" dirty="0">
+                <a:solidFill>
+                  <a:srgbClr val="FF0000"/>
+                </a:solidFill>
+              </a:rPr>
+              <a:t>--no-ff</a:t>
+            </a:r>
+            <a:r>
+              <a:rPr lang="pt-BR" sz="2800" dirty="0">
+                <a:solidFill>
+                  <a:srgbClr val="FF0000"/>
+                </a:solidFill>
+              </a:rPr>
+              <a:t> </a:t>
+            </a:r>
+            <a:r>
+              <a:rPr lang="pt-BR" sz="2800" dirty="0"/>
+              <a:t>no comando </a:t>
+            </a:r>
+            <a:r>
+              <a:rPr lang="pt-BR" sz="2800" i="1" dirty="0" err="1">
+                <a:solidFill>
+                  <a:srgbClr val="FF0000"/>
+                </a:solidFill>
+              </a:rPr>
+              <a:t>git</a:t>
+            </a:r>
+            <a:r>
+              <a:rPr lang="pt-BR" sz="2800" i="1" dirty="0">
+                <a:solidFill>
+                  <a:srgbClr val="FF0000"/>
+                </a:solidFill>
+              </a:rPr>
+              <a:t> merge</a:t>
+            </a:r>
+            <a:r>
+              <a:rPr lang="pt-BR" sz="2800" dirty="0"/>
+              <a:t>, o </a:t>
+            </a:r>
+            <a:r>
+              <a:rPr lang="pt-BR" sz="2800" dirty="0" err="1"/>
+              <a:t>Git</a:t>
+            </a:r>
+            <a:r>
+              <a:rPr lang="pt-BR" sz="2800" dirty="0"/>
+              <a:t> força a criação de um </a:t>
+            </a:r>
+            <a:r>
+              <a:rPr lang="pt-BR" sz="2800" dirty="0" err="1">
+                <a:solidFill>
+                  <a:srgbClr val="FF0000"/>
+                </a:solidFill>
+              </a:rPr>
+              <a:t>commit</a:t>
+            </a:r>
+            <a:r>
+              <a:rPr lang="pt-BR" sz="2800" dirty="0">
+                <a:solidFill>
+                  <a:srgbClr val="FF0000"/>
+                </a:solidFill>
+              </a:rPr>
+              <a:t> </a:t>
+            </a:r>
+            <a:r>
+              <a:rPr lang="pt-BR" sz="2800" dirty="0"/>
+              <a:t>de merge.</a:t>
+            </a:r>
+          </a:p>
+        </p:txBody>
+      </p:sp>
+      <p:sp>
+        <p:nvSpPr>
+          <p:cNvPr id="3" name="Título 1"/>
+          <p:cNvSpPr txBox="1">
+            <a:spLocks/>
+          </p:cNvSpPr>
+          <p:nvPr/>
+        </p:nvSpPr>
+        <p:spPr bwMode="black">
+          <a:xfrm>
+            <a:off x="180304" y="0"/>
+            <a:ext cx="8770513" cy="902745"/>
+          </a:xfrm>
+          <a:prstGeom prst="rect">
+            <a:avLst/>
+          </a:prstGeom>
+          <a:solidFill>
+            <a:srgbClr val="FFFFFF"/>
+          </a:solidFill>
+          <a:ln w="31750" cap="sq">
+            <a:solidFill>
+              <a:srgbClr val="404040"/>
+            </a:solidFill>
+            <a:miter lim="800000"/>
+          </a:ln>
+        </p:spPr>
+        <p:txBody>
+          <a:bodyPr vert="horz" lIns="182880" tIns="182880" rIns="182880" bIns="182880" rtlCol="0" anchor="ctr">
+            <a:noAutofit/>
+          </a:bodyPr>
+          <a:lstStyle>
+            <a:lvl1pPr algn="ctr" defTabSz="914400" rtl="0" eaLnBrk="1" latinLnBrk="0" hangingPunct="1">
+              <a:lnSpc>
+                <a:spcPct val="90000"/>
+              </a:lnSpc>
+              <a:spcBef>
+                <a:spcPct val="0"/>
+              </a:spcBef>
+              <a:buNone/>
+              <a:defRPr sz="2600" kern="1200" cap="all" spc="200" baseline="0">
+                <a:solidFill>
+                  <a:srgbClr val="262626"/>
+                </a:solidFill>
+                <a:latin typeface="+mj-lt"/>
+                <a:ea typeface="+mj-ea"/>
+                <a:cs typeface="+mj-cs"/>
+              </a:defRPr>
+            </a:lvl1pPr>
+          </a:lstStyle>
+          <a:p>
+            <a:r>
+              <a:rPr lang="pt-BR" sz="2400" b="1" dirty="0"/>
+              <a:t>MESCLANDO ALTERAÇÕES COM MERGE</a:t>
+            </a:r>
+            <a:endParaRPr lang="pt-BR" sz="2400" b="1" dirty="0"/>
+          </a:p>
+        </p:txBody>
+      </p:sp>
+    </p:spTree>
+    <p:extLst>
+      <p:ext uri="{BB962C8B-B14F-4D97-AF65-F5344CB8AC3E}">
+        <p14:creationId xmlns:p14="http://schemas.microsoft.com/office/powerpoint/2010/main" val="968867490"/>
+      </p:ext>
+    </p:extLst>
+  </p:cSld>
+  <p:clrMapOvr>
+    <a:masterClrMapping/>
+  </p:clrMapOvr>
+</p:sld>
+</file>
+
+<file path=ppt/slides/slide28.xml><?xml version="1.0" encoding="utf-8"?>
+<p:sld xmlns:a="http://schemas.openxmlformats.org/drawingml/2006/main" xmlns:r="http://schemas.openxmlformats.org/officeDocument/2006/relationships" xmlns:p="http://schemas.openxmlformats.org/presentationml/2006/main">
+  <p:cSld>
+    <p:spTree>
+      <p:nvGrpSpPr>
+        <p:cNvPr id="1" name=""/>
+        <p:cNvGrpSpPr/>
+        <p:nvPr/>
+      </p:nvGrpSpPr>
+      <p:grpSpPr>
+        <a:xfrm>
+          <a:off x="0" y="0"/>
+          <a:ext cx="0" cy="0"/>
+          <a:chOff x="0" y="0"/>
+          <a:chExt cx="0" cy="0"/>
+        </a:xfrm>
+      </p:grpSpPr>
+      <p:sp>
+        <p:nvSpPr>
+          <p:cNvPr id="4" name="TextBox 3">
+            <a:extLst>
+              <a:ext uri="{FF2B5EF4-FFF2-40B4-BE49-F238E27FC236}">
+                <a16:creationId xmlns:a16="http://schemas.microsoft.com/office/drawing/2014/main" xmlns="" id="{E037DC88-8AD9-294A-99E1-C8C749C848C7}"/>
+              </a:ext>
+            </a:extLst>
+          </p:cNvPr>
+          <p:cNvSpPr txBox="1"/>
+          <p:nvPr/>
+        </p:nvSpPr>
+        <p:spPr>
+          <a:xfrm>
+            <a:off x="475989" y="1630335"/>
+            <a:ext cx="8192022" cy="4031873"/>
+          </a:xfrm>
+          <a:prstGeom prst="rect">
+            <a:avLst/>
+          </a:prstGeom>
+          <a:noFill/>
+        </p:spPr>
+        <p:txBody>
+          <a:bodyPr wrap="square" rtlCol="0">
+            <a:spAutoFit/>
+          </a:bodyPr>
+          <a:lstStyle/>
+          <a:p>
+            <a:pPr algn="just"/>
+            <a:r>
+              <a:rPr lang="pt-BR" sz="3200" dirty="0" smtClean="0"/>
+              <a:t>Projetos </a:t>
+            </a:r>
+            <a:r>
+              <a:rPr lang="pt-BR" sz="3200" dirty="0"/>
+              <a:t>com muitas </a:t>
+            </a:r>
+            <a:r>
+              <a:rPr lang="pt-BR" sz="3200" dirty="0" err="1">
+                <a:solidFill>
+                  <a:srgbClr val="FF0000"/>
+                </a:solidFill>
+              </a:rPr>
+              <a:t>branches</a:t>
+            </a:r>
+            <a:r>
+              <a:rPr lang="pt-BR" sz="3200" dirty="0">
+                <a:solidFill>
+                  <a:srgbClr val="FF0000"/>
+                </a:solidFill>
+              </a:rPr>
+              <a:t> </a:t>
+            </a:r>
+            <a:r>
+              <a:rPr lang="pt-BR" sz="3200" dirty="0"/>
+              <a:t>e </a:t>
+            </a:r>
+            <a:r>
+              <a:rPr lang="pt-BR" sz="3200" dirty="0">
+                <a:solidFill>
+                  <a:srgbClr val="FF0000"/>
+                </a:solidFill>
+              </a:rPr>
+              <a:t>merges</a:t>
+            </a:r>
+            <a:r>
+              <a:rPr lang="pt-BR" sz="3200" dirty="0"/>
+              <a:t> ficam com o </a:t>
+            </a:r>
+            <a:r>
+              <a:rPr lang="pt-BR" sz="3200" dirty="0" smtClean="0"/>
+              <a:t>histórico </a:t>
+            </a:r>
+            <a:r>
+              <a:rPr lang="pt-BR" sz="3200" dirty="0"/>
+              <a:t>cheio de </a:t>
+            </a:r>
+            <a:r>
+              <a:rPr lang="pt-BR" sz="3200" dirty="0" err="1">
+                <a:solidFill>
+                  <a:srgbClr val="FF0000"/>
+                </a:solidFill>
+              </a:rPr>
+              <a:t>commits</a:t>
+            </a:r>
+            <a:r>
+              <a:rPr lang="pt-BR" sz="3200" dirty="0">
+                <a:solidFill>
+                  <a:srgbClr val="FF0000"/>
+                </a:solidFill>
+              </a:rPr>
+              <a:t> </a:t>
+            </a:r>
+            <a:r>
+              <a:rPr lang="pt-BR" sz="3200" dirty="0"/>
+              <a:t>de merge, tornando trabalhoso tarefas como revisão de código.</a:t>
+            </a:r>
+          </a:p>
+          <a:p>
+            <a:pPr algn="just"/>
+            <a:r>
+              <a:rPr lang="pt-BR" sz="3200" dirty="0"/>
+              <a:t>Uma maneira alternativa de mesclar alterações entre duas </a:t>
+            </a:r>
+            <a:r>
+              <a:rPr lang="pt-BR" sz="3200" dirty="0" err="1">
+                <a:solidFill>
+                  <a:srgbClr val="FF0000"/>
+                </a:solidFill>
+              </a:rPr>
+              <a:t>branches</a:t>
+            </a:r>
+            <a:r>
+              <a:rPr lang="pt-BR" sz="3200" dirty="0">
+                <a:solidFill>
+                  <a:srgbClr val="FF0000"/>
+                </a:solidFill>
+              </a:rPr>
+              <a:t> </a:t>
+            </a:r>
+            <a:r>
+              <a:rPr lang="pt-BR" sz="3200" dirty="0"/>
+              <a:t>e simplificar o histórico do projeto é através do </a:t>
+            </a:r>
+            <a:r>
+              <a:rPr lang="pt-BR" sz="3200" dirty="0" smtClean="0"/>
+              <a:t>comando: </a:t>
+            </a:r>
+          </a:p>
+          <a:p>
+            <a:pPr algn="ctr"/>
+            <a:r>
+              <a:rPr lang="pt-BR" sz="3200" i="1" dirty="0" err="1" smtClean="0">
+                <a:solidFill>
+                  <a:srgbClr val="FF0000"/>
+                </a:solidFill>
+              </a:rPr>
+              <a:t>git</a:t>
+            </a:r>
+            <a:r>
+              <a:rPr lang="pt-BR" sz="3200" i="1" dirty="0" smtClean="0">
+                <a:solidFill>
+                  <a:srgbClr val="FF0000"/>
+                </a:solidFill>
+              </a:rPr>
+              <a:t> </a:t>
+            </a:r>
+            <a:r>
+              <a:rPr lang="pt-BR" sz="3200" i="1" dirty="0" err="1">
+                <a:solidFill>
+                  <a:srgbClr val="FF0000"/>
+                </a:solidFill>
+              </a:rPr>
+              <a:t>rebase</a:t>
+            </a:r>
+            <a:r>
+              <a:rPr lang="pt-BR" sz="3200" i="1" dirty="0">
+                <a:solidFill>
+                  <a:srgbClr val="FF0000"/>
+                </a:solidFill>
+              </a:rPr>
+              <a:t> </a:t>
+            </a:r>
+            <a:r>
+              <a:rPr lang="pt-BR" sz="3200" i="1" dirty="0" err="1">
+                <a:solidFill>
+                  <a:srgbClr val="FF0000"/>
+                </a:solidFill>
+              </a:rPr>
+              <a:t>nomebranch</a:t>
+            </a:r>
+            <a:r>
+              <a:rPr lang="pt-BR" sz="2800" i="1" dirty="0"/>
+              <a:t>.</a:t>
+            </a:r>
+            <a:endParaRPr lang="pt-BR" sz="2800" dirty="0"/>
+          </a:p>
+        </p:txBody>
+      </p:sp>
+      <p:sp>
+        <p:nvSpPr>
+          <p:cNvPr id="3" name="Título 1"/>
+          <p:cNvSpPr txBox="1">
+            <a:spLocks/>
+          </p:cNvSpPr>
+          <p:nvPr/>
+        </p:nvSpPr>
+        <p:spPr bwMode="black">
+          <a:xfrm>
+            <a:off x="180304" y="0"/>
+            <a:ext cx="8770513" cy="902745"/>
+          </a:xfrm>
+          <a:prstGeom prst="rect">
+            <a:avLst/>
+          </a:prstGeom>
+          <a:solidFill>
+            <a:srgbClr val="FFFFFF"/>
+          </a:solidFill>
+          <a:ln w="31750" cap="sq">
+            <a:solidFill>
+              <a:srgbClr val="404040"/>
+            </a:solidFill>
+            <a:miter lim="800000"/>
+          </a:ln>
+        </p:spPr>
+        <p:txBody>
+          <a:bodyPr vert="horz" lIns="182880" tIns="182880" rIns="182880" bIns="182880" rtlCol="0" anchor="ctr">
+            <a:noAutofit/>
+          </a:bodyPr>
+          <a:lstStyle>
+            <a:lvl1pPr algn="ctr" defTabSz="914400" rtl="0" eaLnBrk="1" latinLnBrk="0" hangingPunct="1">
+              <a:lnSpc>
+                <a:spcPct val="90000"/>
+              </a:lnSpc>
+              <a:spcBef>
+                <a:spcPct val="0"/>
+              </a:spcBef>
+              <a:buNone/>
+              <a:defRPr sz="2600" kern="1200" cap="all" spc="200" baseline="0">
+                <a:solidFill>
+                  <a:srgbClr val="262626"/>
+                </a:solidFill>
+                <a:latin typeface="+mj-lt"/>
+                <a:ea typeface="+mj-ea"/>
+                <a:cs typeface="+mj-cs"/>
+              </a:defRPr>
+            </a:lvl1pPr>
+          </a:lstStyle>
+          <a:p>
+            <a:r>
+              <a:rPr lang="pt-BR" sz="2400" b="1" dirty="0"/>
+              <a:t>MESCLANDO ALTERAÇÕES COM REBASE</a:t>
+            </a:r>
+            <a:endParaRPr lang="pt-BR" sz="2400" b="1" dirty="0"/>
+          </a:p>
+        </p:txBody>
+      </p:sp>
+    </p:spTree>
+    <p:extLst>
+      <p:ext uri="{BB962C8B-B14F-4D97-AF65-F5344CB8AC3E}">
+        <p14:creationId xmlns:p14="http://schemas.microsoft.com/office/powerpoint/2010/main" val="1673940488"/>
+      </p:ext>
+    </p:extLst>
+  </p:cSld>
+  <p:clrMapOvr>
+    <a:masterClrMapping/>
+  </p:clrMapOvr>
+</p:sld>
+</file>
+
+<file path=ppt/slides/slide29.xml><?xml version="1.0" encoding="utf-8"?>
+<p:sld xmlns:a="http://schemas.openxmlformats.org/drawingml/2006/main" xmlns:r="http://schemas.openxmlformats.org/officeDocument/2006/relationships" xmlns:p="http://schemas.openxmlformats.org/presentationml/2006/main">
+  <p:cSld>
+    <p:spTree>
+      <p:nvGrpSpPr>
+        <p:cNvPr id="1" name=""/>
+        <p:cNvGrpSpPr/>
+        <p:nvPr/>
+      </p:nvGrpSpPr>
+      <p:grpSpPr>
+        <a:xfrm>
+          <a:off x="0" y="0"/>
+          <a:ext cx="0" cy="0"/>
+          <a:chOff x="0" y="0"/>
+          <a:chExt cx="0" cy="0"/>
+        </a:xfrm>
+      </p:grpSpPr>
+      <p:sp>
+        <p:nvSpPr>
+          <p:cNvPr id="4" name="TextBox 3">
+            <a:extLst>
+              <a:ext uri="{FF2B5EF4-FFF2-40B4-BE49-F238E27FC236}">
+                <a16:creationId xmlns:a16="http://schemas.microsoft.com/office/drawing/2014/main" xmlns="" id="{E037DC88-8AD9-294A-99E1-C8C749C848C7}"/>
+              </a:ext>
+            </a:extLst>
+          </p:cNvPr>
+          <p:cNvSpPr txBox="1"/>
+          <p:nvPr/>
+        </p:nvSpPr>
+        <p:spPr>
+          <a:xfrm>
+            <a:off x="475989" y="1012954"/>
+            <a:ext cx="8192022" cy="4401205"/>
+          </a:xfrm>
+          <a:prstGeom prst="rect">
+            <a:avLst/>
+          </a:prstGeom>
+          <a:noFill/>
+        </p:spPr>
+        <p:txBody>
+          <a:bodyPr wrap="square" rtlCol="0">
+            <a:spAutoFit/>
+          </a:bodyPr>
+          <a:lstStyle/>
+          <a:p>
+            <a:pPr algn="just"/>
+            <a:r>
+              <a:rPr lang="pt-BR" sz="2800" dirty="0"/>
+              <a:t>Ao utilizar o comando </a:t>
+            </a:r>
+            <a:r>
+              <a:rPr lang="pt-BR" sz="2800" i="1" dirty="0" err="1">
+                <a:solidFill>
+                  <a:srgbClr val="FF0000"/>
+                </a:solidFill>
+              </a:rPr>
+              <a:t>git</a:t>
+            </a:r>
+            <a:r>
+              <a:rPr lang="pt-BR" sz="2800" i="1" dirty="0">
+                <a:solidFill>
+                  <a:srgbClr val="FF0000"/>
+                </a:solidFill>
+              </a:rPr>
+              <a:t> </a:t>
+            </a:r>
+            <a:r>
+              <a:rPr lang="pt-BR" sz="2800" i="1" dirty="0" err="1">
+                <a:solidFill>
+                  <a:srgbClr val="FF0000"/>
+                </a:solidFill>
+              </a:rPr>
+              <a:t>rebase</a:t>
+            </a:r>
+            <a:r>
+              <a:rPr lang="pt-BR" sz="2800" dirty="0"/>
+              <a:t>, o repositório foi “rebobinado” e o trabalho refeito, pois voltou ao estado que estava ao criar a </a:t>
+            </a:r>
+            <a:r>
+              <a:rPr lang="pt-BR" sz="2800" dirty="0" err="1"/>
+              <a:t>branch</a:t>
+            </a:r>
+            <a:r>
+              <a:rPr lang="pt-BR" sz="2800" dirty="0"/>
+              <a:t> a partir da </a:t>
+            </a:r>
+            <a:r>
+              <a:rPr lang="pt-BR" sz="2800" i="1" dirty="0" err="1"/>
+              <a:t>master</a:t>
+            </a:r>
+            <a:r>
+              <a:rPr lang="pt-BR" sz="2800" i="1" dirty="0"/>
+              <a:t>.</a:t>
+            </a:r>
+            <a:endParaRPr lang="pt-BR" sz="2800" dirty="0"/>
+          </a:p>
+          <a:p>
+            <a:pPr algn="just"/>
+            <a:r>
+              <a:rPr lang="pt-BR" sz="2800" dirty="0"/>
+              <a:t>O </a:t>
+            </a:r>
+            <a:r>
+              <a:rPr lang="pt-BR" sz="2800" dirty="0" err="1">
+                <a:solidFill>
+                  <a:srgbClr val="FF0000"/>
+                </a:solidFill>
+              </a:rPr>
+              <a:t>commit</a:t>
+            </a:r>
+            <a:r>
+              <a:rPr lang="pt-BR" sz="2800" dirty="0">
+                <a:solidFill>
+                  <a:srgbClr val="FF0000"/>
+                </a:solidFill>
+              </a:rPr>
+              <a:t> </a:t>
+            </a:r>
+            <a:r>
+              <a:rPr lang="pt-BR" sz="2800" dirty="0"/>
+              <a:t>feito na nova </a:t>
+            </a:r>
+            <a:r>
+              <a:rPr lang="pt-BR" sz="2800" dirty="0" err="1"/>
+              <a:t>branch</a:t>
+            </a:r>
+            <a:r>
+              <a:rPr lang="pt-BR" sz="2800" dirty="0"/>
+              <a:t> foi aplicado, juntamente com o último </a:t>
+            </a:r>
+            <a:r>
+              <a:rPr lang="pt-BR" sz="2800" dirty="0" err="1">
+                <a:solidFill>
+                  <a:srgbClr val="FF0000"/>
+                </a:solidFill>
+              </a:rPr>
+              <a:t>commit</a:t>
+            </a:r>
+            <a:r>
+              <a:rPr lang="pt-BR" sz="2800" dirty="0">
+                <a:solidFill>
+                  <a:srgbClr val="FF0000"/>
+                </a:solidFill>
+              </a:rPr>
+              <a:t> </a:t>
+            </a:r>
+            <a:r>
+              <a:rPr lang="pt-BR" sz="2800" dirty="0"/>
+              <a:t>na </a:t>
+            </a:r>
+            <a:r>
+              <a:rPr lang="pt-BR" sz="2800" i="1" dirty="0" err="1">
+                <a:solidFill>
+                  <a:srgbClr val="FF0000"/>
+                </a:solidFill>
+              </a:rPr>
+              <a:t>master</a:t>
+            </a:r>
+            <a:r>
+              <a:rPr lang="pt-BR" sz="2800" dirty="0"/>
+              <a:t>.</a:t>
+            </a:r>
+          </a:p>
+          <a:p>
+            <a:pPr algn="just"/>
+            <a:r>
+              <a:rPr lang="pt-BR" sz="2800" dirty="0"/>
+              <a:t>A nova </a:t>
+            </a:r>
+            <a:r>
+              <a:rPr lang="pt-BR" sz="2800" dirty="0" err="1">
+                <a:solidFill>
+                  <a:srgbClr val="FF0000"/>
+                </a:solidFill>
+              </a:rPr>
+              <a:t>branch</a:t>
+            </a:r>
+            <a:r>
+              <a:rPr lang="pt-BR" sz="2800" dirty="0">
+                <a:solidFill>
+                  <a:srgbClr val="FF0000"/>
+                </a:solidFill>
+              </a:rPr>
+              <a:t> </a:t>
+            </a:r>
+            <a:r>
+              <a:rPr lang="pt-BR" sz="2800" dirty="0"/>
+              <a:t>aponta para o </a:t>
+            </a:r>
+            <a:r>
+              <a:rPr lang="pt-BR" sz="2800" dirty="0" err="1"/>
+              <a:t>commit</a:t>
+            </a:r>
+            <a:r>
+              <a:rPr lang="pt-BR" sz="2800" dirty="0"/>
+              <a:t> anterior, e a </a:t>
+            </a:r>
+            <a:r>
+              <a:rPr lang="pt-BR" sz="2800" dirty="0" err="1">
+                <a:solidFill>
+                  <a:srgbClr val="FF0000"/>
+                </a:solidFill>
+              </a:rPr>
+              <a:t>branch</a:t>
+            </a:r>
+            <a:r>
+              <a:rPr lang="pt-BR" sz="2800" dirty="0">
+                <a:solidFill>
+                  <a:srgbClr val="FF0000"/>
+                </a:solidFill>
+              </a:rPr>
+              <a:t> </a:t>
+            </a:r>
+            <a:r>
+              <a:rPr lang="pt-BR" sz="2800" i="1" dirty="0" err="1">
+                <a:solidFill>
+                  <a:srgbClr val="FF0000"/>
+                </a:solidFill>
+              </a:rPr>
+              <a:t>master</a:t>
+            </a:r>
+            <a:r>
+              <a:rPr lang="pt-BR" sz="2800" dirty="0">
+                <a:solidFill>
+                  <a:srgbClr val="FF0000"/>
+                </a:solidFill>
+              </a:rPr>
+              <a:t> </a:t>
+            </a:r>
+            <a:r>
+              <a:rPr lang="pt-BR" sz="2800" dirty="0"/>
+              <a:t>teve seu histórico refeito. Um novo </a:t>
+            </a:r>
+            <a:r>
+              <a:rPr lang="pt-BR" sz="2800" dirty="0" err="1"/>
+              <a:t>commit</a:t>
+            </a:r>
+            <a:r>
+              <a:rPr lang="pt-BR" sz="2800" dirty="0"/>
+              <a:t> com as alterações foi criado.</a:t>
+            </a:r>
+          </a:p>
+          <a:p>
+            <a:pPr algn="just"/>
+            <a:r>
+              <a:rPr lang="pt-BR" sz="2800" dirty="0"/>
+              <a:t>Não houve </a:t>
+            </a:r>
+            <a:r>
+              <a:rPr lang="pt-BR" sz="2800" dirty="0" err="1"/>
+              <a:t>commit</a:t>
+            </a:r>
+            <a:r>
+              <a:rPr lang="pt-BR" sz="2800" dirty="0"/>
+              <a:t> de merge. O histórico de </a:t>
+            </a:r>
+            <a:r>
+              <a:rPr lang="pt-BR" sz="2800" dirty="0" err="1"/>
+              <a:t>commits</a:t>
+            </a:r>
+            <a:r>
+              <a:rPr lang="pt-BR" sz="2800" dirty="0"/>
+              <a:t> foi linearizado.</a:t>
+            </a:r>
+          </a:p>
+        </p:txBody>
+      </p:sp>
+      <p:sp>
+        <p:nvSpPr>
+          <p:cNvPr id="3" name="Título 1"/>
+          <p:cNvSpPr txBox="1">
+            <a:spLocks/>
+          </p:cNvSpPr>
+          <p:nvPr/>
+        </p:nvSpPr>
+        <p:spPr bwMode="black">
+          <a:xfrm>
+            <a:off x="180304" y="0"/>
+            <a:ext cx="8770513" cy="902745"/>
+          </a:xfrm>
+          <a:prstGeom prst="rect">
+            <a:avLst/>
+          </a:prstGeom>
+          <a:solidFill>
+            <a:srgbClr val="FFFFFF"/>
+          </a:solidFill>
+          <a:ln w="31750" cap="sq">
+            <a:solidFill>
+              <a:srgbClr val="404040"/>
+            </a:solidFill>
+            <a:miter lim="800000"/>
+          </a:ln>
+        </p:spPr>
+        <p:txBody>
+          <a:bodyPr vert="horz" lIns="182880" tIns="182880" rIns="182880" bIns="182880" rtlCol="0" anchor="ctr">
+            <a:noAutofit/>
+          </a:bodyPr>
+          <a:lstStyle>
+            <a:lvl1pPr algn="ctr" defTabSz="914400" rtl="0" eaLnBrk="1" latinLnBrk="0" hangingPunct="1">
+              <a:lnSpc>
+                <a:spcPct val="90000"/>
+              </a:lnSpc>
+              <a:spcBef>
+                <a:spcPct val="0"/>
+              </a:spcBef>
+              <a:buNone/>
+              <a:defRPr sz="2600" kern="1200" cap="all" spc="200" baseline="0">
+                <a:solidFill>
+                  <a:srgbClr val="262626"/>
+                </a:solidFill>
+                <a:latin typeface="+mj-lt"/>
+                <a:ea typeface="+mj-ea"/>
+                <a:cs typeface="+mj-cs"/>
+              </a:defRPr>
+            </a:lvl1pPr>
+          </a:lstStyle>
+          <a:p>
+            <a:r>
+              <a:rPr lang="pt-BR" sz="2400" b="1" dirty="0"/>
+              <a:t>MESCLANDO ALTERAÇÕES COM REBASE</a:t>
+            </a:r>
+            <a:endParaRPr lang="pt-BR" sz="2400" b="1" dirty="0"/>
+          </a:p>
+        </p:txBody>
+      </p:sp>
+    </p:spTree>
+    <p:extLst>
+      <p:ext uri="{BB962C8B-B14F-4D97-AF65-F5344CB8AC3E}">
+        <p14:creationId xmlns:p14="http://schemas.microsoft.com/office/powerpoint/2010/main" val="1202848432"/>
+      </p:ext>
+    </p:extLst>
+  </p:cSld>
+  <p:clrMapOvr>
+    <a:masterClrMapping/>
+  </p:clrMapOvr>
+</p:sld>
+</file>
+
+<file path=ppt/slides/slide3.xml><?xml version="1.0" encoding="utf-8"?>
+<p:sld xmlns:a="http://schemas.openxmlformats.org/drawingml/2006/main" xmlns:r="http://schemas.openxmlformats.org/officeDocument/2006/relationships" xmlns:p="http://schemas.openxmlformats.org/presentationml/2006/main">
+  <p:cSld>
+    <p:spTree>
+      <p:nvGrpSpPr>
+        <p:cNvPr id="1" name=""/>
+        <p:cNvGrpSpPr/>
+        <p:nvPr/>
+      </p:nvGrpSpPr>
+      <p:grpSpPr>
+        <a:xfrm>
+          <a:off x="0" y="0"/>
+          <a:ext cx="0" cy="0"/>
+          <a:chOff x="0" y="0"/>
+          <a:chExt cx="0" cy="0"/>
+        </a:xfrm>
+      </p:grpSpPr>
+      <p:sp>
+        <p:nvSpPr>
+          <p:cNvPr id="4" name="TextBox 3">
+            <a:extLst>
+              <a:ext uri="{FF2B5EF4-FFF2-40B4-BE49-F238E27FC236}">
+                <a16:creationId xmlns:a16="http://schemas.microsoft.com/office/drawing/2014/main" xmlns="" id="{E037DC88-8AD9-294A-99E1-C8C749C848C7}"/>
+              </a:ext>
+            </a:extLst>
+          </p:cNvPr>
+          <p:cNvSpPr txBox="1"/>
+          <p:nvPr/>
+        </p:nvSpPr>
+        <p:spPr>
+          <a:xfrm>
+            <a:off x="475989" y="1566952"/>
+            <a:ext cx="8192022" cy="2739211"/>
+          </a:xfrm>
+          <a:prstGeom prst="rect">
+            <a:avLst/>
+          </a:prstGeom>
+          <a:noFill/>
+        </p:spPr>
+        <p:txBody>
+          <a:bodyPr wrap="square" rtlCol="0">
+            <a:spAutoFit/>
+          </a:bodyPr>
+          <a:lstStyle/>
+          <a:p>
+            <a:pPr algn="just"/>
+            <a:endParaRPr lang="pt-BR" sz="3200" b="1" dirty="0"/>
+          </a:p>
+          <a:p>
+            <a:pPr marL="457200" indent="-457200" algn="just">
+              <a:buFont typeface="Arial" panose="020B0604020202020204" pitchFamily="34" charset="0"/>
+              <a:buChar char="•"/>
+            </a:pPr>
+            <a:r>
+              <a:rPr lang="pt-BR" sz="2800" i="1" dirty="0" err="1">
+                <a:solidFill>
+                  <a:srgbClr val="FF0000"/>
+                </a:solidFill>
+              </a:rPr>
+              <a:t>Branch</a:t>
+            </a:r>
+            <a:r>
+              <a:rPr lang="pt-BR" sz="2800" dirty="0">
+                <a:solidFill>
+                  <a:srgbClr val="FF0000"/>
+                </a:solidFill>
+              </a:rPr>
+              <a:t> </a:t>
+            </a:r>
+            <a:r>
+              <a:rPr lang="pt-BR" sz="2800" dirty="0"/>
+              <a:t>é uma linha independente de desenvolvimento onde é possível </a:t>
+            </a:r>
+            <a:r>
+              <a:rPr lang="pt-BR" sz="2800" dirty="0" err="1"/>
+              <a:t>commitar</a:t>
+            </a:r>
+            <a:r>
+              <a:rPr lang="pt-BR" sz="2800" dirty="0"/>
+              <a:t> novas versões de código sem afetar outros </a:t>
+            </a:r>
+            <a:r>
+              <a:rPr lang="pt-BR" sz="2800" dirty="0" err="1"/>
+              <a:t>branches</a:t>
+            </a:r>
+            <a:r>
+              <a:rPr lang="pt-BR" sz="2800" dirty="0"/>
+              <a:t>.</a:t>
+            </a:r>
+          </a:p>
+          <a:p>
+            <a:pPr marL="457200" indent="-457200" algn="just">
+              <a:buFont typeface="Arial" panose="020B0604020202020204" pitchFamily="34" charset="0"/>
+              <a:buChar char="•"/>
+            </a:pPr>
+            <a:r>
+              <a:rPr lang="pt-BR" sz="2800" dirty="0" err="1"/>
+              <a:t>Git</a:t>
+            </a:r>
+            <a:r>
+              <a:rPr lang="pt-BR" sz="2800" dirty="0"/>
+              <a:t> permite lidar com </a:t>
+            </a:r>
+            <a:r>
+              <a:rPr lang="pt-BR" sz="2800" dirty="0" err="1"/>
+              <a:t>branches</a:t>
+            </a:r>
+            <a:r>
+              <a:rPr lang="pt-BR" sz="2800" dirty="0"/>
+              <a:t> de maneira rápida e leve.</a:t>
+            </a:r>
+          </a:p>
+        </p:txBody>
+      </p:sp>
+      <p:sp>
+        <p:nvSpPr>
+          <p:cNvPr id="3" name="Título 1"/>
+          <p:cNvSpPr txBox="1">
+            <a:spLocks/>
+          </p:cNvSpPr>
+          <p:nvPr/>
+        </p:nvSpPr>
+        <p:spPr bwMode="black">
+          <a:xfrm>
+            <a:off x="180304" y="0"/>
+            <a:ext cx="8770513" cy="902745"/>
+          </a:xfrm>
+          <a:prstGeom prst="rect">
+            <a:avLst/>
+          </a:prstGeom>
+          <a:solidFill>
+            <a:srgbClr val="FFFFFF"/>
+          </a:solidFill>
+          <a:ln w="31750" cap="sq">
+            <a:solidFill>
+              <a:srgbClr val="404040"/>
+            </a:solidFill>
+            <a:miter lim="800000"/>
+          </a:ln>
+        </p:spPr>
+        <p:txBody>
+          <a:bodyPr vert="horz" lIns="182880" tIns="182880" rIns="182880" bIns="182880" rtlCol="0" anchor="ctr">
+            <a:noAutofit/>
+          </a:bodyPr>
+          <a:lstStyle>
+            <a:lvl1pPr algn="ctr" defTabSz="914400" rtl="0" eaLnBrk="1" latinLnBrk="0" hangingPunct="1">
+              <a:lnSpc>
+                <a:spcPct val="90000"/>
+              </a:lnSpc>
+              <a:spcBef>
+                <a:spcPct val="0"/>
+              </a:spcBef>
+              <a:buNone/>
+              <a:defRPr sz="2600" kern="1200" cap="all" spc="200" baseline="0">
+                <a:solidFill>
+                  <a:srgbClr val="262626"/>
+                </a:solidFill>
+                <a:latin typeface="+mj-lt"/>
+                <a:ea typeface="+mj-ea"/>
+                <a:cs typeface="+mj-cs"/>
+              </a:defRPr>
+            </a:lvl1pPr>
+          </a:lstStyle>
+          <a:p>
+            <a:r>
+              <a:rPr lang="pt-BR" sz="2400" b="1" dirty="0"/>
+              <a:t>TRABALHANDO EM </a:t>
+            </a:r>
+            <a:r>
+              <a:rPr lang="pt-BR" sz="2400" b="1" dirty="0" smtClean="0"/>
+              <a:t>PARALELO </a:t>
+            </a:r>
+            <a:r>
+              <a:rPr lang="pt-BR" sz="2400" b="1" dirty="0"/>
+              <a:t>COM BRANCHES</a:t>
+            </a:r>
+          </a:p>
+        </p:txBody>
+      </p:sp>
+    </p:spTree>
+    <p:extLst>
+      <p:ext uri="{BB962C8B-B14F-4D97-AF65-F5344CB8AC3E}">
+        <p14:creationId xmlns:p14="http://schemas.microsoft.com/office/powerpoint/2010/main" val="2791255800"/>
+      </p:ext>
+    </p:extLst>
+  </p:cSld>
+  <p:clrMapOvr>
+    <a:masterClrMapping/>
+  </p:clrMapOvr>
+</p:sld>
+</file>
+
+<file path=ppt/slides/slide30.xml><?xml version="1.0" encoding="utf-8"?>
 <p:sld xmlns:a="http://schemas.openxmlformats.org/drawingml/2006/main" xmlns:r="http://schemas.openxmlformats.org/officeDocument/2006/relationships" xmlns:p="http://schemas.openxmlformats.org/presentationml/2006/main">
   <p:cSld>
     <p:spTree>
@@ -7688,6 +8842,64 @@
           </a:extLst>
         </p:spPr>
       </p:pic>
+      <p:sp>
+        <p:nvSpPr>
+          <p:cNvPr id="3" name="Título 1"/>
+          <p:cNvSpPr txBox="1">
+            <a:spLocks/>
+          </p:cNvSpPr>
+          <p:nvPr/>
+        </p:nvSpPr>
+        <p:spPr bwMode="black">
+          <a:xfrm>
+            <a:off x="180304" y="0"/>
+            <a:ext cx="8770513" cy="902745"/>
+          </a:xfrm>
+          <a:prstGeom prst="rect">
+            <a:avLst/>
+          </a:prstGeom>
+          <a:solidFill>
+            <a:srgbClr val="FFFFFF"/>
+          </a:solidFill>
+          <a:ln w="31750" cap="sq">
+            <a:solidFill>
+              <a:srgbClr val="404040"/>
+            </a:solidFill>
+            <a:miter lim="800000"/>
+          </a:ln>
+        </p:spPr>
+        <p:txBody>
+          <a:bodyPr vert="horz" lIns="182880" tIns="182880" rIns="182880" bIns="182880" rtlCol="0" anchor="ctr">
+            <a:noAutofit/>
+          </a:bodyPr>
+          <a:lstStyle>
+            <a:lvl1pPr algn="ctr" defTabSz="914400" rtl="0" eaLnBrk="1" latinLnBrk="0" hangingPunct="1">
+              <a:lnSpc>
+                <a:spcPct val="90000"/>
+              </a:lnSpc>
+              <a:spcBef>
+                <a:spcPct val="0"/>
+              </a:spcBef>
+              <a:buNone/>
+              <a:defRPr sz="2600" kern="1200" cap="all" spc="200" baseline="0">
+                <a:solidFill>
+                  <a:srgbClr val="262626"/>
+                </a:solidFill>
+                <a:latin typeface="+mj-lt"/>
+                <a:ea typeface="+mj-ea"/>
+                <a:cs typeface="+mj-cs"/>
+              </a:defRPr>
+            </a:lvl1pPr>
+          </a:lstStyle>
+          <a:p>
+            <a:r>
+              <a:rPr lang="pt-BR" sz="2400" b="1" dirty="0"/>
+              <a:t>MESCLANDO ALTERAÇÕES COM REBASE</a:t>
+            </a:r>
+            <a:endParaRPr lang="pt-BR" sz="2400" b="1" dirty="0"/>
+          </a:p>
+        </p:txBody>
+      </p:sp>
     </p:spTree>
     <p:extLst>
       <p:ext uri="{BB962C8B-B14F-4D97-AF65-F5344CB8AC3E}">
@@ -7701,7 +8913,7 @@
 </p:sld>
 </file>
 
-<file path=ppt/slides/slide41.xml><?xml version="1.0" encoding="utf-8"?>
+<file path=ppt/slides/slide31.xml><?xml version="1.0" encoding="utf-8"?>
 <p:sld xmlns:a="http://schemas.openxmlformats.org/drawingml/2006/main" xmlns:r="http://schemas.openxmlformats.org/officeDocument/2006/relationships" xmlns:p="http://schemas.openxmlformats.org/presentationml/2006/main">
   <p:cSld>
     <p:spTree>
@@ -7733,7 +8945,7 @@
         <p:spPr>
           <a:xfrm>
             <a:off x="475989" y="2305615"/>
-            <a:ext cx="8192022" cy="2246769"/>
+            <a:ext cx="8192022" cy="2554545"/>
           </a:xfrm>
           <a:prstGeom prst="rect">
             <a:avLst/>
@@ -7746,93 +8958,213 @@
           </a:bodyPr>
           <a:lstStyle/>
           <a:p>
-            <a:pPr marL="457200" indent="-457200" algn="just">
-              <a:buFont typeface="Arial" panose="020B0604020202020204" pitchFamily="34" charset="0"/>
-              <a:buChar char="•"/>
-            </a:pPr>
-            <a:r>
-              <a:rPr lang="pt-BR" sz="2800" dirty="0"/>
+            <a:pPr algn="just"/>
+            <a:r>
+              <a:rPr lang="pt-BR" sz="3200" dirty="0"/>
               <a:t>No caso de um </a:t>
             </a:r>
             <a:r>
-              <a:rPr lang="pt-BR" sz="2800" i="1" dirty="0" err="1"/>
+              <a:rPr lang="pt-BR" sz="3200" i="1" dirty="0" err="1">
+                <a:solidFill>
+                  <a:srgbClr val="FF0000"/>
+                </a:solidFill>
+              </a:rPr>
               <a:t>fast-forward</a:t>
             </a:r>
             <a:r>
-              <a:rPr lang="pt-BR" sz="2800" dirty="0"/>
+              <a:rPr lang="pt-BR" sz="3200" dirty="0"/>
               <a:t>, necessário apenas apontar a </a:t>
             </a:r>
             <a:r>
-              <a:rPr lang="pt-BR" sz="2800" dirty="0" err="1"/>
+              <a:rPr lang="pt-BR" sz="3200" dirty="0" err="1">
+                <a:solidFill>
+                  <a:srgbClr val="FF0000"/>
+                </a:solidFill>
+              </a:rPr>
               <a:t>branch</a:t>
             </a:r>
             <a:r>
-              <a:rPr lang="pt-BR" sz="2800" dirty="0"/>
-              <a:t> de destino para o </a:t>
-            </a:r>
-            <a:r>
-              <a:rPr lang="pt-BR" sz="2800" dirty="0" err="1"/>
+              <a:rPr lang="pt-BR" sz="3200" dirty="0">
+                <a:solidFill>
+                  <a:srgbClr val="FF0000"/>
+                </a:solidFill>
+              </a:rPr>
+              <a:t> </a:t>
+            </a:r>
+            <a:r>
+              <a:rPr lang="pt-BR" sz="3200" dirty="0"/>
+              <a:t>de destino para o </a:t>
+            </a:r>
+            <a:r>
+              <a:rPr lang="pt-BR" sz="3200" dirty="0" err="1">
+                <a:solidFill>
+                  <a:srgbClr val="FF0000"/>
+                </a:solidFill>
+              </a:rPr>
               <a:t>commit</a:t>
             </a:r>
             <a:r>
-              <a:rPr lang="pt-BR" sz="2800" dirty="0"/>
-              <a:t> mais novo da </a:t>
-            </a:r>
-            <a:r>
-              <a:rPr lang="pt-BR" sz="2800" dirty="0" err="1"/>
+              <a:rPr lang="pt-BR" sz="3200" dirty="0">
+                <a:solidFill>
+                  <a:srgbClr val="FF0000"/>
+                </a:solidFill>
+              </a:rPr>
+              <a:t> </a:t>
+            </a:r>
+            <a:r>
+              <a:rPr lang="pt-BR" sz="3200" dirty="0"/>
+              <a:t>mais novo da </a:t>
+            </a:r>
+            <a:r>
+              <a:rPr lang="pt-BR" sz="3200" dirty="0" err="1"/>
               <a:t>branch</a:t>
             </a:r>
             <a:r>
-              <a:rPr lang="pt-BR" sz="2800" dirty="0"/>
+              <a:rPr lang="pt-BR" sz="3200" dirty="0"/>
               <a:t> a ser mesclada.</a:t>
             </a:r>
           </a:p>
           <a:p>
-            <a:pPr marL="457200" indent="-457200" algn="just">
-              <a:buFont typeface="Arial" panose="020B0604020202020204" pitchFamily="34" charset="0"/>
-              <a:buChar char="•"/>
-            </a:pPr>
-            <a:r>
-              <a:rPr lang="pt-BR" sz="2800" dirty="0"/>
+            <a:pPr algn="just"/>
+            <a:r>
+              <a:rPr lang="pt-BR" sz="3200" dirty="0"/>
               <a:t>Os comandos </a:t>
             </a:r>
             <a:r>
-              <a:rPr lang="pt-BR" sz="2800" i="1" dirty="0" err="1"/>
+              <a:rPr lang="pt-BR" sz="3200" i="1" dirty="0" err="1">
+                <a:solidFill>
+                  <a:srgbClr val="FF0000"/>
+                </a:solidFill>
+              </a:rPr>
               <a:t>git</a:t>
             </a:r>
             <a:r>
-              <a:rPr lang="pt-BR" sz="2800" i="1" dirty="0"/>
+              <a:rPr lang="pt-BR" sz="3200" i="1" dirty="0">
+                <a:solidFill>
+                  <a:srgbClr val="FF0000"/>
+                </a:solidFill>
+              </a:rPr>
               <a:t> merge</a:t>
             </a:r>
             <a:r>
-              <a:rPr lang="pt-BR" sz="2800" dirty="0"/>
-              <a:t> e </a:t>
-            </a:r>
-            <a:r>
-              <a:rPr lang="pt-BR" sz="2800" i="1" dirty="0" err="1"/>
+              <a:rPr lang="pt-BR" sz="3200" dirty="0">
+                <a:solidFill>
+                  <a:srgbClr val="FF0000"/>
+                </a:solidFill>
+              </a:rPr>
+              <a:t> </a:t>
+            </a:r>
+            <a:r>
+              <a:rPr lang="pt-BR" sz="3200" dirty="0"/>
+              <a:t>e </a:t>
+            </a:r>
+            <a:r>
+              <a:rPr lang="pt-BR" sz="3200" i="1" dirty="0" err="1">
+                <a:solidFill>
+                  <a:srgbClr val="FF0000"/>
+                </a:solidFill>
+              </a:rPr>
               <a:t>git</a:t>
             </a:r>
             <a:r>
-              <a:rPr lang="pt-BR" sz="2800" i="1" dirty="0"/>
+              <a:rPr lang="pt-BR" sz="3200" i="1" dirty="0">
+                <a:solidFill>
+                  <a:srgbClr val="FF0000"/>
+                </a:solidFill>
+              </a:rPr>
               <a:t> </a:t>
             </a:r>
             <a:r>
-              <a:rPr lang="pt-BR" sz="2800" i="1" dirty="0" err="1"/>
+              <a:rPr lang="pt-BR" sz="3200" i="1" dirty="0" err="1">
+                <a:solidFill>
+                  <a:srgbClr val="FF0000"/>
+                </a:solidFill>
+              </a:rPr>
               <a:t>rebase</a:t>
             </a:r>
             <a:r>
-              <a:rPr lang="pt-BR" sz="2800" dirty="0"/>
-              <a:t> possuem o mesmo efeito em um </a:t>
-            </a:r>
-            <a:r>
-              <a:rPr lang="pt-BR" sz="2800" i="1" dirty="0" err="1"/>
+              <a:rPr lang="pt-BR" sz="3200" dirty="0">
+                <a:solidFill>
+                  <a:srgbClr val="FF0000"/>
+                </a:solidFill>
+              </a:rPr>
+              <a:t> </a:t>
+            </a:r>
+            <a:r>
+              <a:rPr lang="pt-BR" sz="3200" dirty="0"/>
+              <a:t>possuem o mesmo efeito em um </a:t>
+            </a:r>
+            <a:r>
+              <a:rPr lang="pt-BR" sz="3200" i="1" dirty="0" err="1">
+                <a:solidFill>
+                  <a:srgbClr val="FF0000"/>
+                </a:solidFill>
+              </a:rPr>
               <a:t>fast-forward</a:t>
             </a:r>
             <a:r>
-              <a:rPr lang="pt-BR" sz="2800" i="1" dirty="0"/>
+              <a:rPr lang="pt-BR" sz="3200" i="1" dirty="0"/>
               <a:t>.</a:t>
             </a:r>
-            <a:endParaRPr lang="pt-BR" sz="2800" dirty="0"/>
+            <a:endParaRPr lang="pt-BR" sz="3200" dirty="0"/>
+          </a:p>
+        </p:txBody>
+      </p:sp>
+      <p:sp>
+        <p:nvSpPr>
+          <p:cNvPr id="3" name="Título 1"/>
+          <p:cNvSpPr txBox="1">
+            <a:spLocks/>
+          </p:cNvSpPr>
+          <p:nvPr/>
+        </p:nvSpPr>
+        <p:spPr bwMode="black">
+          <a:xfrm>
+            <a:off x="180304" y="0"/>
+            <a:ext cx="8770513" cy="902745"/>
+          </a:xfrm>
+          <a:prstGeom prst="rect">
+            <a:avLst/>
+          </a:prstGeom>
+          <a:solidFill>
+            <a:srgbClr val="FFFFFF"/>
+          </a:solidFill>
+          <a:ln w="31750" cap="sq">
+            <a:solidFill>
+              <a:srgbClr val="404040"/>
+            </a:solidFill>
+            <a:miter lim="800000"/>
+          </a:ln>
+        </p:spPr>
+        <p:txBody>
+          <a:bodyPr vert="horz" lIns="182880" tIns="182880" rIns="182880" bIns="182880" rtlCol="0" anchor="ctr">
+            <a:noAutofit/>
+          </a:bodyPr>
+          <a:lstStyle>
+            <a:lvl1pPr algn="ctr" defTabSz="914400" rtl="0" eaLnBrk="1" latinLnBrk="0" hangingPunct="1">
+              <a:lnSpc>
+                <a:spcPct val="90000"/>
+              </a:lnSpc>
+              <a:spcBef>
+                <a:spcPct val="0"/>
+              </a:spcBef>
+              <a:buNone/>
+              <a:defRPr sz="2600" kern="1200" cap="all" spc="200" baseline="0">
+                <a:solidFill>
+                  <a:srgbClr val="262626"/>
+                </a:solidFill>
+                <a:latin typeface="+mj-lt"/>
+                <a:ea typeface="+mj-ea"/>
+                <a:cs typeface="+mj-cs"/>
+              </a:defRPr>
+            </a:lvl1pPr>
+          </a:lstStyle>
+          <a:p>
+            <a:r>
+              <a:rPr lang="pt-BR" sz="2400" b="1" dirty="0"/>
+              <a:t>MESCLANDO ALTERAÇÕES COM REBASE</a:t>
+            </a:r>
+            <a:endParaRPr lang="pt-BR" sz="2400" b="1" dirty="0"/>
           </a:p>
         </p:txBody>
       </p:sp>
@@ -7849,7 +9181,7 @@
 </p:sld>
 </file>
 
-<file path=ppt/slides/slide42.xml><?xml version="1.0" encoding="utf-8"?>
+<file path=ppt/slides/slide32.xml><?xml version="1.0" encoding="utf-8"?>
 <p:sld xmlns:a="http://schemas.openxmlformats.org/drawingml/2006/main" xmlns:r="http://schemas.openxmlformats.org/officeDocument/2006/relationships" xmlns:p="http://schemas.openxmlformats.org/presentationml/2006/main">
   <p:cSld>
     <p:spTree>
@@ -7881,7 +9213,7 @@
         <p:spPr>
           <a:xfrm>
             <a:off x="475989" y="1351508"/>
-            <a:ext cx="8192022" cy="4154984"/>
+            <a:ext cx="8192022" cy="3170099"/>
           </a:xfrm>
           <a:prstGeom prst="rect">
             <a:avLst/>
@@ -7895,14 +9227,6 @@
           <a:lstStyle/>
           <a:p>
             <a:pPr algn="just"/>
-            <a:r>
-              <a:rPr lang="pt-BR" sz="3200" b="1" dirty="0"/>
-              <a:t>MANTENDO O HISTÓRICO DA MASTER INTACTO APÓS UM REBASE</a:t>
-            </a:r>
-            <a:endParaRPr lang="pt-BR" sz="3200" dirty="0"/>
-          </a:p>
-          <a:p>
-            <a:pPr algn="just"/>
             <a:endParaRPr lang="pt-BR" sz="3200" b="1" dirty="0"/>
           </a:p>
           <a:p>
@@ -7925,31 +9249,67 @@
               <a:t>Necessário mudar a </a:t>
             </a:r>
             <a:r>
-              <a:rPr lang="pt-BR" sz="2800" dirty="0" err="1"/>
+              <a:rPr lang="pt-BR" sz="2800" dirty="0" err="1">
+                <a:solidFill>
+                  <a:srgbClr val="FF0000"/>
+                </a:solidFill>
+              </a:rPr>
               <a:t>branch</a:t>
             </a:r>
             <a:r>
-              <a:rPr lang="pt-BR" sz="2800" dirty="0"/>
-              <a:t> do projeto para a </a:t>
-            </a:r>
-            <a:r>
-              <a:rPr lang="pt-BR" sz="2800" dirty="0" err="1"/>
+              <a:rPr lang="pt-BR" sz="2800" dirty="0">
+                <a:solidFill>
+                  <a:srgbClr val="FF0000"/>
+                </a:solidFill>
+              </a:rPr>
+              <a:t> </a:t>
+            </a:r>
+            <a:r>
+              <a:rPr lang="pt-BR" sz="2800" dirty="0"/>
+              <a:t>do projeto para a </a:t>
+            </a:r>
+            <a:r>
+              <a:rPr lang="pt-BR" sz="2800" dirty="0" err="1">
+                <a:solidFill>
+                  <a:srgbClr val="FF0000"/>
+                </a:solidFill>
+              </a:rPr>
               <a:t>branch</a:t>
             </a:r>
             <a:r>
-              <a:rPr lang="pt-BR" sz="2800" dirty="0"/>
-              <a:t> criada através do comando </a:t>
-            </a:r>
-            <a:r>
-              <a:rPr lang="pt-BR" sz="2800" i="1" dirty="0" err="1"/>
+              <a:rPr lang="pt-BR" sz="2800" dirty="0">
+                <a:solidFill>
+                  <a:srgbClr val="FF0000"/>
+                </a:solidFill>
+              </a:rPr>
+              <a:t> </a:t>
+            </a:r>
+            <a:r>
+              <a:rPr lang="pt-BR" sz="2800" dirty="0"/>
+              <a:t>criada através do comando </a:t>
+            </a:r>
+            <a:r>
+              <a:rPr lang="pt-BR" sz="2800" i="1" dirty="0" err="1">
+                <a:solidFill>
+                  <a:srgbClr val="FF0000"/>
+                </a:solidFill>
+              </a:rPr>
               <a:t>git</a:t>
             </a:r>
             <a:r>
-              <a:rPr lang="pt-BR" sz="2800" i="1" dirty="0"/>
+              <a:rPr lang="pt-BR" sz="2800" i="1" dirty="0">
+                <a:solidFill>
+                  <a:srgbClr val="FF0000"/>
+                </a:solidFill>
+              </a:rPr>
               <a:t> </a:t>
             </a:r>
             <a:r>
-              <a:rPr lang="pt-BR" sz="2800" i="1" dirty="0" err="1"/>
+              <a:rPr lang="pt-BR" sz="2800" i="1" dirty="0" err="1">
+                <a:solidFill>
+                  <a:srgbClr val="FF0000"/>
+                </a:solidFill>
+              </a:rPr>
               <a:t>checkout</a:t>
             </a:r>
             <a:r>
@@ -7967,7 +9327,11 @@
               <a:t>Então basta executar o </a:t>
             </a:r>
             <a:r>
-              <a:rPr lang="pt-BR" sz="2800" dirty="0" err="1"/>
+              <a:rPr lang="pt-BR" sz="2800" dirty="0" err="1">
+                <a:solidFill>
+                  <a:srgbClr val="FF0000"/>
+                </a:solidFill>
+              </a:rPr>
               <a:t>rebase</a:t>
             </a:r>
             <a:r>
@@ -7975,53 +9339,167 @@
               <a:t> da </a:t>
             </a:r>
             <a:r>
-              <a:rPr lang="pt-BR" sz="2800" dirty="0" err="1"/>
+              <a:rPr lang="pt-BR" sz="2800" dirty="0" err="1">
+                <a:solidFill>
+                  <a:srgbClr val="FF0000"/>
+                </a:solidFill>
+              </a:rPr>
               <a:t>branch</a:t>
             </a:r>
             <a:r>
-              <a:rPr lang="pt-BR" sz="2800" dirty="0"/>
+              <a:rPr lang="pt-BR" sz="2800" dirty="0">
+                <a:solidFill>
+                  <a:srgbClr val="FF0000"/>
+                </a:solidFill>
+              </a:rPr>
               <a:t> </a:t>
             </a:r>
             <a:r>
+              <a:rPr lang="pt-BR" sz="2800" i="1" dirty="0" err="1">
+                <a:solidFill>
+                  <a:srgbClr val="FF0000"/>
+                </a:solidFill>
+              </a:rPr>
+              <a:t>master</a:t>
+            </a:r>
+            <a:r>
+              <a:rPr lang="pt-BR" sz="2800" dirty="0">
+                <a:solidFill>
+                  <a:srgbClr val="FF0000"/>
+                </a:solidFill>
+              </a:rPr>
+              <a:t> </a:t>
+            </a:r>
+            <a:r>
+              <a:rPr lang="pt-BR" sz="2800" dirty="0"/>
+              <a:t>na nova </a:t>
+            </a:r>
+            <a:r>
+              <a:rPr lang="pt-BR" sz="2800" dirty="0" err="1">
+                <a:solidFill>
+                  <a:srgbClr val="FF0000"/>
+                </a:solidFill>
+              </a:rPr>
+              <a:t>branch</a:t>
+            </a:r>
+            <a:r>
+              <a:rPr lang="pt-BR" sz="2800" dirty="0">
+                <a:solidFill>
+                  <a:srgbClr val="FF0000"/>
+                </a:solidFill>
+              </a:rPr>
+              <a:t> </a:t>
+            </a:r>
+            <a:r>
+              <a:rPr lang="pt-BR" sz="2800" dirty="0"/>
+              <a:t>com o comando </a:t>
+            </a:r>
+            <a:r>
+              <a:rPr lang="pt-BR" sz="2800" i="1" dirty="0" err="1">
+                <a:solidFill>
+                  <a:srgbClr val="FF0000"/>
+                </a:solidFill>
+              </a:rPr>
+              <a:t>git</a:t>
+            </a:r>
+            <a:r>
+              <a:rPr lang="pt-BR" sz="2800" i="1" dirty="0">
+                <a:solidFill>
+                  <a:srgbClr val="FF0000"/>
+                </a:solidFill>
+              </a:rPr>
+              <a:t> </a:t>
+            </a:r>
+            <a:r>
+              <a:rPr lang="pt-BR" sz="2800" i="1" dirty="0" err="1">
+                <a:solidFill>
+                  <a:srgbClr val="FF0000"/>
+                </a:solidFill>
+              </a:rPr>
+              <a:t>rebase</a:t>
+            </a:r>
+            <a:r>
+              <a:rPr lang="pt-BR" sz="2800" i="1" dirty="0">
+                <a:solidFill>
+                  <a:srgbClr val="FF0000"/>
+                </a:solidFill>
+              </a:rPr>
+              <a:t> </a:t>
+            </a:r>
+            <a:r>
+              <a:rPr lang="pt-BR" sz="2800" i="1" dirty="0" err="1">
+                <a:solidFill>
+                  <a:srgbClr val="FF0000"/>
+                </a:solidFill>
+              </a:rPr>
+              <a:t>m</a:t>
+            </a:r>
+            <a:r>
               <a:rPr lang="pt-BR" sz="2800" i="1" dirty="0" err="1"/>
-              <a:t>master</a:t>
-            </a:r>
-            <a:r>
-              <a:rPr lang="pt-BR" sz="2800" dirty="0"/>
-              <a:t> na nova </a:t>
-            </a:r>
-            <a:r>
-              <a:rPr lang="pt-BR" sz="2800" dirty="0" err="1"/>
-              <a:t>branch</a:t>
-            </a:r>
-            <a:r>
-              <a:rPr lang="pt-BR" sz="2800" dirty="0"/>
-              <a:t> com o comando </a:t>
-            </a:r>
-            <a:r>
-              <a:rPr lang="pt-BR" sz="2800" i="1" dirty="0" err="1"/>
-              <a:t>git</a:t>
-            </a:r>
-            <a:r>
-              <a:rPr lang="pt-BR" sz="2800" i="1" dirty="0"/>
-              <a:t> </a:t>
-            </a:r>
-            <a:r>
-              <a:rPr lang="pt-BR" sz="2800" i="1" dirty="0" err="1"/>
-              <a:t>rebase</a:t>
-            </a:r>
-            <a:r>
-              <a:rPr lang="pt-BR" sz="2800" i="1" dirty="0"/>
-              <a:t> </a:t>
-            </a:r>
-            <a:r>
-              <a:rPr lang="pt-BR" sz="2800" i="1" dirty="0" err="1"/>
-              <a:t>master</a:t>
+              <a:t>aster</a:t>
             </a:r>
             <a:r>
               <a:rPr lang="pt-BR" sz="2800" dirty="0"/>
               <a:t>.</a:t>
             </a:r>
+          </a:p>
+        </p:txBody>
+      </p:sp>
+      <p:sp>
+        <p:nvSpPr>
+          <p:cNvPr id="4" name="Título 1"/>
+          <p:cNvSpPr txBox="1">
+            <a:spLocks/>
+          </p:cNvSpPr>
+          <p:nvPr/>
+        </p:nvSpPr>
+        <p:spPr bwMode="black">
+          <a:xfrm>
+            <a:off x="180304" y="0"/>
+            <a:ext cx="8770513" cy="902745"/>
+          </a:xfrm>
+          <a:prstGeom prst="rect">
+            <a:avLst/>
+          </a:prstGeom>
+          <a:solidFill>
+            <a:srgbClr val="FFFFFF"/>
+          </a:solidFill>
+          <a:ln w="31750" cap="sq">
+            <a:solidFill>
+              <a:srgbClr val="404040"/>
+            </a:solidFill>
+            <a:miter lim="800000"/>
+          </a:ln>
+        </p:spPr>
+        <p:txBody>
+          <a:bodyPr vert="horz" lIns="182880" tIns="182880" rIns="182880" bIns="182880" rtlCol="0" anchor="ctr">
+            <a:noAutofit/>
+          </a:bodyPr>
+          <a:lstStyle>
+            <a:lvl1pPr algn="ctr" defTabSz="914400" rtl="0" eaLnBrk="1" latinLnBrk="0" hangingPunct="1">
+              <a:lnSpc>
+                <a:spcPct val="90000"/>
+              </a:lnSpc>
+              <a:spcBef>
+                <a:spcPct val="0"/>
+              </a:spcBef>
+              <a:buNone/>
+              <a:defRPr sz="2600" kern="1200" cap="all" spc="200" baseline="0">
+                <a:solidFill>
+                  <a:srgbClr val="262626"/>
+                </a:solidFill>
+                <a:latin typeface="+mj-lt"/>
+                <a:ea typeface="+mj-ea"/>
+                <a:cs typeface="+mj-cs"/>
+              </a:defRPr>
+            </a:lvl1pPr>
+          </a:lstStyle>
+          <a:p>
+            <a:r>
+              <a:rPr lang="pt-BR" sz="2400" b="1" dirty="0"/>
+              <a:t>MANTENDO O HISTÓRICO DA MASTER INTACTO APÓS UM REBASE</a:t>
+            </a:r>
+            <a:endParaRPr lang="pt-BR" sz="2400" dirty="0"/>
           </a:p>
         </p:txBody>
       </p:sp>
@@ -8038,7 +9516,7 @@
 </p:sld>
 </file>
 
-<file path=ppt/slides/slide43.xml><?xml version="1.0" encoding="utf-8"?>
+<file path=ppt/slides/slide33.xml><?xml version="1.0" encoding="utf-8"?>
 <p:sld xmlns:a="http://schemas.openxmlformats.org/drawingml/2006/main" xmlns:r="http://schemas.openxmlformats.org/officeDocument/2006/relationships" xmlns:p="http://schemas.openxmlformats.org/presentationml/2006/main">
   <p:cSld>
     <p:spTree>
@@ -8102,6 +9580,64 @@
           </a:extLst>
         </p:spPr>
       </p:pic>
+      <p:sp>
+        <p:nvSpPr>
+          <p:cNvPr id="3" name="Título 1"/>
+          <p:cNvSpPr txBox="1">
+            <a:spLocks/>
+          </p:cNvSpPr>
+          <p:nvPr/>
+        </p:nvSpPr>
+        <p:spPr bwMode="black">
+          <a:xfrm>
+            <a:off x="180304" y="0"/>
+            <a:ext cx="8770513" cy="902745"/>
+          </a:xfrm>
+          <a:prstGeom prst="rect">
+            <a:avLst/>
+          </a:prstGeom>
+          <a:solidFill>
+            <a:srgbClr val="FFFFFF"/>
+          </a:solidFill>
+          <a:ln w="31750" cap="sq">
+            <a:solidFill>
+              <a:srgbClr val="404040"/>
+            </a:solidFill>
+            <a:miter lim="800000"/>
+          </a:ln>
+        </p:spPr>
+        <p:txBody>
+          <a:bodyPr vert="horz" lIns="182880" tIns="182880" rIns="182880" bIns="182880" rtlCol="0" anchor="ctr">
+            <a:noAutofit/>
+          </a:bodyPr>
+          <a:lstStyle>
+            <a:lvl1pPr algn="ctr" defTabSz="914400" rtl="0" eaLnBrk="1" latinLnBrk="0" hangingPunct="1">
+              <a:lnSpc>
+                <a:spcPct val="90000"/>
+              </a:lnSpc>
+              <a:spcBef>
+                <a:spcPct val="0"/>
+              </a:spcBef>
+              <a:buNone/>
+              <a:defRPr sz="2600" kern="1200" cap="all" spc="200" baseline="0">
+                <a:solidFill>
+                  <a:srgbClr val="262626"/>
+                </a:solidFill>
+                <a:latin typeface="+mj-lt"/>
+                <a:ea typeface="+mj-ea"/>
+                <a:cs typeface="+mj-cs"/>
+              </a:defRPr>
+            </a:lvl1pPr>
+          </a:lstStyle>
+          <a:p>
+            <a:r>
+              <a:rPr lang="pt-BR" sz="2400" b="1" dirty="0"/>
+              <a:t>MANTENDO O HISTÓRICO DA MASTER INTACTO APÓS UM REBASE</a:t>
+            </a:r>
+            <a:endParaRPr lang="pt-BR" sz="2400" dirty="0"/>
+          </a:p>
+        </p:txBody>
+      </p:sp>
     </p:spTree>
     <p:extLst>
       <p:ext uri="{BB962C8B-B14F-4D97-AF65-F5344CB8AC3E}">
@@ -8115,7 +9651,7 @@
 </p:sld>
 </file>
 
-<file path=ppt/slides/slide44.xml><?xml version="1.0" encoding="utf-8"?>
+<file path=ppt/slides/slide34.xml><?xml version="1.0" encoding="utf-8"?>
 <p:sld xmlns:a="http://schemas.openxmlformats.org/drawingml/2006/main" xmlns:r="http://schemas.openxmlformats.org/officeDocument/2006/relationships" xmlns:p="http://schemas.openxmlformats.org/presentationml/2006/main">
   <p:cSld>
     <p:spTree>
@@ -8147,7 +9683,7 @@
         <p:spPr>
           <a:xfrm>
             <a:off x="475989" y="735955"/>
-            <a:ext cx="8192022" cy="5386090"/>
+            <a:ext cx="8192022" cy="4893647"/>
           </a:xfrm>
           <a:prstGeom prst="rect">
             <a:avLst/>
@@ -8161,21 +9697,10 @@
           <a:lstStyle/>
           <a:p>
             <a:pPr algn="just"/>
-            <a:r>
-              <a:rPr lang="pt-BR" sz="3200" b="1" dirty="0"/>
-              <a:t>MERGE OU REBASE?</a:t>
-            </a:r>
             <a:endParaRPr lang="pt-BR" sz="3200" dirty="0"/>
           </a:p>
           <a:p>
             <a:pPr algn="just"/>
-            <a:endParaRPr lang="pt-BR" sz="3200" dirty="0"/>
-          </a:p>
-          <a:p>
-            <a:pPr marL="457200" indent="-457200" algn="just">
-              <a:buFont typeface="Arial" panose="020B0604020202020204" pitchFamily="34" charset="0"/>
-              <a:buChar char="•"/>
-            </a:pPr>
             <a:r>
               <a:rPr lang="pt-BR" sz="2800" dirty="0"/>
               <a:t>Merge mantém um registro fiel do que ocorreu no repositório, porém os </a:t>
@@ -8190,10 +9715,7 @@
             </a:r>
           </a:p>
           <a:p>
-            <a:pPr marL="457200" indent="-457200" algn="just">
-              <a:buFont typeface="Arial" panose="020B0604020202020204" pitchFamily="34" charset="0"/>
-              <a:buChar char="•"/>
-            </a:pPr>
+            <a:pPr algn="just"/>
             <a:r>
               <a:rPr lang="pt-BR" sz="2800" dirty="0" err="1"/>
               <a:t>Rebase</a:t>
@@ -8212,14 +9734,69 @@
             </a:r>
           </a:p>
           <a:p>
-            <a:pPr marL="457200" indent="-457200" algn="just">
-              <a:buFont typeface="Arial" panose="020B0604020202020204" pitchFamily="34" charset="0"/>
-              <a:buChar char="•"/>
-            </a:pPr>
+            <a:pPr algn="just"/>
             <a:r>
               <a:rPr lang="pt-BR" sz="2800" dirty="0"/>
               <a:t>Necessário analisar cada solução com seus prós e contras.</a:t>
             </a:r>
+          </a:p>
+        </p:txBody>
+      </p:sp>
+      <p:sp>
+        <p:nvSpPr>
+          <p:cNvPr id="4" name="Título 1"/>
+          <p:cNvSpPr txBox="1">
+            <a:spLocks/>
+          </p:cNvSpPr>
+          <p:nvPr/>
+        </p:nvSpPr>
+        <p:spPr bwMode="black">
+          <a:xfrm>
+            <a:off x="180304" y="0"/>
+            <a:ext cx="8770513" cy="902745"/>
+          </a:xfrm>
+          <a:prstGeom prst="rect">
+            <a:avLst/>
+          </a:prstGeom>
+          <a:solidFill>
+            <a:srgbClr val="FFFFFF"/>
+          </a:solidFill>
+          <a:ln w="31750" cap="sq">
+            <a:solidFill>
+              <a:srgbClr val="404040"/>
+            </a:solidFill>
+            <a:miter lim="800000"/>
+          </a:ln>
+        </p:spPr>
+        <p:txBody>
+          <a:bodyPr vert="horz" lIns="182880" tIns="182880" rIns="182880" bIns="182880" rtlCol="0" anchor="ctr">
+            <a:noAutofit/>
+          </a:bodyPr>
+          <a:lstStyle>
+            <a:lvl1pPr algn="ctr" defTabSz="914400" rtl="0" eaLnBrk="1" latinLnBrk="0" hangingPunct="1">
+              <a:lnSpc>
+                <a:spcPct val="90000"/>
+              </a:lnSpc>
+              <a:spcBef>
+                <a:spcPct val="0"/>
+              </a:spcBef>
+              <a:buNone/>
+              <a:defRPr sz="2600" kern="1200" cap="all" spc="200" baseline="0">
+                <a:solidFill>
+                  <a:srgbClr val="262626"/>
+                </a:solidFill>
+                <a:latin typeface="+mj-lt"/>
+                <a:ea typeface="+mj-ea"/>
+                <a:cs typeface="+mj-cs"/>
+              </a:defRPr>
+            </a:lvl1pPr>
+          </a:lstStyle>
+          <a:p>
+            <a:r>
+              <a:rPr lang="pt-BR" sz="2400" b="1" dirty="0"/>
+              <a:t>MERGE OU REBASE?</a:t>
+            </a:r>
+            <a:endParaRPr lang="pt-BR" sz="2400" dirty="0"/>
           </a:p>
         </p:txBody>
       </p:sp>
@@ -8227,6 +9804,309 @@
     <p:extLst>
       <p:ext uri="{BB962C8B-B14F-4D97-AF65-F5344CB8AC3E}">
         <p14:creationId xmlns:p14="http://schemas.microsoft.com/office/powerpoint/2010/main" val="1795174072"/>
+      </p:ext>
+    </p:extLst>
+  </p:cSld>
+  <p:clrMapOvr>
+    <a:masterClrMapping/>
+  </p:clrMapOvr>
+</p:sld>
+</file>
+
+<file path=ppt/slides/slide4.xml><?xml version="1.0" encoding="utf-8"?>
+<p:sld xmlns:a="http://schemas.openxmlformats.org/drawingml/2006/main" xmlns:r="http://schemas.openxmlformats.org/officeDocument/2006/relationships" xmlns:p="http://schemas.openxmlformats.org/presentationml/2006/main">
+  <p:cSld>
+    <p:spTree>
+      <p:nvGrpSpPr>
+        <p:cNvPr id="1" name=""/>
+        <p:cNvGrpSpPr/>
+        <p:nvPr/>
+      </p:nvGrpSpPr>
+      <p:grpSpPr>
+        <a:xfrm>
+          <a:off x="0" y="0"/>
+          <a:ext cx="0" cy="0"/>
+          <a:chOff x="0" y="0"/>
+          <a:chExt cx="0" cy="0"/>
+        </a:xfrm>
+      </p:grpSpPr>
+      <p:sp>
+        <p:nvSpPr>
+          <p:cNvPr id="4" name="TextBox 3">
+            <a:extLst>
+              <a:ext uri="{FF2B5EF4-FFF2-40B4-BE49-F238E27FC236}">
+                <a16:creationId xmlns:a16="http://schemas.microsoft.com/office/drawing/2014/main" xmlns="" id="{E037DC88-8AD9-294A-99E1-C8C749C848C7}"/>
+              </a:ext>
+            </a:extLst>
+          </p:cNvPr>
+          <p:cNvSpPr txBox="1"/>
+          <p:nvPr/>
+        </p:nvSpPr>
+        <p:spPr>
+          <a:xfrm>
+            <a:off x="475989" y="1597729"/>
+            <a:ext cx="8192022" cy="3170099"/>
+          </a:xfrm>
+          <a:prstGeom prst="rect">
+            <a:avLst/>
+          </a:prstGeom>
+          <a:noFill/>
+        </p:spPr>
+        <p:txBody>
+          <a:bodyPr wrap="square" rtlCol="0">
+            <a:spAutoFit/>
+          </a:bodyPr>
+          <a:lstStyle/>
+          <a:p>
+            <a:pPr algn="just"/>
+            <a:endParaRPr lang="pt-BR" sz="3200" dirty="0"/>
+          </a:p>
+          <a:p>
+            <a:pPr marL="342900" indent="-342900" algn="just">
+              <a:buFont typeface="Arial" panose="020B0604020202020204" pitchFamily="34" charset="0"/>
+              <a:buChar char="•"/>
+            </a:pPr>
+            <a:r>
+              <a:rPr lang="pt-BR" sz="2800" dirty="0"/>
+              <a:t>Por padrão, o </a:t>
+            </a:r>
+            <a:r>
+              <a:rPr lang="pt-BR" sz="2800" dirty="0" err="1"/>
+              <a:t>git</a:t>
+            </a:r>
+            <a:r>
+              <a:rPr lang="pt-BR" sz="2800" dirty="0"/>
+              <a:t> cria uma </a:t>
+            </a:r>
+            <a:r>
+              <a:rPr lang="pt-BR" sz="2800" dirty="0" err="1">
+                <a:solidFill>
+                  <a:srgbClr val="FF0000"/>
+                </a:solidFill>
+              </a:rPr>
+              <a:t>branch</a:t>
+            </a:r>
+            <a:r>
+              <a:rPr lang="pt-BR" sz="2800" dirty="0">
+                <a:solidFill>
+                  <a:srgbClr val="FF0000"/>
+                </a:solidFill>
+              </a:rPr>
+              <a:t> </a:t>
+            </a:r>
+            <a:r>
+              <a:rPr lang="pt-BR" sz="2800" dirty="0"/>
+              <a:t>principal chamada </a:t>
+            </a:r>
+            <a:r>
+              <a:rPr lang="pt-BR" sz="2800" i="1" dirty="0" err="1">
+                <a:solidFill>
+                  <a:srgbClr val="FF0000"/>
+                </a:solidFill>
+              </a:rPr>
+              <a:t>master</a:t>
+            </a:r>
+            <a:r>
+              <a:rPr lang="pt-BR" sz="2800" dirty="0"/>
+              <a:t>. </a:t>
+            </a:r>
+            <a:r>
+              <a:rPr lang="pt-BR" sz="2800" dirty="0" err="1"/>
+              <a:t>Commits</a:t>
+            </a:r>
+            <a:r>
+              <a:rPr lang="pt-BR" sz="2800" dirty="0"/>
+              <a:t> ocorrem nessa </a:t>
+            </a:r>
+            <a:r>
+              <a:rPr lang="pt-BR" sz="2800" dirty="0" err="1"/>
+              <a:t>branch</a:t>
+            </a:r>
+            <a:r>
+              <a:rPr lang="pt-BR" sz="2800" dirty="0"/>
+              <a:t>.</a:t>
+            </a:r>
+          </a:p>
+          <a:p>
+            <a:pPr marL="342900" indent="-342900" algn="just">
+              <a:buFont typeface="Arial" panose="020B0604020202020204" pitchFamily="34" charset="0"/>
+              <a:buChar char="•"/>
+            </a:pPr>
+            <a:r>
+              <a:rPr lang="pt-BR" sz="2800" dirty="0"/>
+              <a:t>O </a:t>
+            </a:r>
+            <a:r>
+              <a:rPr lang="pt-BR" sz="2800" dirty="0" err="1"/>
+              <a:t>comanto</a:t>
+            </a:r>
+            <a:r>
+              <a:rPr lang="pt-BR" sz="2800" dirty="0"/>
+              <a:t> </a:t>
+            </a:r>
+            <a:r>
+              <a:rPr lang="pt-BR" sz="2800" i="1" dirty="0" err="1">
+                <a:solidFill>
+                  <a:srgbClr val="FF0000"/>
+                </a:solidFill>
+              </a:rPr>
+              <a:t>git</a:t>
+            </a:r>
+            <a:r>
+              <a:rPr lang="pt-BR" sz="2800" i="1" dirty="0">
+                <a:solidFill>
+                  <a:srgbClr val="FF0000"/>
+                </a:solidFill>
+              </a:rPr>
+              <a:t> </a:t>
+            </a:r>
+            <a:r>
+              <a:rPr lang="pt-BR" sz="2800" i="1" dirty="0" err="1">
+                <a:solidFill>
+                  <a:srgbClr val="FF0000"/>
+                </a:solidFill>
+              </a:rPr>
+              <a:t>branch</a:t>
+            </a:r>
+            <a:r>
+              <a:rPr lang="pt-BR" sz="2800" dirty="0">
+                <a:solidFill>
+                  <a:srgbClr val="FF0000"/>
+                </a:solidFill>
+              </a:rPr>
+              <a:t> </a:t>
+            </a:r>
+            <a:r>
+              <a:rPr lang="pt-BR" sz="2800" dirty="0"/>
+              <a:t>é utilizado para listar as </a:t>
+            </a:r>
+            <a:r>
+              <a:rPr lang="pt-BR" sz="2800" dirty="0" err="1"/>
+              <a:t>branches</a:t>
+            </a:r>
+            <a:r>
+              <a:rPr lang="pt-BR" sz="2800" dirty="0"/>
+              <a:t> do repositório. </a:t>
+            </a:r>
+          </a:p>
+          <a:p>
+            <a:pPr marL="342900" indent="-342900" algn="just">
+              <a:buFont typeface="Arial" panose="020B0604020202020204" pitchFamily="34" charset="0"/>
+              <a:buChar char="•"/>
+            </a:pPr>
+            <a:r>
+              <a:rPr lang="pt-BR" sz="2800" dirty="0"/>
+              <a:t>A saída do comando </a:t>
+            </a:r>
+            <a:r>
+              <a:rPr lang="pt-BR" sz="2800" i="1" dirty="0" err="1">
+                <a:solidFill>
+                  <a:srgbClr val="FF0000"/>
+                </a:solidFill>
+              </a:rPr>
+              <a:t>git</a:t>
+            </a:r>
+            <a:r>
+              <a:rPr lang="pt-BR" sz="2800" i="1" dirty="0">
+                <a:solidFill>
+                  <a:srgbClr val="FF0000"/>
+                </a:solidFill>
+              </a:rPr>
+              <a:t> </a:t>
+            </a:r>
+            <a:r>
+              <a:rPr lang="pt-BR" sz="2800" i="1" dirty="0" err="1">
+                <a:solidFill>
+                  <a:srgbClr val="FF0000"/>
+                </a:solidFill>
+              </a:rPr>
+              <a:t>branch</a:t>
+            </a:r>
+            <a:r>
+              <a:rPr lang="pt-BR" sz="2800" dirty="0">
+                <a:solidFill>
+                  <a:srgbClr val="FF0000"/>
+                </a:solidFill>
+              </a:rPr>
+              <a:t> </a:t>
+            </a:r>
+            <a:r>
+              <a:rPr lang="pt-BR" sz="2800" dirty="0"/>
+              <a:t>lista com um asterisco na frente a </a:t>
+            </a:r>
+            <a:r>
+              <a:rPr lang="pt-BR" sz="2800" dirty="0" err="1"/>
+              <a:t>branch</a:t>
+            </a:r>
+            <a:r>
+              <a:rPr lang="pt-BR" sz="2800" dirty="0"/>
+              <a:t> atual.</a:t>
+            </a:r>
+          </a:p>
+        </p:txBody>
+      </p:sp>
+      <p:sp>
+        <p:nvSpPr>
+          <p:cNvPr id="3" name="Título 1"/>
+          <p:cNvSpPr txBox="1">
+            <a:spLocks/>
+          </p:cNvSpPr>
+          <p:nvPr/>
+        </p:nvSpPr>
+        <p:spPr bwMode="black">
+          <a:xfrm>
+            <a:off x="180304" y="0"/>
+            <a:ext cx="8770513" cy="902745"/>
+          </a:xfrm>
+          <a:prstGeom prst="rect">
+            <a:avLst/>
+          </a:prstGeom>
+          <a:solidFill>
+            <a:srgbClr val="FFFFFF"/>
+          </a:solidFill>
+          <a:ln w="31750" cap="sq">
+            <a:solidFill>
+              <a:srgbClr val="404040"/>
+            </a:solidFill>
+            <a:miter lim="800000"/>
+          </a:ln>
+        </p:spPr>
+        <p:txBody>
+          <a:bodyPr vert="horz" lIns="182880" tIns="182880" rIns="182880" bIns="182880" rtlCol="0" anchor="ctr">
+            <a:noAutofit/>
+          </a:bodyPr>
+          <a:lstStyle>
+            <a:lvl1pPr algn="ctr" defTabSz="914400" rtl="0" eaLnBrk="1" latinLnBrk="0" hangingPunct="1">
+              <a:lnSpc>
+                <a:spcPct val="90000"/>
+              </a:lnSpc>
+              <a:spcBef>
+                <a:spcPct val="0"/>
+              </a:spcBef>
+              <a:buNone/>
+              <a:defRPr sz="2600" kern="1200" cap="all" spc="200" baseline="0">
+                <a:solidFill>
+                  <a:srgbClr val="262626"/>
+                </a:solidFill>
+                <a:latin typeface="+mj-lt"/>
+                <a:ea typeface="+mj-ea"/>
+                <a:cs typeface="+mj-cs"/>
+              </a:defRPr>
+            </a:lvl1pPr>
+          </a:lstStyle>
+          <a:p>
+            <a:r>
+              <a:rPr lang="pt-BR" sz="2400" b="1" dirty="0"/>
+              <a:t>BRANCH MASTER</a:t>
+            </a:r>
+            <a:endParaRPr lang="pt-BR" sz="2400" dirty="0"/>
+          </a:p>
+        </p:txBody>
+      </p:sp>
+    </p:spTree>
+    <p:extLst>
+      <p:ext uri="{BB962C8B-B14F-4D97-AF65-F5344CB8AC3E}">
+        <p14:creationId xmlns:p14="http://schemas.microsoft.com/office/powerpoint/2010/main" val="4232512261"/>
       </p:ext>
     </p:extLst>
   </p:cSld>
@@ -8827,83 +10707,6 @@
           <a:chExt cx="0" cy="0"/>
         </a:xfrm>
       </p:grpSpPr>
-      <p:pic>
-        <p:nvPicPr>
-          <p:cNvPr id="1026" name="Picture 2" descr="Git: Merge e Rebase | Atitude Reflexiva">
-            <a:extLst>
-              <a:ext uri="{FF2B5EF4-FFF2-40B4-BE49-F238E27FC236}">
-                <a16:creationId xmlns:a16="http://schemas.microsoft.com/office/drawing/2014/main" xmlns="" id="{5263830C-3A21-C249-9DD9-2EDD8E28847A}"/>
-              </a:ext>
-            </a:extLst>
-          </p:cNvPr>
-          <p:cNvPicPr>
-            <a:picLocks noChangeAspect="1" noChangeArrowheads="1"/>
-          </p:cNvPicPr>
-          <p:nvPr/>
-        </p:nvPicPr>
-        <p:blipFill>
-          <a:blip r:embed="rId2">
-            <a:extLst>
-              <a:ext uri="{28A0092B-C50C-407E-A947-70E740481C1C}">
-                <a14:useLocalDpi xmlns:a14="http://schemas.microsoft.com/office/drawing/2010/main" val="0"/>
-              </a:ext>
-            </a:extLst>
-          </a:blip>
-          <a:srcRect/>
-          <a:stretch>
-            <a:fillRect/>
-          </a:stretch>
-        </p:blipFill>
-        <p:spPr bwMode="auto">
-          <a:xfrm>
-            <a:off x="382758" y="524896"/>
-            <a:ext cx="8378483" cy="5808208"/>
-          </a:xfrm>
-          <a:prstGeom prst="rect">
-            <a:avLst/>
-          </a:prstGeom>
-          <a:noFill/>
-          <a:extLst>
-            <a:ext uri="{909E8E84-426E-40DD-AFC4-6F175D3DCCD1}">
-              <a14:hiddenFill xmlns:a14="http://schemas.microsoft.com/office/drawing/2010/main">
-                <a:solidFill>
-                  <a:srgbClr val="FFFFFF"/>
-                </a:solidFill>
-              </a14:hiddenFill>
-            </a:ext>
-          </a:extLst>
-        </p:spPr>
-      </p:pic>
-    </p:spTree>
-    <p:extLst>
-      <p:ext uri="{BB962C8B-B14F-4D97-AF65-F5344CB8AC3E}">
-        <p14:creationId xmlns:p14="http://schemas.microsoft.com/office/powerpoint/2010/main" val="336709215"/>
-      </p:ext>
-    </p:extLst>
-  </p:cSld>
-  <p:clrMapOvr>
-    <a:masterClrMapping/>
-  </p:clrMapOvr>
-</p:sld>
-</file>
-
-<file path=ppt/slides/slide8.xml><?xml version="1.0" encoding="utf-8"?>
-<p:sld xmlns:a="http://schemas.openxmlformats.org/drawingml/2006/main" xmlns:r="http://schemas.openxmlformats.org/officeDocument/2006/relationships" xmlns:p="http://schemas.openxmlformats.org/presentationml/2006/main">
-  <p:cSld>
-    <p:spTree>
-      <p:nvGrpSpPr>
-        <p:cNvPr id="1" name=""/>
-        <p:cNvGrpSpPr/>
-        <p:nvPr/>
-      </p:nvGrpSpPr>
-      <p:grpSpPr>
-        <a:xfrm>
-          <a:off x="0" y="0"/>
-          <a:ext cx="0" cy="0"/>
-          <a:chOff x="0" y="0"/>
-          <a:chExt cx="0" cy="0"/>
-        </a:xfrm>
-      </p:grpSpPr>
       <p:sp>
         <p:nvSpPr>
           <p:cNvPr id="4" name="TextBox 3">
@@ -9214,7 +11017,7 @@
 </p:sld>
 </file>
 
-<file path=ppt/slides/slide9.xml><?xml version="1.0" encoding="utf-8"?>
+<file path=ppt/slides/slide8.xml><?xml version="1.0" encoding="utf-8"?>
 <p:sld xmlns:a="http://schemas.openxmlformats.org/drawingml/2006/main" xmlns:r="http://schemas.openxmlformats.org/officeDocument/2006/relationships" xmlns:p="http://schemas.openxmlformats.org/presentationml/2006/main">
   <p:cSld>
     <p:spTree>
@@ -9323,6 +11126,124 @@
     <p:extLst>
       <p:ext uri="{BB962C8B-B14F-4D97-AF65-F5344CB8AC3E}">
         <p14:creationId xmlns:p14="http://schemas.microsoft.com/office/powerpoint/2010/main" val="2161152937"/>
+      </p:ext>
+    </p:extLst>
+  </p:cSld>
+  <p:clrMapOvr>
+    <a:masterClrMapping/>
+  </p:clrMapOvr>
+</p:sld>
+</file>
+
+<file path=ppt/slides/slide9.xml><?xml version="1.0" encoding="utf-8"?>
+<p:sld xmlns:a="http://schemas.openxmlformats.org/drawingml/2006/main" xmlns:r="http://schemas.openxmlformats.org/officeDocument/2006/relationships" xmlns:p="http://schemas.openxmlformats.org/presentationml/2006/main">
+  <p:cSld>
+    <p:spTree>
+      <p:nvGrpSpPr>
+        <p:cNvPr id="1" name=""/>
+        <p:cNvGrpSpPr/>
+        <p:nvPr/>
+      </p:nvGrpSpPr>
+      <p:grpSpPr>
+        <a:xfrm>
+          <a:off x="0" y="0"/>
+          <a:ext cx="0" cy="0"/>
+          <a:chOff x="0" y="0"/>
+          <a:chExt cx="0" cy="0"/>
+        </a:xfrm>
+      </p:grpSpPr>
+      <p:pic>
+        <p:nvPicPr>
+          <p:cNvPr id="3" name="Picture 2">
+            <a:extLst>
+              <a:ext uri="{FF2B5EF4-FFF2-40B4-BE49-F238E27FC236}">
+                <a16:creationId xmlns:a16="http://schemas.microsoft.com/office/drawing/2014/main" xmlns="" id="{E86F0F91-0F21-6641-977C-6F84CEBC0F82}"/>
+              </a:ext>
+            </a:extLst>
+          </p:cNvPr>
+          <p:cNvPicPr>
+            <a:picLocks noChangeAspect="1"/>
+          </p:cNvPicPr>
+          <p:nvPr/>
+        </p:nvPicPr>
+        <p:blipFill>
+          <a:blip r:embed="rId2"/>
+          <a:stretch>
+            <a:fillRect/>
+          </a:stretch>
+        </p:blipFill>
+        <p:spPr>
+          <a:xfrm>
+            <a:off x="463550" y="711200"/>
+            <a:ext cx="8216900" cy="5435600"/>
+          </a:xfrm>
+          <a:prstGeom prst="rect">
+            <a:avLst/>
+          </a:prstGeom>
+        </p:spPr>
+      </p:pic>
+      <p:sp>
+        <p:nvSpPr>
+          <p:cNvPr id="4" name="Título 1"/>
+          <p:cNvSpPr txBox="1">
+            <a:spLocks/>
+          </p:cNvSpPr>
+          <p:nvPr/>
+        </p:nvSpPr>
+        <p:spPr bwMode="black">
+          <a:xfrm>
+            <a:off x="180304" y="0"/>
+            <a:ext cx="8770513" cy="902745"/>
+          </a:xfrm>
+          <a:prstGeom prst="rect">
+            <a:avLst/>
+          </a:prstGeom>
+          <a:solidFill>
+            <a:srgbClr val="FFFFFF"/>
+          </a:solidFill>
+          <a:ln w="31750" cap="sq">
+            <a:solidFill>
+              <a:srgbClr val="404040"/>
+            </a:solidFill>
+            <a:miter lim="800000"/>
+          </a:ln>
+        </p:spPr>
+        <p:txBody>
+          <a:bodyPr vert="horz" lIns="182880" tIns="182880" rIns="182880" bIns="182880" rtlCol="0" anchor="ctr">
+            <a:noAutofit/>
+          </a:bodyPr>
+          <a:lstStyle>
+            <a:lvl1pPr algn="ctr" defTabSz="914400" rtl="0" eaLnBrk="1" latinLnBrk="0" hangingPunct="1">
+              <a:lnSpc>
+                <a:spcPct val="90000"/>
+              </a:lnSpc>
+              <a:spcBef>
+                <a:spcPct val="0"/>
+              </a:spcBef>
+              <a:buNone/>
+              <a:defRPr sz="2600" kern="1200" cap="all" spc="200" baseline="0">
+                <a:solidFill>
+                  <a:srgbClr val="262626"/>
+                </a:solidFill>
+                <a:latin typeface="+mj-lt"/>
+                <a:ea typeface="+mj-ea"/>
+                <a:cs typeface="+mj-cs"/>
+              </a:defRPr>
+            </a:lvl1pPr>
+          </a:lstStyle>
+          <a:p>
+            <a:r>
+              <a:rPr lang="pt-BR" sz="2400" b="1" dirty="0"/>
+              <a:t>CRIANDO UMA BRANCH</a:t>
+            </a:r>
+            <a:endParaRPr lang="pt-BR" sz="2400" dirty="0"/>
+          </a:p>
+        </p:txBody>
+      </p:sp>
+    </p:spTree>
+    <p:extLst>
+      <p:ext uri="{BB962C8B-B14F-4D97-AF65-F5344CB8AC3E}">
+        <p14:creationId xmlns:p14="http://schemas.microsoft.com/office/powerpoint/2010/main" val="3346628684"/>
       </p:ext>
     </p:extLst>
   </p:cSld>
